--- a/Activ8 Lightning Night 2020/Personal Practical Cybersecurity.pptx
+++ b/Activ8 Lightning Night 2020/Personal Practical Cybersecurity.pptx
@@ -7,38 +7,37 @@
   <p:sldIdLst>
     <p:sldId id="256" r:id="rId2"/>
     <p:sldId id="260" r:id="rId3"/>
-    <p:sldId id="296" r:id="rId4"/>
-    <p:sldId id="280" r:id="rId5"/>
-    <p:sldId id="298" r:id="rId6"/>
-    <p:sldId id="282" r:id="rId7"/>
-    <p:sldId id="292" r:id="rId8"/>
-    <p:sldId id="261" r:id="rId9"/>
+    <p:sldId id="280" r:id="rId4"/>
+    <p:sldId id="298" r:id="rId5"/>
+    <p:sldId id="282" r:id="rId6"/>
+    <p:sldId id="292" r:id="rId7"/>
+    <p:sldId id="261" r:id="rId8"/>
+    <p:sldId id="287" r:id="rId9"/>
     <p:sldId id="268" r:id="rId10"/>
-    <p:sldId id="287" r:id="rId11"/>
-    <p:sldId id="289" r:id="rId12"/>
-    <p:sldId id="264" r:id="rId13"/>
-    <p:sldId id="293" r:id="rId14"/>
-    <p:sldId id="259" r:id="rId15"/>
-    <p:sldId id="279" r:id="rId16"/>
-    <p:sldId id="278" r:id="rId17"/>
-    <p:sldId id="288" r:id="rId18"/>
-    <p:sldId id="266" r:id="rId19"/>
-    <p:sldId id="290" r:id="rId20"/>
-    <p:sldId id="267" r:id="rId21"/>
-    <p:sldId id="269" r:id="rId22"/>
-    <p:sldId id="291" r:id="rId23"/>
-    <p:sldId id="270" r:id="rId24"/>
-    <p:sldId id="271" r:id="rId25"/>
-    <p:sldId id="286" r:id="rId26"/>
-    <p:sldId id="274" r:id="rId27"/>
-    <p:sldId id="297" r:id="rId28"/>
-    <p:sldId id="295" r:id="rId29"/>
-    <p:sldId id="275" r:id="rId30"/>
-    <p:sldId id="277" r:id="rId31"/>
-    <p:sldId id="284" r:id="rId32"/>
-    <p:sldId id="276" r:id="rId33"/>
-    <p:sldId id="283" r:id="rId34"/>
-    <p:sldId id="273" r:id="rId35"/>
+    <p:sldId id="289" r:id="rId11"/>
+    <p:sldId id="264" r:id="rId12"/>
+    <p:sldId id="293" r:id="rId13"/>
+    <p:sldId id="259" r:id="rId14"/>
+    <p:sldId id="279" r:id="rId15"/>
+    <p:sldId id="278" r:id="rId16"/>
+    <p:sldId id="288" r:id="rId17"/>
+    <p:sldId id="266" r:id="rId18"/>
+    <p:sldId id="290" r:id="rId19"/>
+    <p:sldId id="267" r:id="rId20"/>
+    <p:sldId id="269" r:id="rId21"/>
+    <p:sldId id="291" r:id="rId22"/>
+    <p:sldId id="270" r:id="rId23"/>
+    <p:sldId id="271" r:id="rId24"/>
+    <p:sldId id="286" r:id="rId25"/>
+    <p:sldId id="274" r:id="rId26"/>
+    <p:sldId id="297" r:id="rId27"/>
+    <p:sldId id="295" r:id="rId28"/>
+    <p:sldId id="275" r:id="rId29"/>
+    <p:sldId id="277" r:id="rId30"/>
+    <p:sldId id="284" r:id="rId31"/>
+    <p:sldId id="276" r:id="rId32"/>
+    <p:sldId id="283" r:id="rId33"/>
+    <p:sldId id="273" r:id="rId34"/>
   </p:sldIdLst>
   <p:sldSz cx="12192000" cy="6858000"/>
   <p:notesSz cx="6858000" cy="9144000"/>
@@ -306,7 +305,7 @@
             <a:fld id="{30D566E9-7533-4009-AB0E-92B8486EDC97}" type="datetimeFigureOut">
               <a:rPr lang="en-US" smtClean="0"/>
               <a:pPr/>
-              <a:t>1/13/2020</a:t>
+              <a:t>1/14/2020</a:t>
             </a:fld>
             <a:endParaRPr lang="en-US"/>
           </a:p>
@@ -519,7 +518,7 @@
           <a:p>
             <a:fld id="{30D566E9-7533-4009-AB0E-92B8486EDC97}" type="datetimeFigureOut">
               <a:rPr lang="en-US" smtClean="0"/>
-              <a:t>1/13/2020</a:t>
+              <a:t>1/14/2020</a:t>
             </a:fld>
             <a:endParaRPr lang="en-US"/>
           </a:p>
@@ -727,7 +726,7 @@
           <a:p>
             <a:fld id="{30D566E9-7533-4009-AB0E-92B8486EDC97}" type="datetimeFigureOut">
               <a:rPr lang="en-US" smtClean="0"/>
-              <a:t>1/13/2020</a:t>
+              <a:t>1/14/2020</a:t>
             </a:fld>
             <a:endParaRPr lang="en-US"/>
           </a:p>
@@ -925,7 +924,7 @@
           <a:p>
             <a:fld id="{30D566E9-7533-4009-AB0E-92B8486EDC97}" type="datetimeFigureOut">
               <a:rPr lang="en-US" smtClean="0"/>
-              <a:t>1/13/2020</a:t>
+              <a:t>1/14/2020</a:t>
             </a:fld>
             <a:endParaRPr lang="en-US"/>
           </a:p>
@@ -1200,7 +1199,7 @@
           <a:p>
             <a:fld id="{30D566E9-7533-4009-AB0E-92B8486EDC97}" type="datetimeFigureOut">
               <a:rPr lang="en-US" smtClean="0"/>
-              <a:t>1/13/2020</a:t>
+              <a:t>1/14/2020</a:t>
             </a:fld>
             <a:endParaRPr lang="en-US"/>
           </a:p>
@@ -1465,7 +1464,7 @@
           <a:p>
             <a:fld id="{30D566E9-7533-4009-AB0E-92B8486EDC97}" type="datetimeFigureOut">
               <a:rPr lang="en-US" smtClean="0"/>
-              <a:t>1/13/2020</a:t>
+              <a:t>1/14/2020</a:t>
             </a:fld>
             <a:endParaRPr lang="en-US"/>
           </a:p>
@@ -1877,7 +1876,7 @@
           <a:p>
             <a:fld id="{30D566E9-7533-4009-AB0E-92B8486EDC97}" type="datetimeFigureOut">
               <a:rPr lang="en-US" smtClean="0"/>
-              <a:t>1/13/2020</a:t>
+              <a:t>1/14/2020</a:t>
             </a:fld>
             <a:endParaRPr lang="en-US"/>
           </a:p>
@@ -2018,7 +2017,7 @@
           <a:p>
             <a:fld id="{30D566E9-7533-4009-AB0E-92B8486EDC97}" type="datetimeFigureOut">
               <a:rPr lang="en-US" smtClean="0"/>
-              <a:t>1/13/2020</a:t>
+              <a:t>1/14/2020</a:t>
             </a:fld>
             <a:endParaRPr lang="en-US"/>
           </a:p>
@@ -2131,7 +2130,7 @@
           <a:p>
             <a:fld id="{30D566E9-7533-4009-AB0E-92B8486EDC97}" type="datetimeFigureOut">
               <a:rPr lang="en-US" smtClean="0"/>
-              <a:t>1/13/2020</a:t>
+              <a:t>1/14/2020</a:t>
             </a:fld>
             <a:endParaRPr lang="en-US"/>
           </a:p>
@@ -2442,7 +2441,7 @@
           <a:p>
             <a:fld id="{30D566E9-7533-4009-AB0E-92B8486EDC97}" type="datetimeFigureOut">
               <a:rPr lang="en-US" smtClean="0"/>
-              <a:t>1/13/2020</a:t>
+              <a:t>1/14/2020</a:t>
             </a:fld>
             <a:endParaRPr lang="en-US"/>
           </a:p>
@@ -2730,7 +2729,7 @@
           <a:p>
             <a:fld id="{30D566E9-7533-4009-AB0E-92B8486EDC97}" type="datetimeFigureOut">
               <a:rPr lang="en-US" smtClean="0"/>
-              <a:t>1/13/2020</a:t>
+              <a:t>1/14/2020</a:t>
             </a:fld>
             <a:endParaRPr lang="en-US"/>
           </a:p>
@@ -2977,7 +2976,7 @@
             <a:fld id="{30D566E9-7533-4009-AB0E-92B8486EDC97}" type="datetimeFigureOut">
               <a:rPr lang="en-US" smtClean="0"/>
               <a:pPr/>
-              <a:t>1/13/2020</a:t>
+              <a:t>1/14/2020</a:t>
             </a:fld>
             <a:endParaRPr lang="en-US"/>
           </a:p>
@@ -3391,6 +3390,14 @@
 <file path=ppt/slides/slide1.xml><?xml version="1.0" encoding="utf-8"?>
 <p:sld xmlns:a="http://schemas.openxmlformats.org/drawingml/2006/main" xmlns:r="http://schemas.openxmlformats.org/officeDocument/2006/relationships" xmlns:p="http://schemas.openxmlformats.org/presentationml/2006/main">
   <p:cSld>
+    <p:bg>
+      <p:bgPr>
+        <a:solidFill>
+          <a:schemeClr val="bg1"/>
+        </a:solidFill>
+        <a:effectLst/>
+      </p:bgPr>
+    </p:bg>
     <p:spTree>
       <p:nvGrpSpPr>
         <p:cNvPr id="1" name=""/>
@@ -3407,59 +3414,514 @@
       </p:grpSpPr>
       <p:sp>
         <p:nvSpPr>
-          <p:cNvPr id="2" name="Title 1">
-            <a:extLst>
-              <a:ext uri="{FF2B5EF4-FFF2-40B4-BE49-F238E27FC236}">
-                <a16:creationId xmlns:a16="http://schemas.microsoft.com/office/drawing/2014/main" id="{756CA4BD-BA2C-4EDC-8EDB-04988BBA1EBD}"/>
-              </a:ext>
-            </a:extLst>
-          </p:cNvPr>
-          <p:cNvSpPr>
-            <a:spLocks noGrp="1"/>
-          </p:cNvSpPr>
-          <p:nvPr>
-            <p:ph type="ctrTitle"/>
+          <p:cNvPr id="71" name="Rectangle 70">
+            <a:extLst>
+              <a:ext uri="{FF2B5EF4-FFF2-40B4-BE49-F238E27FC236}">
+                <a16:creationId xmlns:a16="http://schemas.microsoft.com/office/drawing/2014/main" id="{C0B27210-D0CA-4654-B3E3-9ABB4F178EA1}"/>
+              </a:ext>
+              <a:ext uri="{C183D7F6-B498-43B3-948B-1728B52AA6E4}">
+                <adec:decorative xmlns:adec="http://schemas.microsoft.com/office/drawing/2017/decorative" val="1"/>
+              </a:ext>
+            </a:extLst>
+          </p:cNvPr>
+          <p:cNvSpPr>
+            <a:spLocks noGrp="1" noRot="1" noChangeAspect="1" noMove="1" noResize="1" noEditPoints="1" noAdjustHandles="1" noChangeArrowheads="1" noChangeShapeType="1" noTextEdit="1"/>
+          </p:cNvSpPr>
+          <p:nvPr>
+            <p:extLst>
+              <p:ext uri="{386F3935-93C4-4BCD-93E2-E3B085C9AB24}">
+                <p16:designElem xmlns:p16="http://schemas.microsoft.com/office/powerpoint/2015/main" val="1"/>
+              </p:ext>
+            </p:extLst>
           </p:nvPr>
         </p:nvSpPr>
         <p:spPr>
           <a:xfrm>
-            <a:off x="1524000" y="1122362"/>
-            <a:ext cx="9144000" cy="5045681"/>
+            <a:off x="0" y="0"/>
+            <a:ext cx="12192000" cy="6858000"/>
+          </a:xfrm>
+          <a:prstGeom prst="rect">
+            <a:avLst/>
+          </a:prstGeom>
+          <a:solidFill>
+            <a:schemeClr val="tx1">
+              <a:lumMod val="75000"/>
+              <a:lumOff val="25000"/>
+            </a:schemeClr>
+          </a:solidFill>
+          <a:ln>
+            <a:noFill/>
+          </a:ln>
+        </p:spPr>
+        <p:style>
+          <a:lnRef idx="2">
+            <a:schemeClr val="accent1">
+              <a:shade val="50000"/>
+            </a:schemeClr>
+          </a:lnRef>
+          <a:fillRef idx="1">
+            <a:schemeClr val="accent1"/>
+          </a:fillRef>
+          <a:effectRef idx="0">
+            <a:schemeClr val="accent1"/>
+          </a:effectRef>
+          <a:fontRef idx="minor">
+            <a:schemeClr val="lt1"/>
+          </a:fontRef>
+        </p:style>
+        <p:txBody>
+          <a:bodyPr rtlCol="0" anchor="ctr"/>
+          <a:lstStyle/>
+          <a:p>
+            <a:pPr algn="ctr"/>
+            <a:endParaRPr lang="en-US"/>
+          </a:p>
+        </p:txBody>
+      </p:sp>
+      <p:sp>
+        <p:nvSpPr>
+          <p:cNvPr id="2" name="Title 1">
+            <a:extLst>
+              <a:ext uri="{FF2B5EF4-FFF2-40B4-BE49-F238E27FC236}">
+                <a16:creationId xmlns:a16="http://schemas.microsoft.com/office/drawing/2014/main" id="{756CA4BD-BA2C-4EDC-8EDB-04988BBA1EBD}"/>
+              </a:ext>
+            </a:extLst>
+          </p:cNvPr>
+          <p:cNvSpPr>
+            <a:spLocks noGrp="1"/>
+          </p:cNvSpPr>
+          <p:nvPr>
+            <p:ph type="ctrTitle"/>
+          </p:nvPr>
+        </p:nvSpPr>
+        <p:spPr>
+          <a:xfrm>
+            <a:off x="6361471" y="1783959"/>
+            <a:ext cx="5388077" cy="2889114"/>
           </a:xfrm>
         </p:spPr>
         <p:txBody>
-          <a:bodyPr>
+          <a:bodyPr anchor="b">
             <a:normAutofit fontScale="90000"/>
           </a:bodyPr>
           <a:lstStyle/>
           <a:p>
-            <a:r>
-              <a:rPr lang="en-US" sz="8900" dirty="0"/>
+            <a:pPr algn="l">
+              <a:lnSpc>
+                <a:spcPct val="90000"/>
+              </a:lnSpc>
+            </a:pPr>
+            <a:r>
+              <a:rPr lang="en-US" sz="7300" dirty="0">
+                <a:solidFill>
+                  <a:schemeClr val="bg1"/>
+                </a:solidFill>
+              </a:rPr>
               <a:t>Personal Practical Cybersecurity</a:t>
             </a:r>
             <a:br>
-              <a:rPr lang="en-US" sz="8900" dirty="0"/>
-            </a:br>
-            <a:r>
-              <a:rPr lang="en-US" sz="8900" dirty="0"/>
-              <a:t>for Modern Times</a:t>
-            </a:r>
-            <a:br>
-              <a:rPr lang="en-US" dirty="0"/>
+              <a:rPr lang="en-US" sz="4400" dirty="0">
+                <a:solidFill>
+                  <a:schemeClr val="bg1"/>
+                </a:solidFill>
+              </a:rPr>
             </a:br>
             <a:br>
-              <a:rPr lang="en-US" dirty="0"/>
+              <a:rPr lang="en-US" sz="4400" dirty="0">
+                <a:solidFill>
+                  <a:schemeClr val="bg1"/>
+                </a:solidFill>
+              </a:rPr>
             </a:br>
-            <a:br>
-              <a:rPr lang="en-US" dirty="0"/>
-            </a:br>
-            <a:r>
-              <a:rPr lang="en-US" dirty="0"/>
+            <a:r>
+              <a:rPr lang="en-US" sz="4400" dirty="0">
+                <a:solidFill>
+                  <a:schemeClr val="bg1"/>
+                </a:solidFill>
+              </a:rPr>
               <a:t>William Assaf</a:t>
             </a:r>
           </a:p>
         </p:txBody>
       </p:sp>
+      <p:sp>
+        <p:nvSpPr>
+          <p:cNvPr id="73" name="Freeform: Shape 72">
+            <a:extLst>
+              <a:ext uri="{FF2B5EF4-FFF2-40B4-BE49-F238E27FC236}">
+                <a16:creationId xmlns:a16="http://schemas.microsoft.com/office/drawing/2014/main" id="{1DB7C82F-AB7E-4F0C-B829-FA1B9C415180}"/>
+              </a:ext>
+              <a:ext uri="{C183D7F6-B498-43B3-948B-1728B52AA6E4}">
+                <adec:decorative xmlns:adec="http://schemas.microsoft.com/office/drawing/2017/decorative" val="1"/>
+              </a:ext>
+            </a:extLst>
+          </p:cNvPr>
+          <p:cNvSpPr>
+            <a:spLocks noGrp="1" noRot="1" noChangeAspect="1" noMove="1" noResize="1" noEditPoints="1" noAdjustHandles="1" noChangeArrowheads="1" noChangeShapeType="1" noTextEdit="1"/>
+          </p:cNvSpPr>
+          <p:nvPr>
+            <p:extLst>
+              <p:ext uri="{386F3935-93C4-4BCD-93E2-E3B085C9AB24}">
+                <p16:designElem xmlns:p16="http://schemas.microsoft.com/office/powerpoint/2015/main" val="1"/>
+              </p:ext>
+            </p:extLst>
+          </p:nvPr>
+        </p:nvSpPr>
+        <p:spPr>
+          <a:xfrm flipH="1">
+            <a:off x="0" y="0"/>
+            <a:ext cx="6172782" cy="6858000"/>
+          </a:xfrm>
+          <a:custGeom>
+            <a:avLst/>
+            <a:gdLst>
+              <a:gd name="connsiteX0" fmla="*/ 6172782 w 6172782"/>
+              <a:gd name="connsiteY0" fmla="*/ 0 h 6858000"/>
+              <a:gd name="connsiteX1" fmla="*/ 69075 w 6172782"/>
+              <a:gd name="connsiteY1" fmla="*/ 0 h 6858000"/>
+              <a:gd name="connsiteX2" fmla="*/ 35131 w 6172782"/>
+              <a:gd name="connsiteY2" fmla="*/ 267128 h 6858000"/>
+              <a:gd name="connsiteX3" fmla="*/ 0 w 6172782"/>
+              <a:gd name="connsiteY3" fmla="*/ 962845 h 6858000"/>
+              <a:gd name="connsiteX4" fmla="*/ 3276103 w 6172782"/>
+              <a:gd name="connsiteY4" fmla="*/ 6782205 h 6858000"/>
+              <a:gd name="connsiteX5" fmla="*/ 3407923 w 6172782"/>
+              <a:gd name="connsiteY5" fmla="*/ 6858000 h 6858000"/>
+              <a:gd name="connsiteX6" fmla="*/ 6172782 w 6172782"/>
+              <a:gd name="connsiteY6" fmla="*/ 6858000 h 6858000"/>
+            </a:gdLst>
+            <a:ahLst/>
+            <a:cxnLst>
+              <a:cxn ang="0">
+                <a:pos x="connsiteX0" y="connsiteY0"/>
+              </a:cxn>
+              <a:cxn ang="0">
+                <a:pos x="connsiteX1" y="connsiteY1"/>
+              </a:cxn>
+              <a:cxn ang="0">
+                <a:pos x="connsiteX2" y="connsiteY2"/>
+              </a:cxn>
+              <a:cxn ang="0">
+                <a:pos x="connsiteX3" y="connsiteY3"/>
+              </a:cxn>
+              <a:cxn ang="0">
+                <a:pos x="connsiteX4" y="connsiteY4"/>
+              </a:cxn>
+              <a:cxn ang="0">
+                <a:pos x="connsiteX5" y="connsiteY5"/>
+              </a:cxn>
+              <a:cxn ang="0">
+                <a:pos x="connsiteX6" y="connsiteY6"/>
+              </a:cxn>
+            </a:cxnLst>
+            <a:rect l="l" t="t" r="r" b="b"/>
+            <a:pathLst>
+              <a:path w="6172782" h="6858000">
+                <a:moveTo>
+                  <a:pt x="6172782" y="0"/>
+                </a:moveTo>
+                <a:lnTo>
+                  <a:pt x="69075" y="0"/>
+                </a:lnTo>
+                <a:lnTo>
+                  <a:pt x="35131" y="267128"/>
+                </a:lnTo>
+                <a:cubicBezTo>
+                  <a:pt x="11901" y="495874"/>
+                  <a:pt x="0" y="727970"/>
+                  <a:pt x="0" y="962845"/>
+                </a:cubicBezTo>
+                <a:cubicBezTo>
+                  <a:pt x="0" y="3429034"/>
+                  <a:pt x="1312002" y="5588789"/>
+                  <a:pt x="3276103" y="6782205"/>
+                </a:cubicBezTo>
+                <a:lnTo>
+                  <a:pt x="3407923" y="6858000"/>
+                </a:lnTo>
+                <a:lnTo>
+                  <a:pt x="6172782" y="6858000"/>
+                </a:lnTo>
+                <a:close/>
+              </a:path>
+            </a:pathLst>
+          </a:custGeom>
+          <a:solidFill>
+            <a:schemeClr val="bg1">
+              <a:alpha val="80000"/>
+            </a:schemeClr>
+          </a:solidFill>
+          <a:ln>
+            <a:noFill/>
+          </a:ln>
+        </p:spPr>
+        <p:style>
+          <a:lnRef idx="2">
+            <a:schemeClr val="accent1">
+              <a:shade val="50000"/>
+            </a:schemeClr>
+          </a:lnRef>
+          <a:fillRef idx="1">
+            <a:schemeClr val="accent1"/>
+          </a:fillRef>
+          <a:effectRef idx="0">
+            <a:schemeClr val="accent1"/>
+          </a:effectRef>
+          <a:fontRef idx="minor">
+            <a:schemeClr val="lt1"/>
+          </a:fontRef>
+        </p:style>
+        <p:txBody>
+          <a:bodyPr wrap="square" rtlCol="0" anchor="ctr">
+            <a:noAutofit/>
+          </a:bodyPr>
+          <a:lstStyle/>
+          <a:p>
+            <a:pPr marL="0" marR="0" lvl="0" indent="0" algn="ctr" defTabSz="914400" rtl="0" eaLnBrk="1" fontAlgn="auto" latinLnBrk="0" hangingPunct="1">
+              <a:lnSpc>
+                <a:spcPct val="100000"/>
+              </a:lnSpc>
+              <a:spcBef>
+                <a:spcPts val="0"/>
+              </a:spcBef>
+              <a:spcAft>
+                <a:spcPts val="0"/>
+              </a:spcAft>
+              <a:buClrTx/>
+              <a:buSzTx/>
+              <a:buFontTx/>
+              <a:buNone/>
+              <a:tabLst/>
+              <a:defRPr/>
+            </a:pPr>
+            <a:endParaRPr kumimoji="0" lang="en-US" sz="1800" b="0" i="0" u="none" strike="noStrike" kern="1200" cap="none" spc="0" normalizeH="0" baseline="0" noProof="0">
+              <a:ln>
+                <a:noFill/>
+              </a:ln>
+              <a:solidFill>
+                <a:prstClr val="white"/>
+              </a:solidFill>
+              <a:effectLst/>
+              <a:uLnTx/>
+              <a:uFillTx/>
+              <a:latin typeface="Calibri" panose="020F0502020204030204"/>
+              <a:ea typeface="+mn-ea"/>
+              <a:cs typeface="+mn-cs"/>
+            </a:endParaRPr>
+          </a:p>
+        </p:txBody>
+      </p:sp>
+      <p:sp>
+        <p:nvSpPr>
+          <p:cNvPr id="75" name="Freeform: Shape 74">
+            <a:extLst>
+              <a:ext uri="{FF2B5EF4-FFF2-40B4-BE49-F238E27FC236}">
+                <a16:creationId xmlns:a16="http://schemas.microsoft.com/office/drawing/2014/main" id="{70B66945-4967-4040-926D-DCA44313CDAB}"/>
+              </a:ext>
+              <a:ext uri="{C183D7F6-B498-43B3-948B-1728B52AA6E4}">
+                <adec:decorative xmlns:adec="http://schemas.microsoft.com/office/drawing/2017/decorative" val="1"/>
+              </a:ext>
+            </a:extLst>
+          </p:cNvPr>
+          <p:cNvSpPr>
+            <a:spLocks noGrp="1" noRot="1" noChangeAspect="1" noMove="1" noResize="1" noEditPoints="1" noAdjustHandles="1" noChangeArrowheads="1" noChangeShapeType="1" noTextEdit="1"/>
+          </p:cNvSpPr>
+          <p:nvPr>
+            <p:extLst>
+              <p:ext uri="{386F3935-93C4-4BCD-93E2-E3B085C9AB24}">
+                <p16:designElem xmlns:p16="http://schemas.microsoft.com/office/powerpoint/2015/main" val="1"/>
+              </p:ext>
+            </p:extLst>
+          </p:nvPr>
+        </p:nvSpPr>
+        <p:spPr>
+          <a:xfrm>
+            <a:off x="0" y="0"/>
+            <a:ext cx="6024154" cy="6858000"/>
+          </a:xfrm>
+          <a:custGeom>
+            <a:avLst/>
+            <a:gdLst>
+              <a:gd name="connsiteX0" fmla="*/ 0 w 6024154"/>
+              <a:gd name="connsiteY0" fmla="*/ 0 h 6858000"/>
+              <a:gd name="connsiteX1" fmla="*/ 5953780 w 6024154"/>
+              <a:gd name="connsiteY1" fmla="*/ 0 h 6858000"/>
+              <a:gd name="connsiteX2" fmla="*/ 5989880 w 6024154"/>
+              <a:gd name="connsiteY2" fmla="*/ 284091 h 6858000"/>
+              <a:gd name="connsiteX3" fmla="*/ 6024154 w 6024154"/>
+              <a:gd name="connsiteY3" fmla="*/ 962844 h 6858000"/>
+              <a:gd name="connsiteX4" fmla="*/ 2549934 w 6024154"/>
+              <a:gd name="connsiteY4" fmla="*/ 6800152 h 6858000"/>
+              <a:gd name="connsiteX5" fmla="*/ 2436987 w 6024154"/>
+              <a:gd name="connsiteY5" fmla="*/ 6858000 h 6858000"/>
+              <a:gd name="connsiteX6" fmla="*/ 0 w 6024154"/>
+              <a:gd name="connsiteY6" fmla="*/ 6858000 h 6858000"/>
+            </a:gdLst>
+            <a:ahLst/>
+            <a:cxnLst>
+              <a:cxn ang="0">
+                <a:pos x="connsiteX0" y="connsiteY0"/>
+              </a:cxn>
+              <a:cxn ang="0">
+                <a:pos x="connsiteX1" y="connsiteY1"/>
+              </a:cxn>
+              <a:cxn ang="0">
+                <a:pos x="connsiteX2" y="connsiteY2"/>
+              </a:cxn>
+              <a:cxn ang="0">
+                <a:pos x="connsiteX3" y="connsiteY3"/>
+              </a:cxn>
+              <a:cxn ang="0">
+                <a:pos x="connsiteX4" y="connsiteY4"/>
+              </a:cxn>
+              <a:cxn ang="0">
+                <a:pos x="connsiteX5" y="connsiteY5"/>
+              </a:cxn>
+              <a:cxn ang="0">
+                <a:pos x="connsiteX6" y="connsiteY6"/>
+              </a:cxn>
+            </a:cxnLst>
+            <a:rect l="l" t="t" r="r" b="b"/>
+            <a:pathLst>
+              <a:path w="6024154" h="6858000">
+                <a:moveTo>
+                  <a:pt x="0" y="0"/>
+                </a:moveTo>
+                <a:lnTo>
+                  <a:pt x="5953780" y="0"/>
+                </a:lnTo>
+                <a:lnTo>
+                  <a:pt x="5989880" y="284091"/>
+                </a:lnTo>
+                <a:cubicBezTo>
+                  <a:pt x="6012544" y="507260"/>
+                  <a:pt x="6024154" y="733696"/>
+                  <a:pt x="6024154" y="962844"/>
+                </a:cubicBezTo>
+                <a:cubicBezTo>
+                  <a:pt x="6024154" y="3483472"/>
+                  <a:pt x="4619336" y="5675986"/>
+                  <a:pt x="2549934" y="6800152"/>
+                </a:cubicBezTo>
+                <a:lnTo>
+                  <a:pt x="2436987" y="6858000"/>
+                </a:lnTo>
+                <a:lnTo>
+                  <a:pt x="0" y="6858000"/>
+                </a:lnTo>
+                <a:close/>
+              </a:path>
+            </a:pathLst>
+          </a:custGeom>
+          <a:solidFill>
+            <a:schemeClr val="bg1"/>
+          </a:solidFill>
+          <a:ln>
+            <a:noFill/>
+          </a:ln>
+        </p:spPr>
+        <p:style>
+          <a:lnRef idx="2">
+            <a:schemeClr val="accent1">
+              <a:shade val="50000"/>
+            </a:schemeClr>
+          </a:lnRef>
+          <a:fillRef idx="1">
+            <a:schemeClr val="accent1"/>
+          </a:fillRef>
+          <a:effectRef idx="0">
+            <a:schemeClr val="accent1"/>
+          </a:effectRef>
+          <a:fontRef idx="minor">
+            <a:schemeClr val="lt1"/>
+          </a:fontRef>
+        </p:style>
+        <p:txBody>
+          <a:bodyPr wrap="square" rtlCol="0" anchor="ctr">
+            <a:noAutofit/>
+          </a:bodyPr>
+          <a:lstStyle/>
+          <a:p>
+            <a:pPr marL="0" marR="0" lvl="0" indent="0" algn="ctr" defTabSz="914400" rtl="0" eaLnBrk="1" fontAlgn="auto" latinLnBrk="0" hangingPunct="1">
+              <a:lnSpc>
+                <a:spcPct val="100000"/>
+              </a:lnSpc>
+              <a:spcBef>
+                <a:spcPts val="0"/>
+              </a:spcBef>
+              <a:spcAft>
+                <a:spcPts val="0"/>
+              </a:spcAft>
+              <a:buClrTx/>
+              <a:buSzTx/>
+              <a:buFontTx/>
+              <a:buNone/>
+              <a:tabLst/>
+              <a:defRPr/>
+            </a:pPr>
+            <a:endParaRPr kumimoji="0" lang="en-US" sz="1800" b="0" i="0" u="none" strike="noStrike" kern="1200" cap="none" spc="0" normalizeH="0" baseline="0" noProof="0">
+              <a:ln>
+                <a:noFill/>
+              </a:ln>
+              <a:solidFill>
+                <a:prstClr val="white"/>
+              </a:solidFill>
+              <a:effectLst/>
+              <a:uLnTx/>
+              <a:uFillTx/>
+              <a:latin typeface="Calibri" panose="020F0502020204030204"/>
+              <a:ea typeface="+mn-ea"/>
+              <a:cs typeface="+mn-cs"/>
+            </a:endParaRPr>
+          </a:p>
+        </p:txBody>
+      </p:sp>
+      <p:pic>
+        <p:nvPicPr>
+          <p:cNvPr id="1026" name="Picture 2">
+            <a:extLst>
+              <a:ext uri="{FF2B5EF4-FFF2-40B4-BE49-F238E27FC236}">
+                <a16:creationId xmlns:a16="http://schemas.microsoft.com/office/drawing/2014/main" id="{3F2AFD03-6394-40EC-8050-D08F91267EE3}"/>
+              </a:ext>
+            </a:extLst>
+          </p:cNvPr>
+          <p:cNvPicPr>
+            <a:picLocks noChangeAspect="1" noChangeArrowheads="1"/>
+          </p:cNvPicPr>
+          <p:nvPr/>
+        </p:nvPicPr>
+        <p:blipFill>
+          <a:blip r:embed="rId2">
+            <a:extLst>
+              <a:ext uri="{28A0092B-C50C-407E-A947-70E740481C1C}">
+                <a14:useLocalDpi xmlns:a14="http://schemas.microsoft.com/office/drawing/2010/main" val="0"/>
+              </a:ext>
+            </a:extLst>
+          </a:blip>
+          <a:stretch>
+            <a:fillRect/>
+          </a:stretch>
+        </p:blipFill>
+        <p:spPr bwMode="auto">
+          <a:xfrm>
+            <a:off x="-17212" y="1783959"/>
+            <a:ext cx="6058577" cy="3029288"/>
+          </a:xfrm>
+          <a:prstGeom prst="rect">
+            <a:avLst/>
+          </a:prstGeom>
+          <a:noFill/>
+          <a:extLst>
+            <a:ext uri="{909E8E84-426E-40DD-AFC4-6F175D3DCCD1}">
+              <a14:hiddenFill xmlns:a14="http://schemas.microsoft.com/office/drawing/2010/main">
+                <a:solidFill>
+                  <a:srgbClr val="FFFFFF"/>
+                </a:solidFill>
+              </a14:hiddenFill>
+            </a:ext>
+          </a:extLst>
+        </p:spPr>
+      </p:pic>
     </p:spTree>
     <p:extLst>
       <p:ext uri="{BB962C8B-B14F-4D97-AF65-F5344CB8AC3E}">
@@ -3513,7 +3975,7 @@
           <a:p>
             <a:r>
               <a:rPr lang="en-US" dirty="0"/>
-              <a:t>Password Hygiene </a:t>
+              <a:t>You Should Use a Password Manager</a:t>
             </a:r>
           </a:p>
         </p:txBody>
@@ -3537,44 +3999,68 @@
         <p:spPr/>
         <p:txBody>
           <a:bodyPr>
-            <a:normAutofit/>
+            <a:normAutofit fontScale="92500"/>
           </a:bodyPr>
           <a:lstStyle/>
           <a:p>
             <a:r>
+              <a:rPr lang="en-US" sz="4000" u="sng" dirty="0"/>
+              <a:t>Basic idea</a:t>
+            </a:r>
+            <a:r>
               <a:rPr lang="en-US" sz="4000" dirty="0"/>
-              <a:t>Password length &gt; Password complexity</a:t>
-            </a:r>
-          </a:p>
-          <a:p>
-            <a:pPr lvl="1"/>
+              <a:t>: You have </a:t>
+            </a:r>
+            <a:r>
+              <a:rPr lang="en-US" sz="4000" b="1" dirty="0"/>
+              <a:t>one unique super password</a:t>
+            </a:r>
             <a:r>
               <a:rPr lang="en-US" sz="4000" dirty="0"/>
-              <a:t>Policies of frequent changes = bad habits</a:t>
-            </a:r>
-          </a:p>
-          <a:p>
-            <a:pPr lvl="1"/>
-            <a:endParaRPr lang="en-US" sz="4000" dirty="0"/>
-          </a:p>
-          <a:p>
+              <a:t> to unlock everything else.</a:t>
+            </a:r>
+          </a:p>
+          <a:p>
+            <a:r>
+              <a:rPr lang="en-US" sz="4000" u="sng" dirty="0"/>
+              <a:t>Pro</a:t>
+            </a:r>
             <a:r>
               <a:rPr lang="en-US" sz="4000" dirty="0"/>
-              <a:t>Password uniqueness &gt; Password length</a:t>
-            </a:r>
-          </a:p>
-          <a:p>
+              <a:t>: All your passwords are long, strong, </a:t>
+            </a:r>
+            <a:r>
+              <a:rPr lang="en-US" sz="4000" b="1" dirty="0"/>
+              <a:t>unique</a:t>
+            </a:r>
             <a:r>
               <a:rPr lang="en-US" sz="4000" dirty="0"/>
-              <a:t>Passwords </a:t>
-            </a:r>
-            <a:r>
-              <a:rPr lang="en-US" sz="4000" i="1" dirty="0"/>
-              <a:t>alone</a:t>
+              <a:t>, and available to you anywhere</a:t>
+            </a:r>
+          </a:p>
+          <a:p>
+            <a:r>
+              <a:rPr lang="en-US" sz="4000" u="sng" dirty="0"/>
+              <a:t>Con</a:t>
             </a:r>
             <a:r>
               <a:rPr lang="en-US" sz="4000" dirty="0"/>
-              <a:t> are terrible security</a:t>
+              <a:t>: forget that </a:t>
+            </a:r>
+            <a:r>
+              <a:rPr lang="en-US" sz="4000" b="1" dirty="0"/>
+              <a:t>one unique super password,</a:t>
+            </a:r>
+            <a:r>
+              <a:rPr lang="en-US" sz="4000" dirty="0"/>
+              <a:t> despite typing it in all the time? </a:t>
+            </a:r>
+            <a:br>
+              <a:rPr lang="en-US" sz="4000" dirty="0"/>
+            </a:br>
+            <a:r>
+              <a:rPr lang="en-US" sz="4000" dirty="0"/>
+              <a:t>They cannot decrypt your passwords for you.</a:t>
             </a:r>
           </a:p>
         </p:txBody>
@@ -3582,7 +4068,7 @@
     </p:spTree>
     <p:extLst>
       <p:ext uri="{BB962C8B-B14F-4D97-AF65-F5344CB8AC3E}">
-        <p14:creationId xmlns:p14="http://schemas.microsoft.com/office/powerpoint/2010/main" val="3735776281"/>
+        <p14:creationId xmlns:p14="http://schemas.microsoft.com/office/powerpoint/2010/main" val="2001328530"/>
       </p:ext>
     </p:extLst>
   </p:cSld>
@@ -3632,7 +4118,7 @@
           <a:p>
             <a:r>
               <a:rPr lang="en-US" dirty="0"/>
-              <a:t>You Should Use a Password Manager</a:t>
+              <a:t>Password Managers </a:t>
             </a:r>
           </a:p>
         </p:txBody>
@@ -3653,79 +4139,73 @@
             <p:ph idx="1"/>
           </p:nvPr>
         </p:nvSpPr>
-        <p:spPr/>
+        <p:spPr>
+          <a:xfrm>
+            <a:off x="475129" y="1613647"/>
+            <a:ext cx="10878671" cy="4563316"/>
+          </a:xfrm>
+        </p:spPr>
         <p:txBody>
           <a:bodyPr>
-            <a:normAutofit fontScale="92500"/>
+            <a:normAutofit fontScale="85000" lnSpcReduction="20000"/>
           </a:bodyPr>
           <a:lstStyle/>
           <a:p>
             <a:r>
-              <a:rPr lang="en-US" sz="4000" u="sng" dirty="0"/>
-              <a:t>Basic idea</a:t>
-            </a:r>
-            <a:r>
-              <a:rPr lang="en-US" sz="4000" dirty="0"/>
-              <a:t>: You have </a:t>
-            </a:r>
-            <a:r>
-              <a:rPr lang="en-US" sz="4000" b="1" dirty="0"/>
-              <a:t>one unique super password</a:t>
-            </a:r>
-            <a:r>
-              <a:rPr lang="en-US" sz="4000" dirty="0"/>
-              <a:t> to unlock everything else.</a:t>
-            </a:r>
-          </a:p>
-          <a:p>
-            <a:r>
-              <a:rPr lang="en-US" sz="4000" u="sng" dirty="0"/>
-              <a:t>Pro</a:t>
-            </a:r>
-            <a:r>
-              <a:rPr lang="en-US" sz="4000" dirty="0"/>
-              <a:t>: All your passwords are long, strong, </a:t>
-            </a:r>
-            <a:r>
-              <a:rPr lang="en-US" sz="4000" b="1" dirty="0"/>
-              <a:t>unique</a:t>
-            </a:r>
-            <a:r>
-              <a:rPr lang="en-US" sz="4000" dirty="0"/>
-              <a:t>, and available to you anywhere</a:t>
-            </a:r>
-          </a:p>
-          <a:p>
-            <a:r>
-              <a:rPr lang="en-US" sz="4000" u="sng" dirty="0"/>
-              <a:t>Con</a:t>
-            </a:r>
-            <a:r>
-              <a:rPr lang="en-US" sz="4000" dirty="0"/>
-              <a:t>: forget that </a:t>
-            </a:r>
-            <a:r>
-              <a:rPr lang="en-US" sz="4000" b="1" dirty="0"/>
-              <a:t>one unique super password,</a:t>
-            </a:r>
-            <a:r>
-              <a:rPr lang="en-US" sz="4000" dirty="0"/>
-              <a:t> despite typing it in all the time? </a:t>
-            </a:r>
-            <a:br>
-              <a:rPr lang="en-US" sz="4000" dirty="0"/>
-            </a:br>
-            <a:r>
-              <a:rPr lang="en-US" sz="4000" dirty="0"/>
-              <a:t>They cannot decrypt your passwords for you.</a:t>
-            </a:r>
+              <a:rPr lang="en-US" sz="4400" dirty="0"/>
+              <a:t>These are popular, secure, and inexpensive:</a:t>
+            </a:r>
+          </a:p>
+          <a:p>
+            <a:pPr lvl="2"/>
+            <a:r>
+              <a:rPr lang="en-US" sz="3600" dirty="0"/>
+              <a:t>LastPass</a:t>
+            </a:r>
+          </a:p>
+          <a:p>
+            <a:pPr lvl="2"/>
+            <a:r>
+              <a:rPr lang="en-US" sz="3600" dirty="0"/>
+              <a:t>1Password</a:t>
+            </a:r>
+          </a:p>
+          <a:p>
+            <a:pPr lvl="2"/>
+            <a:r>
+              <a:rPr lang="en-US" sz="3600" dirty="0" err="1"/>
+              <a:t>Dashlane</a:t>
+            </a:r>
+            <a:endParaRPr lang="en-US" sz="3600" dirty="0"/>
+          </a:p>
+          <a:p>
+            <a:pPr lvl="2"/>
+            <a:r>
+              <a:rPr lang="en-US" sz="3600" dirty="0" err="1"/>
+              <a:t>KeePassX</a:t>
+            </a:r>
+            <a:endParaRPr lang="en-US" sz="3600" dirty="0"/>
+          </a:p>
+          <a:p>
+            <a:pPr lvl="2"/>
+            <a:r>
+              <a:rPr lang="en-US" sz="3600" dirty="0"/>
+              <a:t>RoboForm</a:t>
+            </a:r>
+          </a:p>
+          <a:p>
+            <a:r>
+              <a:rPr lang="en-US" sz="4400" dirty="0"/>
+              <a:t>Many browsers have built-in password features – not recommended because of lack of features and integration with all your devices.</a:t>
+            </a:r>
+            <a:endParaRPr lang="en-US" sz="4400" b="1" dirty="0"/>
           </a:p>
         </p:txBody>
       </p:sp>
     </p:spTree>
     <p:extLst>
       <p:ext uri="{BB962C8B-B14F-4D97-AF65-F5344CB8AC3E}">
-        <p14:creationId xmlns:p14="http://schemas.microsoft.com/office/powerpoint/2010/main" val="2001328530"/>
+        <p14:creationId xmlns:p14="http://schemas.microsoft.com/office/powerpoint/2010/main" val="2363797164"/>
       </p:ext>
     </p:extLst>
   </p:cSld>
@@ -3798,143 +4278,6 @@
         </p:nvSpPr>
         <p:spPr>
           <a:xfrm>
-            <a:off x="475129" y="1613647"/>
-            <a:ext cx="10878671" cy="4563316"/>
-          </a:xfrm>
-        </p:spPr>
-        <p:txBody>
-          <a:bodyPr>
-            <a:normAutofit fontScale="85000" lnSpcReduction="20000"/>
-          </a:bodyPr>
-          <a:lstStyle/>
-          <a:p>
-            <a:r>
-              <a:rPr lang="en-US" sz="4400" dirty="0"/>
-              <a:t>These are popular, secure, and inexpensive:</a:t>
-            </a:r>
-          </a:p>
-          <a:p>
-            <a:pPr lvl="2"/>
-            <a:r>
-              <a:rPr lang="en-US" sz="3600" dirty="0"/>
-              <a:t>LastPass</a:t>
-            </a:r>
-          </a:p>
-          <a:p>
-            <a:pPr lvl="2"/>
-            <a:r>
-              <a:rPr lang="en-US" sz="3600" dirty="0"/>
-              <a:t>1Password</a:t>
-            </a:r>
-          </a:p>
-          <a:p>
-            <a:pPr lvl="2"/>
-            <a:r>
-              <a:rPr lang="en-US" sz="3600" dirty="0" err="1"/>
-              <a:t>Dashlane</a:t>
-            </a:r>
-            <a:endParaRPr lang="en-US" sz="3600" dirty="0"/>
-          </a:p>
-          <a:p>
-            <a:pPr lvl="2"/>
-            <a:r>
-              <a:rPr lang="en-US" sz="3600" dirty="0" err="1"/>
-              <a:t>KeePassX</a:t>
-            </a:r>
-            <a:endParaRPr lang="en-US" sz="3600" dirty="0"/>
-          </a:p>
-          <a:p>
-            <a:pPr lvl="2"/>
-            <a:r>
-              <a:rPr lang="en-US" sz="3600" dirty="0"/>
-              <a:t>RoboForm</a:t>
-            </a:r>
-          </a:p>
-          <a:p>
-            <a:r>
-              <a:rPr lang="en-US" sz="4400" dirty="0"/>
-              <a:t>Many browsers have built-in password features – not recommended because of lack of features and integration with all your devices.</a:t>
-            </a:r>
-            <a:endParaRPr lang="en-US" sz="4400" b="1" dirty="0"/>
-          </a:p>
-        </p:txBody>
-      </p:sp>
-    </p:spTree>
-    <p:extLst>
-      <p:ext uri="{BB962C8B-B14F-4D97-AF65-F5344CB8AC3E}">
-        <p14:creationId xmlns:p14="http://schemas.microsoft.com/office/powerpoint/2010/main" val="2363797164"/>
-      </p:ext>
-    </p:extLst>
-  </p:cSld>
-  <p:clrMapOvr>
-    <a:masterClrMapping/>
-  </p:clrMapOvr>
-</p:sld>
-</file>
-
-<file path=ppt/slides/slide13.xml><?xml version="1.0" encoding="utf-8"?>
-<p:sld xmlns:a="http://schemas.openxmlformats.org/drawingml/2006/main" xmlns:r="http://schemas.openxmlformats.org/officeDocument/2006/relationships" xmlns:p="http://schemas.openxmlformats.org/presentationml/2006/main">
-  <p:cSld>
-    <p:spTree>
-      <p:nvGrpSpPr>
-        <p:cNvPr id="1" name=""/>
-        <p:cNvGrpSpPr/>
-        <p:nvPr/>
-      </p:nvGrpSpPr>
-      <p:grpSpPr>
-        <a:xfrm>
-          <a:off x="0" y="0"/>
-          <a:ext cx="0" cy="0"/>
-          <a:chOff x="0" y="0"/>
-          <a:chExt cx="0" cy="0"/>
-        </a:xfrm>
-      </p:grpSpPr>
-      <p:sp>
-        <p:nvSpPr>
-          <p:cNvPr id="2" name="Title 1">
-            <a:extLst>
-              <a:ext uri="{FF2B5EF4-FFF2-40B4-BE49-F238E27FC236}">
-                <a16:creationId xmlns:a16="http://schemas.microsoft.com/office/drawing/2014/main" id="{D0CBD092-444D-485B-B077-AE37DB7967F1}"/>
-              </a:ext>
-            </a:extLst>
-          </p:cNvPr>
-          <p:cNvSpPr>
-            <a:spLocks noGrp="1"/>
-          </p:cNvSpPr>
-          <p:nvPr>
-            <p:ph type="title"/>
-          </p:nvPr>
-        </p:nvSpPr>
-        <p:spPr/>
-        <p:txBody>
-          <a:bodyPr/>
-          <a:lstStyle/>
-          <a:p>
-            <a:r>
-              <a:rPr lang="en-US" dirty="0"/>
-              <a:t>Password Managers </a:t>
-            </a:r>
-          </a:p>
-        </p:txBody>
-      </p:sp>
-      <p:sp>
-        <p:nvSpPr>
-          <p:cNvPr id="3" name="Content Placeholder 2">
-            <a:extLst>
-              <a:ext uri="{FF2B5EF4-FFF2-40B4-BE49-F238E27FC236}">
-                <a16:creationId xmlns:a16="http://schemas.microsoft.com/office/drawing/2014/main" id="{65B32B1F-E0DF-456C-B7E0-F6CB2CBEA651}"/>
-              </a:ext>
-            </a:extLst>
-          </p:cNvPr>
-          <p:cNvSpPr>
-            <a:spLocks noGrp="1"/>
-          </p:cNvSpPr>
-          <p:nvPr>
-            <p:ph idx="1"/>
-          </p:nvPr>
-        </p:nvSpPr>
-        <p:spPr>
-          <a:xfrm>
             <a:off x="838200" y="1535502"/>
             <a:ext cx="6693703" cy="4641461"/>
           </a:xfrm>
@@ -3961,9 +4304,15 @@
               <a:rPr lang="en-US" sz="4000" dirty="0"/>
               <a:t>DO NOT set your single super password to be “remembered”, ever! </a:t>
             </a:r>
+            <a:endParaRPr lang="en-US" sz="4000" b="1" dirty="0"/>
+          </a:p>
+          <a:p>
+            <a:pPr marL="0" indent="0">
+              <a:buNone/>
+            </a:pPr>
             <a:r>
               <a:rPr lang="en-US" sz="4000" b="1" dirty="0"/>
-              <a:t>Type it in, every time, and use MFA to access passwords.</a:t>
+              <a:t>Also use MFA to access.</a:t>
             </a:r>
           </a:p>
           <a:p>
@@ -4228,7 +4577,7 @@
 </p:sld>
 </file>
 
-<file path=ppt/slides/slide14.xml><?xml version="1.0" encoding="utf-8"?>
+<file path=ppt/slides/slide13.xml><?xml version="1.0" encoding="utf-8"?>
 <p:sld xmlns:a="http://schemas.openxmlformats.org/drawingml/2006/main" xmlns:r="http://schemas.openxmlformats.org/officeDocument/2006/relationships" xmlns:p="http://schemas.openxmlformats.org/presentationml/2006/main">
   <p:cSld>
     <p:spTree>
@@ -4294,7 +4643,7 @@
         <p:spPr/>
         <p:txBody>
           <a:bodyPr>
-            <a:normAutofit fontScale="92500" lnSpcReduction="20000"/>
+            <a:normAutofit/>
           </a:bodyPr>
           <a:lstStyle/>
           <a:p>
@@ -4308,33 +4657,30 @@
             </a:r>
             <a:r>
               <a:rPr lang="en-US" sz="4000" dirty="0"/>
-              <a:t> are a terrible security method</a:t>
-            </a:r>
-          </a:p>
-          <a:p>
-            <a:endParaRPr lang="en-US" sz="3600" dirty="0"/>
-          </a:p>
-          <a:p>
-            <a:r>
-              <a:rPr lang="en-US" sz="4800" dirty="0"/>
+              <a:t> are terrible security</a:t>
+            </a:r>
+          </a:p>
+          <a:p>
+            <a:r>
+              <a:rPr lang="en-US" sz="4000" dirty="0"/>
               <a:t>TFA or MFA (Two-factor or Multi-factor) authentication is </a:t>
             </a:r>
             <a:r>
-              <a:rPr lang="en-US" sz="4800" b="1" dirty="0"/>
+              <a:rPr lang="en-US" sz="4000" b="1" dirty="0"/>
               <a:t>something</a:t>
             </a:r>
             <a:r>
-              <a:rPr lang="en-US" sz="4800" dirty="0"/>
+              <a:rPr lang="en-US" sz="4000" dirty="0"/>
               <a:t> aside from a password that allows a website to </a:t>
             </a:r>
             <a:r>
-              <a:rPr lang="en-US" sz="4800" b="1" dirty="0"/>
+              <a:rPr lang="en-US" sz="4000" b="1" dirty="0"/>
               <a:t>confirm you are you.</a:t>
             </a:r>
           </a:p>
           <a:p>
             <a:r>
-              <a:rPr lang="en-US" sz="4800" b="1" dirty="0"/>
+              <a:rPr lang="en-US" sz="4000" b="1" dirty="0"/>
               <a:t>Use MFA for Every Account You Can.</a:t>
             </a:r>
           </a:p>
@@ -4344,6 +4690,140 @@
     <p:extLst>
       <p:ext uri="{BB962C8B-B14F-4D97-AF65-F5344CB8AC3E}">
         <p14:creationId xmlns:p14="http://schemas.microsoft.com/office/powerpoint/2010/main" val="1854012467"/>
+      </p:ext>
+    </p:extLst>
+  </p:cSld>
+  <p:clrMapOvr>
+    <a:masterClrMapping/>
+  </p:clrMapOvr>
+</p:sld>
+</file>
+
+<file path=ppt/slides/slide14.xml><?xml version="1.0" encoding="utf-8"?>
+<p:sld xmlns:a="http://schemas.openxmlformats.org/drawingml/2006/main" xmlns:r="http://schemas.openxmlformats.org/officeDocument/2006/relationships" xmlns:p="http://schemas.openxmlformats.org/presentationml/2006/main" show="0">
+  <p:cSld>
+    <p:spTree>
+      <p:nvGrpSpPr>
+        <p:cNvPr id="1" name=""/>
+        <p:cNvGrpSpPr/>
+        <p:nvPr/>
+      </p:nvGrpSpPr>
+      <p:grpSpPr>
+        <a:xfrm>
+          <a:off x="0" y="0"/>
+          <a:ext cx="0" cy="0"/>
+          <a:chOff x="0" y="0"/>
+          <a:chExt cx="0" cy="0"/>
+        </a:xfrm>
+      </p:grpSpPr>
+      <p:sp>
+        <p:nvSpPr>
+          <p:cNvPr id="2" name="Title 1">
+            <a:extLst>
+              <a:ext uri="{FF2B5EF4-FFF2-40B4-BE49-F238E27FC236}">
+                <a16:creationId xmlns:a16="http://schemas.microsoft.com/office/drawing/2014/main" id="{D0CBD092-444D-485B-B077-AE37DB7967F1}"/>
+              </a:ext>
+            </a:extLst>
+          </p:cNvPr>
+          <p:cNvSpPr>
+            <a:spLocks noGrp="1"/>
+          </p:cNvSpPr>
+          <p:nvPr>
+            <p:ph type="title"/>
+          </p:nvPr>
+        </p:nvSpPr>
+        <p:spPr/>
+        <p:txBody>
+          <a:bodyPr/>
+          <a:lstStyle/>
+          <a:p>
+            <a:r>
+              <a:rPr lang="en-US" dirty="0"/>
+              <a:t>MFA is not new concept…</a:t>
+            </a:r>
+          </a:p>
+        </p:txBody>
+      </p:sp>
+      <p:sp>
+        <p:nvSpPr>
+          <p:cNvPr id="3" name="Content Placeholder 2">
+            <a:extLst>
+              <a:ext uri="{FF2B5EF4-FFF2-40B4-BE49-F238E27FC236}">
+                <a16:creationId xmlns:a16="http://schemas.microsoft.com/office/drawing/2014/main" id="{65B32B1F-E0DF-456C-B7E0-F6CB2CBEA651}"/>
+              </a:ext>
+            </a:extLst>
+          </p:cNvPr>
+          <p:cNvSpPr>
+            <a:spLocks noGrp="1"/>
+          </p:cNvSpPr>
+          <p:nvPr>
+            <p:ph idx="1"/>
+          </p:nvPr>
+        </p:nvSpPr>
+        <p:spPr>
+          <a:xfrm>
+            <a:off x="838200" y="1825625"/>
+            <a:ext cx="10515600" cy="4667250"/>
+          </a:xfrm>
+        </p:spPr>
+        <p:txBody>
+          <a:bodyPr>
+            <a:normAutofit fontScale="85000" lnSpcReduction="10000"/>
+          </a:bodyPr>
+          <a:lstStyle/>
+          <a:p>
+            <a:pPr marL="0" indent="0">
+              <a:buNone/>
+            </a:pPr>
+            <a:r>
+              <a:rPr lang="en-US" sz="4300" dirty="0"/>
+              <a:t>… but implementation is still developing and the industry has wasted decades </a:t>
+            </a:r>
+            <a:r>
+              <a:rPr lang="en-US" sz="4300" b="1" dirty="0"/>
+              <a:t>trying to overcome consumers’ desire to be ignorant and stubborn</a:t>
+            </a:r>
+            <a:r>
+              <a:rPr lang="en-US" sz="4300" dirty="0"/>
+              <a:t>.</a:t>
+            </a:r>
+          </a:p>
+          <a:p>
+            <a:pPr marL="0" indent="0">
+              <a:buNone/>
+            </a:pPr>
+            <a:endParaRPr lang="en-US" sz="3200" dirty="0"/>
+          </a:p>
+          <a:p>
+            <a:r>
+              <a:rPr lang="en-US" sz="3200" dirty="0"/>
+              <a:t>Asymmetric encrypted hardware key algorithms have been around since 1970s, some weren’t declassified until late 90s</a:t>
+            </a:r>
+          </a:p>
+          <a:p>
+            <a:r>
+              <a:rPr lang="en-US" sz="3200" dirty="0"/>
+              <a:t>The RSA algorithm patent was made public domain in 2000</a:t>
+            </a:r>
+          </a:p>
+          <a:p>
+            <a:r>
+              <a:rPr lang="en-US" sz="3200" dirty="0"/>
+              <a:t>The first driverless, one-touch auth USB device in 2008</a:t>
+            </a:r>
+          </a:p>
+          <a:p>
+            <a:r>
+              <a:rPr lang="en-US" sz="3200" dirty="0"/>
+              <a:t>Google provided MFA to all accounts as early as 2010</a:t>
+            </a:r>
+          </a:p>
+        </p:txBody>
+      </p:sp>
+    </p:spTree>
+    <p:extLst>
+      <p:ext uri="{BB962C8B-B14F-4D97-AF65-F5344CB8AC3E}">
+        <p14:creationId xmlns:p14="http://schemas.microsoft.com/office/powerpoint/2010/main" val="24948884"/>
       </p:ext>
     </p:extLst>
   </p:cSld>
@@ -4393,140 +4873,6 @@
           <a:p>
             <a:r>
               <a:rPr lang="en-US" dirty="0"/>
-              <a:t>MFA is not new concept…</a:t>
-            </a:r>
-          </a:p>
-        </p:txBody>
-      </p:sp>
-      <p:sp>
-        <p:nvSpPr>
-          <p:cNvPr id="3" name="Content Placeholder 2">
-            <a:extLst>
-              <a:ext uri="{FF2B5EF4-FFF2-40B4-BE49-F238E27FC236}">
-                <a16:creationId xmlns:a16="http://schemas.microsoft.com/office/drawing/2014/main" id="{65B32B1F-E0DF-456C-B7E0-F6CB2CBEA651}"/>
-              </a:ext>
-            </a:extLst>
-          </p:cNvPr>
-          <p:cNvSpPr>
-            <a:spLocks noGrp="1"/>
-          </p:cNvSpPr>
-          <p:nvPr>
-            <p:ph idx="1"/>
-          </p:nvPr>
-        </p:nvSpPr>
-        <p:spPr>
-          <a:xfrm>
-            <a:off x="838200" y="1825625"/>
-            <a:ext cx="10515600" cy="4667250"/>
-          </a:xfrm>
-        </p:spPr>
-        <p:txBody>
-          <a:bodyPr>
-            <a:normAutofit fontScale="85000" lnSpcReduction="10000"/>
-          </a:bodyPr>
-          <a:lstStyle/>
-          <a:p>
-            <a:pPr marL="0" indent="0">
-              <a:buNone/>
-            </a:pPr>
-            <a:r>
-              <a:rPr lang="en-US" sz="4300" dirty="0"/>
-              <a:t>… but implementation is still developing and the industry has wasted decades </a:t>
-            </a:r>
-            <a:r>
-              <a:rPr lang="en-US" sz="4300" b="1" dirty="0"/>
-              <a:t>trying to overcome consumers’ desire to be ignorant and stubborn</a:t>
-            </a:r>
-            <a:r>
-              <a:rPr lang="en-US" sz="4300" dirty="0"/>
-              <a:t>.</a:t>
-            </a:r>
-          </a:p>
-          <a:p>
-            <a:pPr marL="0" indent="0">
-              <a:buNone/>
-            </a:pPr>
-            <a:endParaRPr lang="en-US" sz="3200" dirty="0"/>
-          </a:p>
-          <a:p>
-            <a:r>
-              <a:rPr lang="en-US" sz="3200" dirty="0"/>
-              <a:t>Asymmetric encrypted hardware key algorithms have been around since 1970s, some weren’t declassified until late 90s</a:t>
-            </a:r>
-          </a:p>
-          <a:p>
-            <a:r>
-              <a:rPr lang="en-US" sz="3200" dirty="0"/>
-              <a:t>The RSA algorithm patent was made public domain in 2000</a:t>
-            </a:r>
-          </a:p>
-          <a:p>
-            <a:r>
-              <a:rPr lang="en-US" sz="3200" dirty="0"/>
-              <a:t>The first driverless, one-touch auth USB device in 2008</a:t>
-            </a:r>
-          </a:p>
-          <a:p>
-            <a:r>
-              <a:rPr lang="en-US" sz="3200" dirty="0"/>
-              <a:t>Google provided MFA to all accounts as early as 2010</a:t>
-            </a:r>
-          </a:p>
-        </p:txBody>
-      </p:sp>
-    </p:spTree>
-    <p:extLst>
-      <p:ext uri="{BB962C8B-B14F-4D97-AF65-F5344CB8AC3E}">
-        <p14:creationId xmlns:p14="http://schemas.microsoft.com/office/powerpoint/2010/main" val="24948884"/>
-      </p:ext>
-    </p:extLst>
-  </p:cSld>
-  <p:clrMapOvr>
-    <a:masterClrMapping/>
-  </p:clrMapOvr>
-</p:sld>
-</file>
-
-<file path=ppt/slides/slide16.xml><?xml version="1.0" encoding="utf-8"?>
-<p:sld xmlns:a="http://schemas.openxmlformats.org/drawingml/2006/main" xmlns:r="http://schemas.openxmlformats.org/officeDocument/2006/relationships" xmlns:p="http://schemas.openxmlformats.org/presentationml/2006/main" show="0">
-  <p:cSld>
-    <p:spTree>
-      <p:nvGrpSpPr>
-        <p:cNvPr id="1" name=""/>
-        <p:cNvGrpSpPr/>
-        <p:nvPr/>
-      </p:nvGrpSpPr>
-      <p:grpSpPr>
-        <a:xfrm>
-          <a:off x="0" y="0"/>
-          <a:ext cx="0" cy="0"/>
-          <a:chOff x="0" y="0"/>
-          <a:chExt cx="0" cy="0"/>
-        </a:xfrm>
-      </p:grpSpPr>
-      <p:sp>
-        <p:nvSpPr>
-          <p:cNvPr id="2" name="Title 1">
-            <a:extLst>
-              <a:ext uri="{FF2B5EF4-FFF2-40B4-BE49-F238E27FC236}">
-                <a16:creationId xmlns:a16="http://schemas.microsoft.com/office/drawing/2014/main" id="{D0CBD092-444D-485B-B077-AE37DB7967F1}"/>
-              </a:ext>
-            </a:extLst>
-          </p:cNvPr>
-          <p:cNvSpPr>
-            <a:spLocks noGrp="1"/>
-          </p:cNvSpPr>
-          <p:nvPr>
-            <p:ph type="title"/>
-          </p:nvPr>
-        </p:nvSpPr>
-        <p:spPr/>
-        <p:txBody>
-          <a:bodyPr/>
-          <a:lstStyle/>
-          <a:p>
-            <a:r>
-              <a:rPr lang="en-US" dirty="0"/>
               <a:t>Use MFA for Every Account You Can</a:t>
             </a:r>
           </a:p>
@@ -4637,7 +4983,7 @@
 </p:sld>
 </file>
 
-<file path=ppt/slides/slide17.xml><?xml version="1.0" encoding="utf-8"?>
+<file path=ppt/slides/slide16.xml><?xml version="1.0" encoding="utf-8"?>
 <p:sld xmlns:a="http://schemas.openxmlformats.org/drawingml/2006/main" xmlns:r="http://schemas.openxmlformats.org/officeDocument/2006/relationships" xmlns:p="http://schemas.openxmlformats.org/presentationml/2006/main">
   <p:cSld>
     <p:spTree>
@@ -4759,7 +5105,7 @@
 </p:sld>
 </file>
 
-<file path=ppt/slides/slide18.xml><?xml version="1.0" encoding="utf-8"?>
+<file path=ppt/slides/slide17.xml><?xml version="1.0" encoding="utf-8"?>
 <p:sld xmlns:a="http://schemas.openxmlformats.org/drawingml/2006/main" xmlns:r="http://schemas.openxmlformats.org/officeDocument/2006/relationships" xmlns:p="http://schemas.openxmlformats.org/presentationml/2006/main">
   <p:cSld>
     <p:spTree>
@@ -4929,6 +5275,124 @@
 </p:sld>
 </file>
 
+<file path=ppt/slides/slide18.xml><?xml version="1.0" encoding="utf-8"?>
+<p:sld xmlns:a="http://schemas.openxmlformats.org/drawingml/2006/main" xmlns:r="http://schemas.openxmlformats.org/officeDocument/2006/relationships" xmlns:p="http://schemas.openxmlformats.org/presentationml/2006/main">
+  <p:cSld>
+    <p:spTree>
+      <p:nvGrpSpPr>
+        <p:cNvPr id="1" name=""/>
+        <p:cNvGrpSpPr/>
+        <p:nvPr/>
+      </p:nvGrpSpPr>
+      <p:grpSpPr>
+        <a:xfrm>
+          <a:off x="0" y="0"/>
+          <a:ext cx="0" cy="0"/>
+          <a:chOff x="0" y="0"/>
+          <a:chExt cx="0" cy="0"/>
+        </a:xfrm>
+      </p:grpSpPr>
+      <p:sp>
+        <p:nvSpPr>
+          <p:cNvPr id="2" name="Title 1">
+            <a:extLst>
+              <a:ext uri="{FF2B5EF4-FFF2-40B4-BE49-F238E27FC236}">
+                <a16:creationId xmlns:a16="http://schemas.microsoft.com/office/drawing/2014/main" id="{D0CBD092-444D-485B-B077-AE37DB7967F1}"/>
+              </a:ext>
+            </a:extLst>
+          </p:cNvPr>
+          <p:cNvSpPr>
+            <a:spLocks noGrp="1"/>
+          </p:cNvSpPr>
+          <p:nvPr>
+            <p:ph type="title"/>
+          </p:nvPr>
+        </p:nvSpPr>
+        <p:spPr/>
+        <p:txBody>
+          <a:bodyPr/>
+          <a:lstStyle/>
+          <a:p>
+            <a:r>
+              <a:rPr lang="en-US" dirty="0"/>
+              <a:t>Vulnerabilities in Cell Carriers</a:t>
+            </a:r>
+          </a:p>
+        </p:txBody>
+      </p:sp>
+      <p:sp>
+        <p:nvSpPr>
+          <p:cNvPr id="3" name="Content Placeholder 2">
+            <a:extLst>
+              <a:ext uri="{FF2B5EF4-FFF2-40B4-BE49-F238E27FC236}">
+                <a16:creationId xmlns:a16="http://schemas.microsoft.com/office/drawing/2014/main" id="{65B32B1F-E0DF-456C-B7E0-F6CB2CBEA651}"/>
+              </a:ext>
+            </a:extLst>
+          </p:cNvPr>
+          <p:cNvSpPr>
+            <a:spLocks noGrp="1"/>
+          </p:cNvSpPr>
+          <p:nvPr>
+            <p:ph idx="1"/>
+          </p:nvPr>
+        </p:nvSpPr>
+        <p:spPr>
+          <a:xfrm>
+            <a:off x="838199" y="1524000"/>
+            <a:ext cx="10896601" cy="5257800"/>
+          </a:xfrm>
+        </p:spPr>
+        <p:txBody>
+          <a:bodyPr>
+            <a:normAutofit lnSpcReduction="10000"/>
+          </a:bodyPr>
+          <a:lstStyle/>
+          <a:p>
+            <a:r>
+              <a:rPr lang="en-US" sz="4000" dirty="0"/>
+              <a:t>Man-in-the-middle SS7 telecom protocol attacks, SIM card swapping/cloning, and good old fashioned social engineering via customer support, have made SMS-based MFA obsolete</a:t>
+            </a:r>
+          </a:p>
+          <a:p>
+            <a:r>
+              <a:rPr lang="en-US" sz="4000" b="1" dirty="0"/>
+              <a:t>Almost every cellular network uses SS7. </a:t>
+            </a:r>
+          </a:p>
+          <a:p>
+            <a:r>
+              <a:rPr lang="en-US" sz="4000" dirty="0"/>
+              <a:t>High profile banking hacks in the UK have raised awareness of this.</a:t>
+            </a:r>
+          </a:p>
+          <a:p>
+            <a:r>
+              <a:rPr lang="en-US" sz="3000" b="1" dirty="0"/>
+              <a:t>SS7 hack explained: what can you do about it? </a:t>
+            </a:r>
+            <a:r>
+              <a:rPr lang="en-US" sz="1500" dirty="0">
+                <a:hlinkClick r:id="rId2"/>
+              </a:rPr>
+              <a:t>https://www.theguardian.com/technology/2016/apr/19/ss7-hack-explained-mobile-phone-vulnerability-snooping-texts-calls</a:t>
+            </a:r>
+            <a:endParaRPr lang="en-US" sz="3000" dirty="0"/>
+          </a:p>
+        </p:txBody>
+      </p:sp>
+    </p:spTree>
+    <p:extLst>
+      <p:ext uri="{BB962C8B-B14F-4D97-AF65-F5344CB8AC3E}">
+        <p14:creationId xmlns:p14="http://schemas.microsoft.com/office/powerpoint/2010/main" val="94736363"/>
+      </p:ext>
+    </p:extLst>
+  </p:cSld>
+  <p:clrMapOvr>
+    <a:masterClrMapping/>
+  </p:clrMapOvr>
+</p:sld>
+</file>
+
 <file path=ppt/slides/slide19.xml><?xml version="1.0" encoding="utf-8"?>
 <p:sld xmlns:a="http://schemas.openxmlformats.org/drawingml/2006/main" xmlns:r="http://schemas.openxmlformats.org/officeDocument/2006/relationships" xmlns:p="http://schemas.openxmlformats.org/presentationml/2006/main">
   <p:cSld>
@@ -4969,7 +5433,7 @@
           <a:p>
             <a:r>
               <a:rPr lang="en-US" dirty="0"/>
-              <a:t>Vulnerabilities in Cell Carriers</a:t>
+              <a:t>SMS-Based Scam Tactics </a:t>
             </a:r>
           </a:p>
         </p:txBody>
@@ -4992,46 +5456,154 @@
         </p:nvSpPr>
         <p:spPr>
           <a:xfrm>
-            <a:off x="838199" y="1524000"/>
-            <a:ext cx="10896601" cy="5257800"/>
+            <a:off x="838199" y="1533525"/>
+            <a:ext cx="11201161" cy="4959350"/>
           </a:xfrm>
         </p:spPr>
         <p:txBody>
           <a:bodyPr>
-            <a:normAutofit lnSpcReduction="10000"/>
+            <a:normAutofit/>
           </a:bodyPr>
           <a:lstStyle/>
           <a:p>
             <a:r>
-              <a:rPr lang="en-US" sz="4000" dirty="0"/>
-              <a:t>Man-in-the-middle SS7 telecom protocol attacks, SIM card swapping/cloning, and good old fashioned social engineering via customer support, have made SMS-based MFA obsolete</a:t>
-            </a:r>
-          </a:p>
-          <a:p>
-            <a:r>
-              <a:rPr lang="en-US" sz="4000" dirty="0"/>
-              <a:t>Almost every cell network around the world uses SS7. High profile banking hacks in the UK have raised awareness of this.</a:t>
-            </a:r>
-          </a:p>
-          <a:p>
+              <a:rPr lang="en-US" sz="3200" dirty="0"/>
+              <a:t>“I’m going to send you a secure code… </a:t>
+            </a:r>
+            <a:br>
+              <a:rPr lang="en-US" sz="3200" dirty="0"/>
+            </a:br>
+            <a:r>
+              <a:rPr lang="en-US" sz="3200" dirty="0"/>
+              <a:t>to make sure you’re not a scammer” </a:t>
+            </a:r>
+          </a:p>
+          <a:p>
+            <a:r>
+              <a:rPr lang="en-US" sz="3200" dirty="0"/>
+              <a:t>They’re trying </a:t>
+            </a:r>
             <a:r>
               <a:rPr lang="en-US" sz="3200" b="1" dirty="0"/>
-              <a:t>SS7 hack explained: what can you do about it? </a:t>
-            </a:r>
-            <a:r>
-              <a:rPr lang="en-US" sz="1600" dirty="0">
-                <a:hlinkClick r:id="rId2"/>
+              <a:t>act as you </a:t>
+            </a:r>
+            <a:r>
+              <a:rPr lang="en-US" sz="3200" dirty="0"/>
+              <a:t>to </a:t>
+            </a:r>
+            <a:br>
+              <a:rPr lang="en-US" sz="3200" dirty="0"/>
+            </a:br>
+            <a:r>
+              <a:rPr lang="en-US" sz="3200" dirty="0"/>
+              <a:t>your </a:t>
+            </a:r>
+            <a:r>
+              <a:rPr lang="en-US" sz="3200" b="1" dirty="0"/>
+              <a:t>cell carrier, </a:t>
+            </a:r>
+            <a:r>
+              <a:rPr lang="en-US" sz="3200" dirty="0"/>
+              <a:t>to clone your cell phone. </a:t>
+            </a:r>
+            <a:endParaRPr lang="en-US" sz="3200" b="1" dirty="0"/>
+          </a:p>
+          <a:p>
+            <a:r>
+              <a:rPr lang="en-US" sz="3200" dirty="0"/>
+              <a:t>If you get a code via SMS, NEVER PROVIDE IT TO ANYONE! </a:t>
+            </a:r>
+          </a:p>
+          <a:p>
+            <a:r>
+              <a:rPr lang="en-US" sz="3200" dirty="0"/>
+              <a:t>They are hijacking the </a:t>
+            </a:r>
+            <a:r>
+              <a:rPr lang="en-US" sz="3200" b="1" dirty="0"/>
+              <a:t>beneficial phone number portability system </a:t>
+            </a:r>
+            <a:r>
+              <a:rPr lang="en-US" sz="3200" dirty="0"/>
+              <a:t>that allows you to keep your number when you switch providers.</a:t>
+            </a:r>
+          </a:p>
+        </p:txBody>
+      </p:sp>
+      <p:pic>
+        <p:nvPicPr>
+          <p:cNvPr id="4" name="Picture 3">
+            <a:extLst>
+              <a:ext uri="{FF2B5EF4-FFF2-40B4-BE49-F238E27FC236}">
+                <a16:creationId xmlns:a16="http://schemas.microsoft.com/office/drawing/2014/main" id="{F7A298A8-4A8C-4C22-9E85-297C2BA6ACBD}"/>
+              </a:ext>
+            </a:extLst>
+          </p:cNvPr>
+          <p:cNvPicPr>
+            <a:picLocks noChangeAspect="1"/>
+          </p:cNvPicPr>
+          <p:nvPr/>
+        </p:nvPicPr>
+        <p:blipFill>
+          <a:blip r:embed="rId2"/>
+          <a:stretch>
+            <a:fillRect/>
+          </a:stretch>
+        </p:blipFill>
+        <p:spPr>
+          <a:xfrm>
+            <a:off x="7725363" y="627063"/>
+            <a:ext cx="4313998" cy="2232025"/>
+          </a:xfrm>
+          <a:prstGeom prst="rect">
+            <a:avLst/>
+          </a:prstGeom>
+        </p:spPr>
+      </p:pic>
+      <p:sp>
+        <p:nvSpPr>
+          <p:cNvPr id="5" name="TextBox 4">
+            <a:extLst>
+              <a:ext uri="{FF2B5EF4-FFF2-40B4-BE49-F238E27FC236}">
+                <a16:creationId xmlns:a16="http://schemas.microsoft.com/office/drawing/2014/main" id="{FA2E4623-825E-45DB-AF79-765BC674D041}"/>
+              </a:ext>
+            </a:extLst>
+          </p:cNvPr>
+          <p:cNvSpPr txBox="1"/>
+          <p:nvPr/>
+        </p:nvSpPr>
+        <p:spPr>
+          <a:xfrm>
+            <a:off x="8145126" y="2859088"/>
+            <a:ext cx="3795623" cy="369332"/>
+          </a:xfrm>
+          <a:prstGeom prst="rect">
+            <a:avLst/>
+          </a:prstGeom>
+          <a:noFill/>
+        </p:spPr>
+        <p:txBody>
+          <a:bodyPr wrap="square" rtlCol="0">
+            <a:spAutoFit/>
+          </a:bodyPr>
+          <a:lstStyle/>
+          <a:p>
+            <a:pPr algn="r"/>
+            <a:r>
+              <a:rPr lang="en-US" dirty="0">
+                <a:solidFill>
+                  <a:srgbClr val="FF0000"/>
+                </a:solidFill>
               </a:rPr>
-              <a:t>https://www.theguardian.com/technology/2016/apr/19/ss7-hack-explained-mobile-phone-vulnerability-snooping-texts-calls</a:t>
-            </a:r>
-            <a:endParaRPr lang="en-US" sz="3200" dirty="0"/>
+              <a:t>This is an actual scam!</a:t>
+            </a:r>
           </a:p>
         </p:txBody>
       </p:sp>
     </p:spTree>
     <p:extLst>
       <p:ext uri="{BB962C8B-B14F-4D97-AF65-F5344CB8AC3E}">
-        <p14:creationId xmlns:p14="http://schemas.microsoft.com/office/powerpoint/2010/main" val="94736363"/>
+        <p14:creationId xmlns:p14="http://schemas.microsoft.com/office/powerpoint/2010/main" val="556003552"/>
       </p:ext>
     </p:extLst>
   </p:cSld>
@@ -5076,11 +5648,13 @@
         </p:nvSpPr>
         <p:spPr/>
         <p:txBody>
-          <a:bodyPr/>
-          <a:lstStyle/>
-          <a:p>
-            <a:r>
-              <a:rPr lang="en-US" dirty="0"/>
+          <a:bodyPr>
+            <a:normAutofit/>
+          </a:bodyPr>
+          <a:lstStyle/>
+          <a:p>
+            <a:r>
+              <a:rPr lang="en-US" sz="4800" dirty="0"/>
               <a:t>Awareness is the best Digital Defense</a:t>
             </a:r>
           </a:p>
@@ -5258,7 +5832,7 @@
           <a:p>
             <a:r>
               <a:rPr lang="en-US" dirty="0"/>
-              <a:t>SMS-Based Scam Tactics </a:t>
+              <a:t>SMS-Based Auth is Better Than Nothing</a:t>
             </a:r>
           </a:p>
         </p:txBody>
@@ -5281,164 +5855,48 @@
         </p:nvSpPr>
         <p:spPr>
           <a:xfrm>
-            <a:off x="838200" y="1533525"/>
-            <a:ext cx="10991850" cy="4959350"/>
+            <a:off x="838200" y="1825625"/>
+            <a:ext cx="10515600" cy="4351338"/>
           </a:xfrm>
         </p:spPr>
         <p:txBody>
           <a:bodyPr>
-            <a:normAutofit fontScale="92500" lnSpcReduction="10000"/>
+            <a:normAutofit/>
           </a:bodyPr>
           <a:lstStyle/>
           <a:p>
             <a:r>
-              <a:rPr lang="en-US" sz="3200" dirty="0"/>
-              <a:t>“I’m going to send you a secure code… </a:t>
-            </a:r>
-            <a:br>
-              <a:rPr lang="en-US" sz="3200" dirty="0"/>
-            </a:br>
-            <a:r>
-              <a:rPr lang="en-US" sz="3200" dirty="0"/>
-              <a:t>to make sure you’re not a scammer” </a:t>
-            </a:r>
-          </a:p>
-          <a:p>
-            <a:r>
-              <a:rPr lang="en-US" sz="3200" dirty="0"/>
-              <a:t>A common tactic on listing sites like </a:t>
-            </a:r>
-            <a:br>
-              <a:rPr lang="en-US" sz="3200" dirty="0"/>
-            </a:br>
-            <a:r>
-              <a:rPr lang="en-US" sz="3200" dirty="0"/>
-              <a:t>Craigslist, </a:t>
-            </a:r>
-            <a:r>
-              <a:rPr lang="en-US" sz="3200" dirty="0" err="1"/>
-              <a:t>Ebay</a:t>
-            </a:r>
-            <a:r>
-              <a:rPr lang="en-US" sz="3200" dirty="0"/>
-              <a:t>, etc. They’re trying </a:t>
-            </a:r>
-            <a:br>
-              <a:rPr lang="en-US" sz="3200" dirty="0"/>
-            </a:br>
-            <a:r>
-              <a:rPr lang="en-US" sz="3200" b="1" dirty="0"/>
-              <a:t>act as you </a:t>
-            </a:r>
-            <a:r>
-              <a:rPr lang="en-US" sz="3200" dirty="0"/>
-              <a:t>to your </a:t>
-            </a:r>
-            <a:r>
-              <a:rPr lang="en-US" sz="3200" b="1" dirty="0"/>
-              <a:t>cell carrier, </a:t>
-            </a:r>
-            <a:r>
-              <a:rPr lang="en-US" sz="3200" dirty="0"/>
-              <a:t>to </a:t>
-            </a:r>
-            <a:br>
-              <a:rPr lang="en-US" sz="3200" dirty="0"/>
-            </a:br>
-            <a:r>
-              <a:rPr lang="en-US" sz="3200" dirty="0"/>
-              <a:t>clone your cell phone. </a:t>
-            </a:r>
-            <a:endParaRPr lang="en-US" sz="3200" b="1" dirty="0"/>
-          </a:p>
-          <a:p>
-            <a:r>
-              <a:rPr lang="en-US" sz="3200" dirty="0"/>
-              <a:t>If you get a code via SMS, NEVER PROVIDE IT TO ANYONE.</a:t>
-            </a:r>
-          </a:p>
-          <a:p>
-            <a:r>
-              <a:rPr lang="en-US" sz="3200" dirty="0"/>
-              <a:t>They are abusing the </a:t>
-            </a:r>
-            <a:r>
-              <a:rPr lang="en-US" sz="3200" b="1" dirty="0"/>
-              <a:t>beneficial phone number portability system </a:t>
-            </a:r>
-            <a:r>
-              <a:rPr lang="en-US" sz="3200" dirty="0"/>
-              <a:t>that allows you to keep your number when you switch providers.</a:t>
-            </a:r>
-          </a:p>
-        </p:txBody>
-      </p:sp>
-      <p:pic>
-        <p:nvPicPr>
-          <p:cNvPr id="4" name="Picture 3">
-            <a:extLst>
-              <a:ext uri="{FF2B5EF4-FFF2-40B4-BE49-F238E27FC236}">
-                <a16:creationId xmlns:a16="http://schemas.microsoft.com/office/drawing/2014/main" id="{F7A298A8-4A8C-4C22-9E85-297C2BA6ACBD}"/>
-              </a:ext>
-            </a:extLst>
-          </p:cNvPr>
-          <p:cNvPicPr>
-            <a:picLocks noChangeAspect="1"/>
-          </p:cNvPicPr>
-          <p:nvPr/>
-        </p:nvPicPr>
-        <p:blipFill>
-          <a:blip r:embed="rId2"/>
-          <a:stretch>
-            <a:fillRect/>
-          </a:stretch>
-        </p:blipFill>
-        <p:spPr>
-          <a:xfrm>
-            <a:off x="7725363" y="627063"/>
-            <a:ext cx="4313998" cy="2232025"/>
-          </a:xfrm>
-          <a:prstGeom prst="rect">
-            <a:avLst/>
-          </a:prstGeom>
-        </p:spPr>
-      </p:pic>
-      <p:sp>
-        <p:nvSpPr>
-          <p:cNvPr id="5" name="TextBox 4">
-            <a:extLst>
-              <a:ext uri="{FF2B5EF4-FFF2-40B4-BE49-F238E27FC236}">
-                <a16:creationId xmlns:a16="http://schemas.microsoft.com/office/drawing/2014/main" id="{FA2E4623-825E-45DB-AF79-765BC674D041}"/>
-              </a:ext>
-            </a:extLst>
-          </p:cNvPr>
-          <p:cNvSpPr txBox="1"/>
-          <p:nvPr/>
-        </p:nvSpPr>
-        <p:spPr>
-          <a:xfrm>
-            <a:off x="8145126" y="2859088"/>
-            <a:ext cx="3795623" cy="369332"/>
-          </a:xfrm>
-          <a:prstGeom prst="rect">
-            <a:avLst/>
-          </a:prstGeom>
-          <a:noFill/>
-        </p:spPr>
-        <p:txBody>
-          <a:bodyPr wrap="square" rtlCol="0">
-            <a:spAutoFit/>
-          </a:bodyPr>
-          <a:lstStyle/>
-          <a:p>
-            <a:pPr algn="r"/>
-            <a:r>
-              <a:rPr lang="en-US" dirty="0">
-                <a:solidFill>
-                  <a:srgbClr val="FF0000"/>
-                </a:solidFill>
-              </a:rPr>
-              <a:t>This is an actual scam!</a:t>
+              <a:rPr lang="en-US" sz="3600" dirty="0"/>
+              <a:t>If offered an option </a:t>
+            </a:r>
+            <a:r>
+              <a:rPr lang="en-US" sz="3600" b="1" dirty="0"/>
+              <a:t>besides SMS MFA, use it</a:t>
+            </a:r>
+            <a:r>
+              <a:rPr lang="en-US" sz="3600" dirty="0"/>
+              <a:t>. </a:t>
+            </a:r>
+          </a:p>
+          <a:p>
+            <a:endParaRPr lang="en-US" sz="3600" dirty="0"/>
+          </a:p>
+          <a:p>
+            <a:r>
+              <a:rPr lang="en-US" sz="3600" dirty="0"/>
+              <a:t>SMS-based MFA is much better than no MFA.</a:t>
+            </a:r>
+          </a:p>
+          <a:p>
+            <a:pPr marL="0" indent="0">
+              <a:buNone/>
+            </a:pPr>
+            <a:endParaRPr lang="en-US" sz="3600" dirty="0"/>
+          </a:p>
+          <a:p>
+            <a:r>
+              <a:rPr lang="en-US" sz="3600" dirty="0"/>
+              <a:t>Yahoo and Reddit have each been breached after they were targeted by SMS-based MFA. </a:t>
             </a:r>
           </a:p>
         </p:txBody>
@@ -5446,7 +5904,7 @@
     </p:spTree>
     <p:extLst>
       <p:ext uri="{BB962C8B-B14F-4D97-AF65-F5344CB8AC3E}">
-        <p14:creationId xmlns:p14="http://schemas.microsoft.com/office/powerpoint/2010/main" val="556003552"/>
+        <p14:creationId xmlns:p14="http://schemas.microsoft.com/office/powerpoint/2010/main" val="3852182217"/>
       </p:ext>
     </p:extLst>
   </p:cSld>
@@ -5496,7 +5954,7 @@
           <a:p>
             <a:r>
               <a:rPr lang="en-US" dirty="0"/>
-              <a:t>SMS-Based Auth is Better Than Nothing</a:t>
+              <a:t>Email-Based Authentication</a:t>
             </a:r>
           </a:p>
         </p:txBody>
@@ -5517,132 +5975,10 @@
             <p:ph idx="1"/>
           </p:nvPr>
         </p:nvSpPr>
-        <p:spPr>
-          <a:xfrm>
-            <a:off x="838200" y="1825625"/>
-            <a:ext cx="10515600" cy="4351338"/>
-          </a:xfrm>
-        </p:spPr>
+        <p:spPr/>
         <p:txBody>
           <a:bodyPr>
-            <a:normAutofit/>
-          </a:bodyPr>
-          <a:lstStyle/>
-          <a:p>
-            <a:r>
-              <a:rPr lang="en-US" sz="3600" dirty="0"/>
-              <a:t>If offered an option </a:t>
-            </a:r>
-            <a:r>
-              <a:rPr lang="en-US" sz="3600" b="1" dirty="0"/>
-              <a:t>besides SMS MFA, use it</a:t>
-            </a:r>
-            <a:r>
-              <a:rPr lang="en-US" sz="3600" dirty="0"/>
-              <a:t>. </a:t>
-            </a:r>
-          </a:p>
-          <a:p>
-            <a:endParaRPr lang="en-US" sz="3600" dirty="0"/>
-          </a:p>
-          <a:p>
-            <a:r>
-              <a:rPr lang="en-US" sz="3600" dirty="0"/>
-              <a:t>SMS-based MFA is much better than no MFA.</a:t>
-            </a:r>
-          </a:p>
-          <a:p>
-            <a:pPr marL="0" indent="0">
-              <a:buNone/>
-            </a:pPr>
-            <a:endParaRPr lang="en-US" sz="3600" dirty="0"/>
-          </a:p>
-          <a:p>
-            <a:r>
-              <a:rPr lang="en-US" sz="3600" dirty="0"/>
-              <a:t>Yahoo and Reddit have each been breached after they were targeted by SMS-based MFA. </a:t>
-            </a:r>
-          </a:p>
-        </p:txBody>
-      </p:sp>
-    </p:spTree>
-    <p:extLst>
-      <p:ext uri="{BB962C8B-B14F-4D97-AF65-F5344CB8AC3E}">
-        <p14:creationId xmlns:p14="http://schemas.microsoft.com/office/powerpoint/2010/main" val="3852182217"/>
-      </p:ext>
-    </p:extLst>
-  </p:cSld>
-  <p:clrMapOvr>
-    <a:masterClrMapping/>
-  </p:clrMapOvr>
-</p:sld>
-</file>
-
-<file path=ppt/slides/slide22.xml><?xml version="1.0" encoding="utf-8"?>
-<p:sld xmlns:a="http://schemas.openxmlformats.org/drawingml/2006/main" xmlns:r="http://schemas.openxmlformats.org/officeDocument/2006/relationships" xmlns:p="http://schemas.openxmlformats.org/presentationml/2006/main">
-  <p:cSld>
-    <p:spTree>
-      <p:nvGrpSpPr>
-        <p:cNvPr id="1" name=""/>
-        <p:cNvGrpSpPr/>
-        <p:nvPr/>
-      </p:nvGrpSpPr>
-      <p:grpSpPr>
-        <a:xfrm>
-          <a:off x="0" y="0"/>
-          <a:ext cx="0" cy="0"/>
-          <a:chOff x="0" y="0"/>
-          <a:chExt cx="0" cy="0"/>
-        </a:xfrm>
-      </p:grpSpPr>
-      <p:sp>
-        <p:nvSpPr>
-          <p:cNvPr id="2" name="Title 1">
-            <a:extLst>
-              <a:ext uri="{FF2B5EF4-FFF2-40B4-BE49-F238E27FC236}">
-                <a16:creationId xmlns:a16="http://schemas.microsoft.com/office/drawing/2014/main" id="{D0CBD092-444D-485B-B077-AE37DB7967F1}"/>
-              </a:ext>
-            </a:extLst>
-          </p:cNvPr>
-          <p:cNvSpPr>
-            <a:spLocks noGrp="1"/>
-          </p:cNvSpPr>
-          <p:nvPr>
-            <p:ph type="title"/>
-          </p:nvPr>
-        </p:nvSpPr>
-        <p:spPr/>
-        <p:txBody>
-          <a:bodyPr/>
-          <a:lstStyle/>
-          <a:p>
-            <a:r>
-              <a:rPr lang="en-US" dirty="0"/>
-              <a:t>Email-Based Authentication</a:t>
-            </a:r>
-          </a:p>
-        </p:txBody>
-      </p:sp>
-      <p:sp>
-        <p:nvSpPr>
-          <p:cNvPr id="3" name="Content Placeholder 2">
-            <a:extLst>
-              <a:ext uri="{FF2B5EF4-FFF2-40B4-BE49-F238E27FC236}">
-                <a16:creationId xmlns:a16="http://schemas.microsoft.com/office/drawing/2014/main" id="{65B32B1F-E0DF-456C-B7E0-F6CB2CBEA651}"/>
-              </a:ext>
-            </a:extLst>
-          </p:cNvPr>
-          <p:cNvSpPr>
-            <a:spLocks noGrp="1"/>
-          </p:cNvSpPr>
-          <p:nvPr>
-            <p:ph idx="1"/>
-          </p:nvPr>
-        </p:nvSpPr>
-        <p:spPr/>
-        <p:txBody>
-          <a:bodyPr>
-            <a:normAutofit fontScale="92500" lnSpcReduction="20000"/>
+            <a:normAutofit fontScale="92500" lnSpcReduction="10000"/>
           </a:bodyPr>
           <a:lstStyle/>
           <a:p>
@@ -5666,8 +6002,6 @@
               <a:rPr lang="en-US" sz="3600" b="1" dirty="0"/>
               <a:t>Same problem. </a:t>
             </a:r>
-          </a:p>
-          <a:p>
             <a:endParaRPr lang="en-US" sz="3600" dirty="0"/>
           </a:p>
           <a:p>
@@ -5691,7 +6025,7 @@
 </p:sld>
 </file>
 
-<file path=ppt/slides/slide23.xml><?xml version="1.0" encoding="utf-8"?>
+<file path=ppt/slides/slide22.xml><?xml version="1.0" encoding="utf-8"?>
 <p:sld xmlns:a="http://schemas.openxmlformats.org/drawingml/2006/main" xmlns:r="http://schemas.openxmlformats.org/officeDocument/2006/relationships" xmlns:p="http://schemas.openxmlformats.org/presentationml/2006/main">
   <p:cSld>
     <p:spTree>
@@ -6124,7 +6458,7 @@
 </p:sld>
 </file>
 
-<file path=ppt/slides/slide24.xml><?xml version="1.0" encoding="utf-8"?>
+<file path=ppt/slides/slide23.xml><?xml version="1.0" encoding="utf-8"?>
 <p:sld xmlns:a="http://schemas.openxmlformats.org/drawingml/2006/main" xmlns:r="http://schemas.openxmlformats.org/officeDocument/2006/relationships" xmlns:p="http://schemas.openxmlformats.org/presentationml/2006/main">
   <p:cSld>
     <p:spTree>
@@ -6207,14 +6541,7 @@
             </a:r>
             <a:r>
               <a:rPr lang="en-US" sz="4000" dirty="0"/>
-              <a:t>, </a:t>
-            </a:r>
-            <a:br>
-              <a:rPr lang="en-US" sz="4000" dirty="0"/>
-            </a:br>
-            <a:r>
-              <a:rPr lang="en-US" sz="4000" dirty="0"/>
-              <a:t>or approve via a push notification.</a:t>
+              <a:t>, or approve via a push notification.</a:t>
             </a:r>
           </a:p>
           <a:p>
@@ -6224,7 +6551,7 @@
             </a:r>
             <a:r>
               <a:rPr lang="en-US" sz="4000" b="1" dirty="0"/>
-              <a:t>far more secure than SMS-based MFA</a:t>
+              <a:t>more secure than SMS-based MFA</a:t>
             </a:r>
             <a:r>
               <a:rPr lang="en-US" sz="4000" dirty="0"/>
@@ -6291,7 +6618,7 @@
 </p:sld>
 </file>
 
-<file path=ppt/slides/slide25.xml><?xml version="1.0" encoding="utf-8"?>
+<file path=ppt/slides/slide24.xml><?xml version="1.0" encoding="utf-8"?>
 <p:sld xmlns:a="http://schemas.openxmlformats.org/drawingml/2006/main" xmlns:r="http://schemas.openxmlformats.org/officeDocument/2006/relationships" xmlns:p="http://schemas.openxmlformats.org/presentationml/2006/main" show="0">
   <p:cSld>
     <p:spTree>
@@ -6470,6 +6797,370 @@
   <p:clrMapOvr>
     <a:masterClrMapping/>
   </p:clrMapOvr>
+</p:sld>
+</file>
+
+<file path=ppt/slides/slide25.xml><?xml version="1.0" encoding="utf-8"?>
+<p:sld xmlns:a="http://schemas.openxmlformats.org/drawingml/2006/main" xmlns:r="http://schemas.openxmlformats.org/officeDocument/2006/relationships" xmlns:p="http://schemas.openxmlformats.org/presentationml/2006/main">
+  <p:cSld>
+    <p:spTree>
+      <p:nvGrpSpPr>
+        <p:cNvPr id="1" name=""/>
+        <p:cNvGrpSpPr/>
+        <p:nvPr/>
+      </p:nvGrpSpPr>
+      <p:grpSpPr>
+        <a:xfrm>
+          <a:off x="0" y="0"/>
+          <a:ext cx="0" cy="0"/>
+          <a:chOff x="0" y="0"/>
+          <a:chExt cx="0" cy="0"/>
+        </a:xfrm>
+      </p:grpSpPr>
+      <p:sp>
+        <p:nvSpPr>
+          <p:cNvPr id="2" name="Title 1">
+            <a:extLst>
+              <a:ext uri="{FF2B5EF4-FFF2-40B4-BE49-F238E27FC236}">
+                <a16:creationId xmlns:a16="http://schemas.microsoft.com/office/drawing/2014/main" id="{D0CBD092-444D-485B-B077-AE37DB7967F1}"/>
+              </a:ext>
+            </a:extLst>
+          </p:cNvPr>
+          <p:cNvSpPr>
+            <a:spLocks noGrp="1"/>
+          </p:cNvSpPr>
+          <p:nvPr>
+            <p:ph type="title"/>
+          </p:nvPr>
+        </p:nvSpPr>
+        <p:spPr/>
+        <p:txBody>
+          <a:bodyPr/>
+          <a:lstStyle/>
+          <a:p>
+            <a:r>
+              <a:rPr lang="en-US" dirty="0"/>
+              <a:t>Software-Based Authentication Setup</a:t>
+            </a:r>
+          </a:p>
+        </p:txBody>
+      </p:sp>
+      <p:sp>
+        <p:nvSpPr>
+          <p:cNvPr id="3" name="Content Placeholder 2">
+            <a:extLst>
+              <a:ext uri="{FF2B5EF4-FFF2-40B4-BE49-F238E27FC236}">
+                <a16:creationId xmlns:a16="http://schemas.microsoft.com/office/drawing/2014/main" id="{65B32B1F-E0DF-456C-B7E0-F6CB2CBEA651}"/>
+              </a:ext>
+            </a:extLst>
+          </p:cNvPr>
+          <p:cNvSpPr>
+            <a:spLocks noGrp="1"/>
+          </p:cNvSpPr>
+          <p:nvPr>
+            <p:ph idx="1"/>
+          </p:nvPr>
+        </p:nvSpPr>
+        <p:spPr>
+          <a:xfrm>
+            <a:off x="461623" y="1421476"/>
+            <a:ext cx="10668000" cy="4930424"/>
+          </a:xfrm>
+        </p:spPr>
+        <p:txBody>
+          <a:bodyPr>
+            <a:normAutofit/>
+          </a:bodyPr>
+          <a:lstStyle/>
+          <a:p>
+            <a:r>
+              <a:rPr lang="en-US" sz="3600" dirty="0"/>
+              <a:t>When you set up, you’ll be provided a QR </a:t>
+            </a:r>
+            <a:br>
+              <a:rPr lang="en-US" sz="3600" dirty="0"/>
+            </a:br>
+            <a:r>
+              <a:rPr lang="en-US" sz="3600" dirty="0"/>
+              <a:t>code (common) and/or long string </a:t>
+            </a:r>
+            <a:br>
+              <a:rPr lang="en-US" sz="3600" dirty="0"/>
+            </a:br>
+            <a:r>
+              <a:rPr lang="en-US" sz="3600" b="1" dirty="0"/>
+              <a:t>that you only see once</a:t>
+            </a:r>
+            <a:r>
+              <a:rPr lang="en-US" sz="3600" dirty="0"/>
+              <a:t>.</a:t>
+            </a:r>
+          </a:p>
+          <a:p>
+            <a:r>
+              <a:rPr lang="en-US" sz="3600" dirty="0"/>
+              <a:t>Pro tip: SAVE IT SECURELY for the future.</a:t>
+            </a:r>
+          </a:p>
+          <a:p>
+            <a:pPr lvl="1"/>
+            <a:r>
+              <a:rPr lang="en-US" sz="3200" dirty="0"/>
+              <a:t>Use the same QR Code or string to transfer </a:t>
+            </a:r>
+            <a:br>
+              <a:rPr lang="en-US" sz="3200" dirty="0"/>
+            </a:br>
+            <a:r>
+              <a:rPr lang="en-US" sz="3200" dirty="0"/>
+              <a:t>phones or create backup devices</a:t>
+            </a:r>
+          </a:p>
+          <a:p>
+            <a:r>
+              <a:rPr lang="en-US" sz="3600" dirty="0"/>
+              <a:t>Your phone holds the key. Which means if you lose your phone, you’ll want a backup method.</a:t>
+            </a:r>
+          </a:p>
+          <a:p>
+            <a:endParaRPr lang="en-US" sz="3600" dirty="0"/>
+          </a:p>
+        </p:txBody>
+      </p:sp>
+      <p:sp>
+        <p:nvSpPr>
+          <p:cNvPr id="8" name="AutoShape 10" descr="https://lh3.googleusercontent.com/SClWEmbk7QxxuKiWshok2T45vAwEQYCduisnnGORqrha7KfpQsvFZa0xac_jyj_tE9Mn=w1920-h947-rw">
+            <a:extLst>
+              <a:ext uri="{FF2B5EF4-FFF2-40B4-BE49-F238E27FC236}">
+                <a16:creationId xmlns:a16="http://schemas.microsoft.com/office/drawing/2014/main" id="{35F208E5-7037-43C1-A023-1454F9383ED2}"/>
+              </a:ext>
+            </a:extLst>
+          </p:cNvPr>
+          <p:cNvSpPr>
+            <a:spLocks noChangeAspect="1" noChangeArrowheads="1"/>
+          </p:cNvSpPr>
+          <p:nvPr/>
+        </p:nvSpPr>
+        <p:spPr bwMode="auto">
+          <a:xfrm>
+            <a:off x="5943600" y="3276600"/>
+            <a:ext cx="304800" cy="304800"/>
+          </a:xfrm>
+          <a:prstGeom prst="rect">
+            <a:avLst/>
+          </a:prstGeom>
+          <a:noFill/>
+          <a:extLst>
+            <a:ext uri="{909E8E84-426E-40DD-AFC4-6F175D3DCCD1}">
+              <a14:hiddenFill xmlns:a14="http://schemas.microsoft.com/office/drawing/2010/main">
+                <a:solidFill>
+                  <a:srgbClr val="FFFFFF"/>
+                </a:solidFill>
+              </a14:hiddenFill>
+            </a:ext>
+          </a:extLst>
+        </p:spPr>
+        <p:txBody>
+          <a:bodyPr vert="horz" wrap="square" lIns="91440" tIns="45720" rIns="91440" bIns="45720" numCol="1" anchor="t" anchorCtr="0" compatLnSpc="1">
+            <a:prstTxWarp prst="textNoShape">
+              <a:avLst/>
+            </a:prstTxWarp>
+          </a:bodyPr>
+          <a:lstStyle/>
+          <a:p>
+            <a:endParaRPr lang="en-US"/>
+          </a:p>
+        </p:txBody>
+      </p:sp>
+      <p:pic>
+        <p:nvPicPr>
+          <p:cNvPr id="1026" name="Picture 2" descr="https://i.imgur.com/6AnLddq.png">
+            <a:extLst>
+              <a:ext uri="{FF2B5EF4-FFF2-40B4-BE49-F238E27FC236}">
+                <a16:creationId xmlns:a16="http://schemas.microsoft.com/office/drawing/2014/main" id="{84D46A2C-71E3-43AA-9632-535B9E06B62D}"/>
+              </a:ext>
+            </a:extLst>
+          </p:cNvPr>
+          <p:cNvPicPr>
+            <a:picLocks noChangeAspect="1" noChangeArrowheads="1"/>
+          </p:cNvPicPr>
+          <p:nvPr/>
+        </p:nvPicPr>
+        <p:blipFill>
+          <a:blip r:embed="rId2">
+            <a:extLst>
+              <a:ext uri="{28A0092B-C50C-407E-A947-70E740481C1C}">
+                <a14:useLocalDpi xmlns:a14="http://schemas.microsoft.com/office/drawing/2010/main" val="0"/>
+              </a:ext>
+            </a:extLst>
+          </a:blip>
+          <a:srcRect/>
+          <a:stretch>
+            <a:fillRect/>
+          </a:stretch>
+        </p:blipFill>
+        <p:spPr bwMode="auto">
+          <a:xfrm>
+            <a:off x="9405257" y="1520042"/>
+            <a:ext cx="2622145" cy="2622145"/>
+          </a:xfrm>
+          <a:prstGeom prst="rect">
+            <a:avLst/>
+          </a:prstGeom>
+          <a:noFill/>
+          <a:extLst>
+            <a:ext uri="{909E8E84-426E-40DD-AFC4-6F175D3DCCD1}">
+              <a14:hiddenFill xmlns:a14="http://schemas.microsoft.com/office/drawing/2010/main">
+                <a:solidFill>
+                  <a:srgbClr val="FFFFFF"/>
+                </a:solidFill>
+              </a14:hiddenFill>
+            </a:ext>
+          </a:extLst>
+        </p:spPr>
+      </p:pic>
+      <p:sp>
+        <p:nvSpPr>
+          <p:cNvPr id="4" name="Rectangle 3">
+            <a:extLst>
+              <a:ext uri="{FF2B5EF4-FFF2-40B4-BE49-F238E27FC236}">
+                <a16:creationId xmlns:a16="http://schemas.microsoft.com/office/drawing/2014/main" id="{A1E3D1C6-D338-4A36-8007-1B6B93345C75}"/>
+              </a:ext>
+            </a:extLst>
+          </p:cNvPr>
+          <p:cNvSpPr/>
+          <p:nvPr/>
+        </p:nvSpPr>
+        <p:spPr>
+          <a:xfrm>
+            <a:off x="9489233" y="1586204"/>
+            <a:ext cx="2472612" cy="2453951"/>
+          </a:xfrm>
+          <a:prstGeom prst="rect">
+            <a:avLst/>
+          </a:prstGeom>
+          <a:noFill/>
+          <a:ln w="76200" cap="flat" cmpd="sng" algn="ctr">
+            <a:solidFill>
+              <a:srgbClr val="FF0000"/>
+            </a:solidFill>
+            <a:prstDash val="solid"/>
+            <a:round/>
+            <a:headEnd type="none" w="med" len="med"/>
+            <a:tailEnd type="none" w="med" len="med"/>
+          </a:ln>
+        </p:spPr>
+        <p:style>
+          <a:lnRef idx="0">
+            <a:scrgbClr r="0" g="0" b="0"/>
+          </a:lnRef>
+          <a:fillRef idx="0">
+            <a:scrgbClr r="0" g="0" b="0"/>
+          </a:fillRef>
+          <a:effectRef idx="0">
+            <a:scrgbClr r="0" g="0" b="0"/>
+          </a:effectRef>
+          <a:fontRef idx="minor">
+            <a:schemeClr val="accent2"/>
+          </a:fontRef>
+        </p:style>
+        <p:txBody>
+          <a:bodyPr rtlCol="0" anchor="ctr"/>
+          <a:lstStyle/>
+          <a:p>
+            <a:pPr algn="ctr"/>
+            <a:endParaRPr lang="en-US"/>
+          </a:p>
+        </p:txBody>
+      </p:sp>
+    </p:spTree>
+    <p:extLst>
+      <p:ext uri="{BB962C8B-B14F-4D97-AF65-F5344CB8AC3E}">
+        <p14:creationId xmlns:p14="http://schemas.microsoft.com/office/powerpoint/2010/main" val="3916235985"/>
+      </p:ext>
+    </p:extLst>
+  </p:cSld>
+  <p:clrMapOvr>
+    <a:masterClrMapping/>
+  </p:clrMapOvr>
+  <p:timing>
+    <p:tnLst>
+      <p:par>
+        <p:cTn id="1" dur="indefinite" restart="never" nodeType="tmRoot">
+          <p:childTnLst>
+            <p:seq concurrent="1" nextAc="seek">
+              <p:cTn id="2" dur="indefinite" nodeType="mainSeq">
+                <p:childTnLst>
+                  <p:par>
+                    <p:cTn id="3" fill="hold">
+                      <p:stCondLst>
+                        <p:cond delay="indefinite"/>
+                      </p:stCondLst>
+                      <p:childTnLst>
+                        <p:par>
+                          <p:cTn id="4" fill="hold">
+                            <p:stCondLst>
+                              <p:cond delay="0"/>
+                            </p:stCondLst>
+                            <p:childTnLst>
+                              <p:par>
+                                <p:cTn id="5" presetID="1" presetClass="entr" presetSubtype="0" fill="hold" grpId="0" nodeType="clickEffect">
+                                  <p:stCondLst>
+                                    <p:cond delay="0"/>
+                                  </p:stCondLst>
+                                  <p:childTnLst>
+                                    <p:set>
+                                      <p:cBhvr>
+                                        <p:cTn id="6" dur="1" fill="hold">
+                                          <p:stCondLst>
+                                            <p:cond delay="0"/>
+                                          </p:stCondLst>
+                                        </p:cTn>
+                                        <p:tgtEl>
+                                          <p:spTgt spid="4"/>
+                                        </p:tgtEl>
+                                        <p:attrNameLst>
+                                          <p:attrName>style.visibility</p:attrName>
+                                        </p:attrNameLst>
+                                      </p:cBhvr>
+                                      <p:to>
+                                        <p:strVal val="visible"/>
+                                      </p:to>
+                                    </p:set>
+                                  </p:childTnLst>
+                                </p:cTn>
+                              </p:par>
+                            </p:childTnLst>
+                          </p:cTn>
+                        </p:par>
+                      </p:childTnLst>
+                    </p:cTn>
+                  </p:par>
+                </p:childTnLst>
+              </p:cTn>
+              <p:prevCondLst>
+                <p:cond evt="onPrev" delay="0">
+                  <p:tgtEl>
+                    <p:sldTgt/>
+                  </p:tgtEl>
+                </p:cond>
+              </p:prevCondLst>
+              <p:nextCondLst>
+                <p:cond evt="onNext" delay="0">
+                  <p:tgtEl>
+                    <p:sldTgt/>
+                  </p:tgtEl>
+                </p:cond>
+              </p:nextCondLst>
+            </p:seq>
+          </p:childTnLst>
+        </p:cTn>
+      </p:par>
+    </p:tnLst>
+    <p:bldLst>
+      <p:bldP spid="4" grpId="0" animBg="1"/>
+    </p:bldLst>
+  </p:timing>
 </p:sld>
 </file>
 
@@ -6513,7 +7204,7 @@
           <a:p>
             <a:r>
               <a:rPr lang="en-US" dirty="0"/>
-              <a:t>Software-Based Authentication Setup</a:t>
+              <a:t>Certificate-Based Authentication Setup</a:t>
             </a:r>
           </a:p>
         </p:txBody>
@@ -6536,8 +7227,8 @@
         </p:nvSpPr>
         <p:spPr>
           <a:xfrm>
-            <a:off x="461623" y="1421476"/>
-            <a:ext cx="10668000" cy="4930424"/>
+            <a:off x="461623" y="1576873"/>
+            <a:ext cx="10668000" cy="4775027"/>
           </a:xfrm>
         </p:spPr>
         <p:txBody>
@@ -6548,55 +7239,26 @@
           <a:p>
             <a:r>
               <a:rPr lang="en-US" sz="3600" dirty="0"/>
-              <a:t>When you set up, you’ll be provided a QR </a:t>
-            </a:r>
-            <a:br>
+              <a:t>Complimentary only.</a:t>
+            </a:r>
+          </a:p>
+          <a:p>
+            <a:r>
               <a:rPr lang="en-US" sz="3600" dirty="0"/>
-            </a:br>
+              <a:t>After an initial secure authentication, allows a certificate to be placed on the device only. </a:t>
+            </a:r>
+          </a:p>
+          <a:p>
             <a:r>
               <a:rPr lang="en-US" sz="3600" dirty="0"/>
-              <a:t>code (common) and/or long string </a:t>
-            </a:r>
-            <a:br>
+              <a:t>Facebook and Windows 10 “pins” are similar.</a:t>
+            </a:r>
+          </a:p>
+          <a:p>
+            <a:r>
               <a:rPr lang="en-US" sz="3600" dirty="0"/>
-            </a:br>
-            <a:r>
-              <a:rPr lang="en-US" sz="3600" b="1" dirty="0"/>
-              <a:t>that you only see once</a:t>
-            </a:r>
-            <a:r>
-              <a:rPr lang="en-US" sz="3600" dirty="0"/>
-              <a:t>.</a:t>
-            </a:r>
-          </a:p>
-          <a:p>
-            <a:r>
-              <a:rPr lang="en-US" sz="3600" dirty="0"/>
-              <a:t>Pro tip: SAVE IT SECURELY for the future.</a:t>
-            </a:r>
-          </a:p>
-          <a:p>
-            <a:pPr lvl="1"/>
-            <a:r>
-              <a:rPr lang="en-US" sz="3200" dirty="0"/>
-              <a:t>Use the same QR Code or string to transfer </a:t>
-            </a:r>
-            <a:br>
-              <a:rPr lang="en-US" sz="3200" dirty="0"/>
-            </a:br>
-            <a:r>
-              <a:rPr lang="en-US" sz="3200" dirty="0"/>
-              <a:t>phones or create backup devices</a:t>
-            </a:r>
-          </a:p>
-          <a:p>
-            <a:r>
-              <a:rPr lang="en-US" sz="3600" dirty="0"/>
-              <a:t>Your phone holds the key. Which means if you lose your phone, you’ll want a backup method.</a:t>
-            </a:r>
-          </a:p>
-          <a:p>
-            <a:endParaRPr lang="en-US" sz="3600" dirty="0"/>
+              <a:t>New devices/login locations lack the certificate, cannot log in with out more secure authentication.</a:t>
+            </a:r>
           </a:p>
         </p:txBody>
       </p:sp>
@@ -6645,57 +7307,10 @@
           </a:p>
         </p:txBody>
       </p:sp>
-      <p:pic>
-        <p:nvPicPr>
-          <p:cNvPr id="1026" name="Picture 2" descr="https://i.imgur.com/6AnLddq.png">
-            <a:extLst>
-              <a:ext uri="{FF2B5EF4-FFF2-40B4-BE49-F238E27FC236}">
-                <a16:creationId xmlns:a16="http://schemas.microsoft.com/office/drawing/2014/main" id="{84D46A2C-71E3-43AA-9632-535B9E06B62D}"/>
-              </a:ext>
-            </a:extLst>
-          </p:cNvPr>
-          <p:cNvPicPr>
-            <a:picLocks noChangeAspect="1" noChangeArrowheads="1"/>
-          </p:cNvPicPr>
-          <p:nvPr/>
-        </p:nvPicPr>
-        <p:blipFill>
-          <a:blip r:embed="rId2">
-            <a:extLst>
-              <a:ext uri="{28A0092B-C50C-407E-A947-70E740481C1C}">
-                <a14:useLocalDpi xmlns:a14="http://schemas.microsoft.com/office/drawing/2010/main" val="0"/>
-              </a:ext>
-            </a:extLst>
-          </a:blip>
-          <a:srcRect/>
-          <a:stretch>
-            <a:fillRect/>
-          </a:stretch>
-        </p:blipFill>
-        <p:spPr bwMode="auto">
-          <a:xfrm>
-            <a:off x="9088016" y="1230793"/>
-            <a:ext cx="2622145" cy="2622145"/>
-          </a:xfrm>
-          <a:prstGeom prst="rect">
-            <a:avLst/>
-          </a:prstGeom>
-          <a:noFill/>
-          <a:extLst>
-            <a:ext uri="{909E8E84-426E-40DD-AFC4-6F175D3DCCD1}">
-              <a14:hiddenFill xmlns:a14="http://schemas.microsoft.com/office/drawing/2010/main">
-                <a:solidFill>
-                  <a:srgbClr val="FFFFFF"/>
-                </a:solidFill>
-              </a14:hiddenFill>
-            </a:ext>
-          </a:extLst>
-        </p:spPr>
-      </p:pic>
     </p:spTree>
     <p:extLst>
       <p:ext uri="{BB962C8B-B14F-4D97-AF65-F5344CB8AC3E}">
-        <p14:creationId xmlns:p14="http://schemas.microsoft.com/office/powerpoint/2010/main" val="3916235985"/>
+        <p14:creationId xmlns:p14="http://schemas.microsoft.com/office/powerpoint/2010/main" val="2070013541"/>
       </p:ext>
     </p:extLst>
   </p:cSld>
@@ -6768,8 +7383,8 @@
         </p:nvSpPr>
         <p:spPr>
           <a:xfrm>
-            <a:off x="461623" y="2000562"/>
-            <a:ext cx="10668000" cy="4351338"/>
+            <a:off x="461623" y="1690688"/>
+            <a:ext cx="10668000" cy="4661212"/>
           </a:xfrm>
         </p:spPr>
         <p:txBody>
@@ -6779,26 +7394,18 @@
           <a:lstStyle/>
           <a:p>
             <a:r>
+              <a:rPr lang="en-US" sz="3600" b="1" dirty="0"/>
+              <a:t>Microsoft Hello </a:t>
+            </a:r>
+            <a:r>
               <a:rPr lang="en-US" sz="3600" dirty="0"/>
-              <a:t>Complimentary only.</a:t>
+              <a:t>is a push to eliminate recurring access via passwords that work every where with PINs (or biometric data, or other hardware MFA) linked to a device cert.</a:t>
             </a:r>
           </a:p>
           <a:p>
             <a:r>
               <a:rPr lang="en-US" sz="3600" dirty="0"/>
-              <a:t>After an initial secure authentication, allows a certificate to be placed on the device only. </a:t>
-            </a:r>
-          </a:p>
-          <a:p>
-            <a:r>
-              <a:rPr lang="en-US" sz="3600" dirty="0"/>
-              <a:t>Facebook and Windows 10 “pin” passwords are similar.</a:t>
-            </a:r>
-          </a:p>
-          <a:p>
-            <a:r>
-              <a:rPr lang="en-US" sz="3600" dirty="0"/>
-              <a:t>New devices/login locations lack the certificate, cannot log in with out more secure authentication.</a:t>
+              <a:t>The initial login for the device must still be secured with MFA.</a:t>
             </a:r>
           </a:p>
         </p:txBody>
@@ -6851,7 +7458,7 @@
     </p:spTree>
     <p:extLst>
       <p:ext uri="{BB962C8B-B14F-4D97-AF65-F5344CB8AC3E}">
-        <p14:creationId xmlns:p14="http://schemas.microsoft.com/office/powerpoint/2010/main" val="2070013541"/>
+        <p14:creationId xmlns:p14="http://schemas.microsoft.com/office/powerpoint/2010/main" val="4062060232"/>
       </p:ext>
     </p:extLst>
   </p:cSld>
@@ -6894,154 +7501,6 @@
             <p:ph type="title"/>
           </p:nvPr>
         </p:nvSpPr>
-        <p:spPr/>
-        <p:txBody>
-          <a:bodyPr/>
-          <a:lstStyle/>
-          <a:p>
-            <a:r>
-              <a:rPr lang="en-US" dirty="0"/>
-              <a:t>Certificate-Based Authentication Setup</a:t>
-            </a:r>
-          </a:p>
-        </p:txBody>
-      </p:sp>
-      <p:sp>
-        <p:nvSpPr>
-          <p:cNvPr id="3" name="Content Placeholder 2">
-            <a:extLst>
-              <a:ext uri="{FF2B5EF4-FFF2-40B4-BE49-F238E27FC236}">
-                <a16:creationId xmlns:a16="http://schemas.microsoft.com/office/drawing/2014/main" id="{65B32B1F-E0DF-456C-B7E0-F6CB2CBEA651}"/>
-              </a:ext>
-            </a:extLst>
-          </p:cNvPr>
-          <p:cNvSpPr>
-            <a:spLocks noGrp="1"/>
-          </p:cNvSpPr>
-          <p:nvPr>
-            <p:ph idx="1"/>
-          </p:nvPr>
-        </p:nvSpPr>
-        <p:spPr>
-          <a:xfrm>
-            <a:off x="461623" y="1690688"/>
-            <a:ext cx="10668000" cy="4661212"/>
-          </a:xfrm>
-        </p:spPr>
-        <p:txBody>
-          <a:bodyPr>
-            <a:normAutofit/>
-          </a:bodyPr>
-          <a:lstStyle/>
-          <a:p>
-            <a:r>
-              <a:rPr lang="en-US" sz="3600" b="1" dirty="0"/>
-              <a:t>Microsoft Hello </a:t>
-            </a:r>
-            <a:r>
-              <a:rPr lang="en-US" sz="3600" dirty="0"/>
-              <a:t>is a push to eliminate recurring access via passwords that work every where with PINs (or biometric data, or other hardware MFA) linked to a device cert.</a:t>
-            </a:r>
-          </a:p>
-          <a:p>
-            <a:r>
-              <a:rPr lang="en-US" sz="3600" dirty="0"/>
-              <a:t>The initial login for the device must still be secured with MFA.</a:t>
-            </a:r>
-          </a:p>
-        </p:txBody>
-      </p:sp>
-      <p:sp>
-        <p:nvSpPr>
-          <p:cNvPr id="8" name="AutoShape 10" descr="https://lh3.googleusercontent.com/SClWEmbk7QxxuKiWshok2T45vAwEQYCduisnnGORqrha7KfpQsvFZa0xac_jyj_tE9Mn=w1920-h947-rw">
-            <a:extLst>
-              <a:ext uri="{FF2B5EF4-FFF2-40B4-BE49-F238E27FC236}">
-                <a16:creationId xmlns:a16="http://schemas.microsoft.com/office/drawing/2014/main" id="{35F208E5-7037-43C1-A023-1454F9383ED2}"/>
-              </a:ext>
-            </a:extLst>
-          </p:cNvPr>
-          <p:cNvSpPr>
-            <a:spLocks noChangeAspect="1" noChangeArrowheads="1"/>
-          </p:cNvSpPr>
-          <p:nvPr/>
-        </p:nvSpPr>
-        <p:spPr bwMode="auto">
-          <a:xfrm>
-            <a:off x="5943600" y="3276600"/>
-            <a:ext cx="304800" cy="304800"/>
-          </a:xfrm>
-          <a:prstGeom prst="rect">
-            <a:avLst/>
-          </a:prstGeom>
-          <a:noFill/>
-          <a:extLst>
-            <a:ext uri="{909E8E84-426E-40DD-AFC4-6F175D3DCCD1}">
-              <a14:hiddenFill xmlns:a14="http://schemas.microsoft.com/office/drawing/2010/main">
-                <a:solidFill>
-                  <a:srgbClr val="FFFFFF"/>
-                </a:solidFill>
-              </a14:hiddenFill>
-            </a:ext>
-          </a:extLst>
-        </p:spPr>
-        <p:txBody>
-          <a:bodyPr vert="horz" wrap="square" lIns="91440" tIns="45720" rIns="91440" bIns="45720" numCol="1" anchor="t" anchorCtr="0" compatLnSpc="1">
-            <a:prstTxWarp prst="textNoShape">
-              <a:avLst/>
-            </a:prstTxWarp>
-          </a:bodyPr>
-          <a:lstStyle/>
-          <a:p>
-            <a:endParaRPr lang="en-US"/>
-          </a:p>
-        </p:txBody>
-      </p:sp>
-    </p:spTree>
-    <p:extLst>
-      <p:ext uri="{BB962C8B-B14F-4D97-AF65-F5344CB8AC3E}">
-        <p14:creationId xmlns:p14="http://schemas.microsoft.com/office/powerpoint/2010/main" val="4062060232"/>
-      </p:ext>
-    </p:extLst>
-  </p:cSld>
-  <p:clrMapOvr>
-    <a:masterClrMapping/>
-  </p:clrMapOvr>
-</p:sld>
-</file>
-
-<file path=ppt/slides/slide29.xml><?xml version="1.0" encoding="utf-8"?>
-<p:sld xmlns:a="http://schemas.openxmlformats.org/drawingml/2006/main" xmlns:r="http://schemas.openxmlformats.org/officeDocument/2006/relationships" xmlns:p="http://schemas.openxmlformats.org/presentationml/2006/main">
-  <p:cSld>
-    <p:spTree>
-      <p:nvGrpSpPr>
-        <p:cNvPr id="1" name=""/>
-        <p:cNvGrpSpPr/>
-        <p:nvPr/>
-      </p:nvGrpSpPr>
-      <p:grpSpPr>
-        <a:xfrm>
-          <a:off x="0" y="0"/>
-          <a:ext cx="0" cy="0"/>
-          <a:chOff x="0" y="0"/>
-          <a:chExt cx="0" cy="0"/>
-        </a:xfrm>
-      </p:grpSpPr>
-      <p:sp>
-        <p:nvSpPr>
-          <p:cNvPr id="2" name="Title 1">
-            <a:extLst>
-              <a:ext uri="{FF2B5EF4-FFF2-40B4-BE49-F238E27FC236}">
-                <a16:creationId xmlns:a16="http://schemas.microsoft.com/office/drawing/2014/main" id="{D0CBD092-444D-485B-B077-AE37DB7967F1}"/>
-              </a:ext>
-            </a:extLst>
-          </p:cNvPr>
-          <p:cNvSpPr>
-            <a:spLocks noGrp="1"/>
-          </p:cNvSpPr>
-          <p:nvPr>
-            <p:ph type="title"/>
-          </p:nvPr>
-        </p:nvSpPr>
         <p:spPr>
           <a:xfrm>
             <a:off x="838200" y="365125"/>
@@ -7084,7 +7543,7 @@
         </p:spPr>
         <p:txBody>
           <a:bodyPr>
-            <a:normAutofit lnSpcReduction="10000"/>
+            <a:normAutofit/>
           </a:bodyPr>
           <a:lstStyle/>
           <a:p>
@@ -7096,7 +7555,7 @@
           <a:p>
             <a:r>
               <a:rPr lang="en-US" sz="3600" dirty="0"/>
-              <a:t>Or, a USB hardware key that integrates with software to provide a MFA presence only when plugged in.</a:t>
+              <a:t>Or, a USB hardware key that integrates with software to provide  MFA only when plugged-in.</a:t>
             </a:r>
           </a:p>
         </p:txBody>
@@ -7249,134 +7708,7 @@
 </p:sld>
 </file>
 
-<file path=ppt/slides/slide3.xml><?xml version="1.0" encoding="utf-8"?>
-<p:sld xmlns:a="http://schemas.openxmlformats.org/drawingml/2006/main" xmlns:r="http://schemas.openxmlformats.org/officeDocument/2006/relationships" xmlns:p="http://schemas.openxmlformats.org/presentationml/2006/main">
-  <p:cSld>
-    <p:spTree>
-      <p:nvGrpSpPr>
-        <p:cNvPr id="1" name=""/>
-        <p:cNvGrpSpPr/>
-        <p:nvPr/>
-      </p:nvGrpSpPr>
-      <p:grpSpPr>
-        <a:xfrm>
-          <a:off x="0" y="0"/>
-          <a:ext cx="0" cy="0"/>
-          <a:chOff x="0" y="0"/>
-          <a:chExt cx="0" cy="0"/>
-        </a:xfrm>
-      </p:grpSpPr>
-      <p:sp>
-        <p:nvSpPr>
-          <p:cNvPr id="2" name="Title 1">
-            <a:extLst>
-              <a:ext uri="{FF2B5EF4-FFF2-40B4-BE49-F238E27FC236}">
-                <a16:creationId xmlns:a16="http://schemas.microsoft.com/office/drawing/2014/main" id="{D0CBD092-444D-485B-B077-AE37DB7967F1}"/>
-              </a:ext>
-            </a:extLst>
-          </p:cNvPr>
-          <p:cNvSpPr>
-            <a:spLocks noGrp="1"/>
-          </p:cNvSpPr>
-          <p:nvPr>
-            <p:ph type="title"/>
-          </p:nvPr>
-        </p:nvSpPr>
-        <p:spPr/>
-        <p:txBody>
-          <a:bodyPr/>
-          <a:lstStyle/>
-          <a:p>
-            <a:r>
-              <a:rPr lang="en-US" dirty="0"/>
-              <a:t>Technology isn’t the problem</a:t>
-            </a:r>
-          </a:p>
-        </p:txBody>
-      </p:sp>
-      <p:sp>
-        <p:nvSpPr>
-          <p:cNvPr id="3" name="Content Placeholder 2">
-            <a:extLst>
-              <a:ext uri="{FF2B5EF4-FFF2-40B4-BE49-F238E27FC236}">
-                <a16:creationId xmlns:a16="http://schemas.microsoft.com/office/drawing/2014/main" id="{65B32B1F-E0DF-456C-B7E0-F6CB2CBEA651}"/>
-              </a:ext>
-            </a:extLst>
-          </p:cNvPr>
-          <p:cNvSpPr>
-            <a:spLocks noGrp="1"/>
-          </p:cNvSpPr>
-          <p:nvPr>
-            <p:ph idx="1"/>
-          </p:nvPr>
-        </p:nvSpPr>
-        <p:spPr>
-          <a:xfrm>
-            <a:off x="838200" y="1379912"/>
-            <a:ext cx="10866120" cy="5295207"/>
-          </a:xfrm>
-        </p:spPr>
-        <p:txBody>
-          <a:bodyPr>
-            <a:normAutofit/>
-          </a:bodyPr>
-          <a:lstStyle/>
-          <a:p>
-            <a:pPr fontAlgn="base"/>
-            <a:r>
-              <a:rPr lang="en-US" sz="3200" dirty="0"/>
-              <a:t>Mail fraud was invented along with the US Postal Service</a:t>
-            </a:r>
-          </a:p>
-          <a:p>
-            <a:pPr fontAlgn="base"/>
-            <a:r>
-              <a:rPr lang="en-US" sz="3200" dirty="0"/>
-              <a:t>Wire fraud was invented along with the telegraph</a:t>
-            </a:r>
-          </a:p>
-          <a:p>
-            <a:pPr fontAlgn="base"/>
-            <a:r>
-              <a:rPr lang="en-US" sz="3200" dirty="0"/>
-              <a:t>Internet fraud was invented along with the Internet</a:t>
-            </a:r>
-          </a:p>
-          <a:p>
-            <a:pPr marL="0" indent="0" fontAlgn="base">
-              <a:buNone/>
-            </a:pPr>
-            <a:endParaRPr lang="en-US" sz="4000" dirty="0"/>
-          </a:p>
-          <a:p>
-            <a:pPr marL="0" indent="0" fontAlgn="base">
-              <a:buNone/>
-            </a:pPr>
-            <a:r>
-              <a:rPr lang="en-US" sz="4000" dirty="0"/>
-              <a:t>Yet all these things are net benefits to society, </a:t>
-            </a:r>
-            <a:r>
-              <a:rPr lang="en-US" sz="4000" b="1" dirty="0"/>
-              <a:t>when trusted properly.</a:t>
-            </a:r>
-          </a:p>
-        </p:txBody>
-      </p:sp>
-    </p:spTree>
-    <p:extLst>
-      <p:ext uri="{BB962C8B-B14F-4D97-AF65-F5344CB8AC3E}">
-        <p14:creationId xmlns:p14="http://schemas.microsoft.com/office/powerpoint/2010/main" val="2357774838"/>
-      </p:ext>
-    </p:extLst>
-  </p:cSld>
-  <p:clrMapOvr>
-    <a:masterClrMapping/>
-  </p:clrMapOvr>
-</p:sld>
-</file>
-
-<file path=ppt/slides/slide30.xml><?xml version="1.0" encoding="utf-8"?>
+<file path=ppt/slides/slide29.xml><?xml version="1.0" encoding="utf-8"?>
 <p:sld xmlns:a="http://schemas.openxmlformats.org/drawingml/2006/main" xmlns:r="http://schemas.openxmlformats.org/officeDocument/2006/relationships" xmlns:p="http://schemas.openxmlformats.org/presentationml/2006/main">
   <p:cSld>
     <p:spTree>
@@ -7576,846 +7908,7 @@
 </p:sld>
 </file>
 
-<file path=ppt/slides/slide31.xml><?xml version="1.0" encoding="utf-8"?>
-<p:sld xmlns:a="http://schemas.openxmlformats.org/drawingml/2006/main" xmlns:r="http://schemas.openxmlformats.org/officeDocument/2006/relationships" xmlns:p="http://schemas.openxmlformats.org/presentationml/2006/main">
-  <p:cSld>
-    <p:spTree>
-      <p:nvGrpSpPr>
-        <p:cNvPr id="1" name=""/>
-        <p:cNvGrpSpPr/>
-        <p:nvPr/>
-      </p:nvGrpSpPr>
-      <p:grpSpPr>
-        <a:xfrm>
-          <a:off x="0" y="0"/>
-          <a:ext cx="0" cy="0"/>
-          <a:chOff x="0" y="0"/>
-          <a:chExt cx="0" cy="0"/>
-        </a:xfrm>
-      </p:grpSpPr>
-      <p:sp>
-        <p:nvSpPr>
-          <p:cNvPr id="2" name="Title 1">
-            <a:extLst>
-              <a:ext uri="{FF2B5EF4-FFF2-40B4-BE49-F238E27FC236}">
-                <a16:creationId xmlns:a16="http://schemas.microsoft.com/office/drawing/2014/main" id="{D0CBD092-444D-485B-B077-AE37DB7967F1}"/>
-              </a:ext>
-            </a:extLst>
-          </p:cNvPr>
-          <p:cNvSpPr>
-            <a:spLocks noGrp="1"/>
-          </p:cNvSpPr>
-          <p:nvPr>
-            <p:ph type="title"/>
-          </p:nvPr>
-        </p:nvSpPr>
-        <p:spPr/>
-        <p:txBody>
-          <a:bodyPr/>
-          <a:lstStyle/>
-          <a:p>
-            <a:r>
-              <a:rPr lang="en-US" dirty="0"/>
-              <a:t>Hardware-Based Authentication</a:t>
-            </a:r>
-          </a:p>
-        </p:txBody>
-      </p:sp>
-      <p:sp>
-        <p:nvSpPr>
-          <p:cNvPr id="3" name="Content Placeholder 2">
-            <a:extLst>
-              <a:ext uri="{FF2B5EF4-FFF2-40B4-BE49-F238E27FC236}">
-                <a16:creationId xmlns:a16="http://schemas.microsoft.com/office/drawing/2014/main" id="{65B32B1F-E0DF-456C-B7E0-F6CB2CBEA651}"/>
-              </a:ext>
-            </a:extLst>
-          </p:cNvPr>
-          <p:cNvSpPr>
-            <a:spLocks noGrp="1"/>
-          </p:cNvSpPr>
-          <p:nvPr>
-            <p:ph idx="1"/>
-          </p:nvPr>
-        </p:nvSpPr>
-        <p:spPr>
-          <a:xfrm>
-            <a:off x="838199" y="1825625"/>
-            <a:ext cx="7941907" cy="4351338"/>
-          </a:xfrm>
-        </p:spPr>
-        <p:txBody>
-          <a:bodyPr>
-            <a:normAutofit/>
-          </a:bodyPr>
-          <a:lstStyle/>
-          <a:p>
-            <a:r>
-              <a:rPr lang="en-US" sz="4400" dirty="0"/>
-              <a:t>You need MFA for logging into accounts via your phone too. </a:t>
-            </a:r>
-          </a:p>
-          <a:p>
-            <a:r>
-              <a:rPr lang="en-US" sz="4400" dirty="0"/>
-              <a:t>Google’s Titan (right) has Bluetooth, NFC, and </a:t>
-            </a:r>
-            <a:r>
-              <a:rPr lang="en-US" sz="4400" dirty="0" err="1"/>
-              <a:t>MicroUSB</a:t>
-            </a:r>
-            <a:r>
-              <a:rPr lang="en-US" sz="4400" dirty="0"/>
-              <a:t>.</a:t>
-            </a:r>
-          </a:p>
-        </p:txBody>
-      </p:sp>
-      <p:sp>
-        <p:nvSpPr>
-          <p:cNvPr id="8" name="AutoShape 10" descr="https://lh3.googleusercontent.com/SClWEmbk7QxxuKiWshok2T45vAwEQYCduisnnGORqrha7KfpQsvFZa0xac_jyj_tE9Mn=w1920-h947-rw">
-            <a:extLst>
-              <a:ext uri="{FF2B5EF4-FFF2-40B4-BE49-F238E27FC236}">
-                <a16:creationId xmlns:a16="http://schemas.microsoft.com/office/drawing/2014/main" id="{35F208E5-7037-43C1-A023-1454F9383ED2}"/>
-              </a:ext>
-            </a:extLst>
-          </p:cNvPr>
-          <p:cNvSpPr>
-            <a:spLocks noChangeAspect="1" noChangeArrowheads="1"/>
-          </p:cNvSpPr>
-          <p:nvPr/>
-        </p:nvSpPr>
-        <p:spPr bwMode="auto">
-          <a:xfrm>
-            <a:off x="5943600" y="3276600"/>
-            <a:ext cx="304800" cy="304800"/>
-          </a:xfrm>
-          <a:prstGeom prst="rect">
-            <a:avLst/>
-          </a:prstGeom>
-          <a:noFill/>
-          <a:extLst>
-            <a:ext uri="{909E8E84-426E-40DD-AFC4-6F175D3DCCD1}">
-              <a14:hiddenFill xmlns:a14="http://schemas.microsoft.com/office/drawing/2010/main">
-                <a:solidFill>
-                  <a:srgbClr val="FFFFFF"/>
-                </a:solidFill>
-              </a14:hiddenFill>
-            </a:ext>
-          </a:extLst>
-        </p:spPr>
-        <p:txBody>
-          <a:bodyPr vert="horz" wrap="square" lIns="91440" tIns="45720" rIns="91440" bIns="45720" numCol="1" anchor="t" anchorCtr="0" compatLnSpc="1">
-            <a:prstTxWarp prst="textNoShape">
-              <a:avLst/>
-            </a:prstTxWarp>
-          </a:bodyPr>
-          <a:lstStyle/>
-          <a:p>
-            <a:endParaRPr lang="en-US"/>
-          </a:p>
-        </p:txBody>
-      </p:sp>
-      <p:pic>
-        <p:nvPicPr>
-          <p:cNvPr id="4" name="Picture 3">
-            <a:extLst>
-              <a:ext uri="{FF2B5EF4-FFF2-40B4-BE49-F238E27FC236}">
-                <a16:creationId xmlns:a16="http://schemas.microsoft.com/office/drawing/2014/main" id="{BFB227FF-08F1-47EB-81AF-177D762D5024}"/>
-              </a:ext>
-            </a:extLst>
-          </p:cNvPr>
-          <p:cNvPicPr>
-            <a:picLocks noChangeAspect="1"/>
-          </p:cNvPicPr>
-          <p:nvPr/>
-        </p:nvPicPr>
-        <p:blipFill>
-          <a:blip r:embed="rId2"/>
-          <a:stretch>
-            <a:fillRect/>
-          </a:stretch>
-        </p:blipFill>
-        <p:spPr>
-          <a:xfrm>
-            <a:off x="8981627" y="1485650"/>
-            <a:ext cx="3210373" cy="3581900"/>
-          </a:xfrm>
-          <a:prstGeom prst="rect">
-            <a:avLst/>
-          </a:prstGeom>
-        </p:spPr>
-      </p:pic>
-    </p:spTree>
-    <p:extLst>
-      <p:ext uri="{BB962C8B-B14F-4D97-AF65-F5344CB8AC3E}">
-        <p14:creationId xmlns:p14="http://schemas.microsoft.com/office/powerpoint/2010/main" val="2552255179"/>
-      </p:ext>
-    </p:extLst>
-  </p:cSld>
-  <p:clrMapOvr>
-    <a:masterClrMapping/>
-  </p:clrMapOvr>
-</p:sld>
-</file>
-
-<file path=ppt/slides/slide32.xml><?xml version="1.0" encoding="utf-8"?>
-<p:sld xmlns:a="http://schemas.openxmlformats.org/drawingml/2006/main" xmlns:r="http://schemas.openxmlformats.org/officeDocument/2006/relationships" xmlns:p="http://schemas.openxmlformats.org/presentationml/2006/main">
-  <p:cSld>
-    <p:spTree>
-      <p:nvGrpSpPr>
-        <p:cNvPr id="1" name=""/>
-        <p:cNvGrpSpPr/>
-        <p:nvPr/>
-      </p:nvGrpSpPr>
-      <p:grpSpPr>
-        <a:xfrm>
-          <a:off x="0" y="0"/>
-          <a:ext cx="0" cy="0"/>
-          <a:chOff x="0" y="0"/>
-          <a:chExt cx="0" cy="0"/>
-        </a:xfrm>
-      </p:grpSpPr>
-      <p:sp>
-        <p:nvSpPr>
-          <p:cNvPr id="2" name="Title 1">
-            <a:extLst>
-              <a:ext uri="{FF2B5EF4-FFF2-40B4-BE49-F238E27FC236}">
-                <a16:creationId xmlns:a16="http://schemas.microsoft.com/office/drawing/2014/main" id="{D0CBD092-444D-485B-B077-AE37DB7967F1}"/>
-              </a:ext>
-            </a:extLst>
-          </p:cNvPr>
-          <p:cNvSpPr>
-            <a:spLocks noGrp="1"/>
-          </p:cNvSpPr>
-          <p:nvPr>
-            <p:ph type="title"/>
-          </p:nvPr>
-        </p:nvSpPr>
-        <p:spPr/>
-        <p:txBody>
-          <a:bodyPr/>
-          <a:lstStyle/>
-          <a:p>
-            <a:r>
-              <a:rPr lang="en-US" dirty="0"/>
-              <a:t>Can’t Trust Google Implicitly, But</a:t>
-            </a:r>
-          </a:p>
-        </p:txBody>
-      </p:sp>
-      <p:sp>
-        <p:nvSpPr>
-          <p:cNvPr id="3" name="Content Placeholder 2">
-            <a:extLst>
-              <a:ext uri="{FF2B5EF4-FFF2-40B4-BE49-F238E27FC236}">
-                <a16:creationId xmlns:a16="http://schemas.microsoft.com/office/drawing/2014/main" id="{65B32B1F-E0DF-456C-B7E0-F6CB2CBEA651}"/>
-              </a:ext>
-            </a:extLst>
-          </p:cNvPr>
-          <p:cNvSpPr>
-            <a:spLocks noGrp="1"/>
-          </p:cNvSpPr>
-          <p:nvPr>
-            <p:ph idx="1"/>
-          </p:nvPr>
-        </p:nvSpPr>
-        <p:spPr>
-          <a:xfrm>
-            <a:off x="542926" y="1476375"/>
-            <a:ext cx="11087100" cy="5276850"/>
-          </a:xfrm>
-        </p:spPr>
-        <p:txBody>
-          <a:bodyPr>
-            <a:normAutofit fontScale="92500" lnSpcReduction="10000"/>
-          </a:bodyPr>
-          <a:lstStyle/>
-          <a:p>
-            <a:r>
-              <a:rPr lang="en-US" sz="3600" dirty="0"/>
-              <a:t>Google provided MFA to all accounts as early as 2010.</a:t>
-            </a:r>
-          </a:p>
-          <a:p>
-            <a:r>
-              <a:rPr lang="en-US" sz="3600" dirty="0"/>
-              <a:t>Google offers a free Advanced Protection platform utilizing hardware MFA for “</a:t>
-            </a:r>
-            <a:r>
-              <a:rPr lang="en-US" sz="3600" dirty="0">
-                <a:effectLst/>
-              </a:rPr>
-              <a:t>anyone at risk of targeted attacks – like </a:t>
-            </a:r>
-            <a:r>
-              <a:rPr lang="en-US" sz="3600" b="1" dirty="0">
-                <a:effectLst/>
-              </a:rPr>
-              <a:t>journalists, activists, business leaders, and political teams.” Imagine if </a:t>
-            </a:r>
-            <a:r>
-              <a:rPr lang="en-US" sz="3600" b="1" dirty="0"/>
-              <a:t>we had this in 2016.</a:t>
-            </a:r>
-            <a:r>
-              <a:rPr lang="en-US" sz="3600" dirty="0"/>
-              <a:t> </a:t>
-            </a:r>
-            <a:r>
-              <a:rPr lang="en-US" sz="3600" dirty="0">
-                <a:hlinkClick r:id="rId2"/>
-              </a:rPr>
-              <a:t>https://landing.google.com/advancedprotection/</a:t>
-            </a:r>
-            <a:endParaRPr lang="en-US" sz="3600" dirty="0"/>
-          </a:p>
-          <a:p>
-            <a:r>
-              <a:rPr lang="en-US" sz="3600" dirty="0"/>
-              <a:t>“Google </a:t>
-            </a:r>
-            <a:r>
-              <a:rPr lang="en-US" sz="3600" b="1" dirty="0"/>
-              <a:t>has</a:t>
-            </a:r>
-            <a:r>
-              <a:rPr lang="en-US" sz="3600" dirty="0"/>
-              <a:t> </a:t>
-            </a:r>
-            <a:r>
-              <a:rPr lang="en-US" sz="3600" b="1" dirty="0"/>
-              <a:t>not had any of its 85,000+ employees successfully phished </a:t>
-            </a:r>
-            <a:r>
-              <a:rPr lang="en-US" sz="3600" dirty="0"/>
-              <a:t>since early 2017, when it began requiring all employees to use physical Security Keys in place of passwords and one-time codes.” </a:t>
-            </a:r>
-            <a:r>
-              <a:rPr lang="en-US" sz="1400" dirty="0">
-                <a:hlinkClick r:id="rId3"/>
-              </a:rPr>
-              <a:t>https://krebsonsecurity.com/2018/07/google-security-keys-neutralized-employee-phishing/</a:t>
-            </a:r>
-            <a:endParaRPr lang="en-US" sz="1400" dirty="0"/>
-          </a:p>
-          <a:p>
-            <a:endParaRPr lang="en-US" sz="3600" dirty="0"/>
-          </a:p>
-        </p:txBody>
-      </p:sp>
-      <p:sp>
-        <p:nvSpPr>
-          <p:cNvPr id="8" name="AutoShape 10" descr="https://lh3.googleusercontent.com/SClWEmbk7QxxuKiWshok2T45vAwEQYCduisnnGORqrha7KfpQsvFZa0xac_jyj_tE9Mn=w1920-h947-rw">
-            <a:extLst>
-              <a:ext uri="{FF2B5EF4-FFF2-40B4-BE49-F238E27FC236}">
-                <a16:creationId xmlns:a16="http://schemas.microsoft.com/office/drawing/2014/main" id="{35F208E5-7037-43C1-A023-1454F9383ED2}"/>
-              </a:ext>
-            </a:extLst>
-          </p:cNvPr>
-          <p:cNvSpPr>
-            <a:spLocks noChangeAspect="1" noChangeArrowheads="1"/>
-          </p:cNvSpPr>
-          <p:nvPr/>
-        </p:nvSpPr>
-        <p:spPr bwMode="auto">
-          <a:xfrm>
-            <a:off x="5943600" y="3276600"/>
-            <a:ext cx="304800" cy="304800"/>
-          </a:xfrm>
-          <a:prstGeom prst="rect">
-            <a:avLst/>
-          </a:prstGeom>
-          <a:noFill/>
-          <a:extLst>
-            <a:ext uri="{909E8E84-426E-40DD-AFC4-6F175D3DCCD1}">
-              <a14:hiddenFill xmlns:a14="http://schemas.microsoft.com/office/drawing/2010/main">
-                <a:solidFill>
-                  <a:srgbClr val="FFFFFF"/>
-                </a:solidFill>
-              </a14:hiddenFill>
-            </a:ext>
-          </a:extLst>
-        </p:spPr>
-        <p:txBody>
-          <a:bodyPr vert="horz" wrap="square" lIns="91440" tIns="45720" rIns="91440" bIns="45720" numCol="1" anchor="t" anchorCtr="0" compatLnSpc="1">
-            <a:prstTxWarp prst="textNoShape">
-              <a:avLst/>
-            </a:prstTxWarp>
-          </a:bodyPr>
-          <a:lstStyle/>
-          <a:p>
-            <a:endParaRPr lang="en-US"/>
-          </a:p>
-        </p:txBody>
-      </p:sp>
-    </p:spTree>
-    <p:extLst>
-      <p:ext uri="{BB962C8B-B14F-4D97-AF65-F5344CB8AC3E}">
-        <p14:creationId xmlns:p14="http://schemas.microsoft.com/office/powerpoint/2010/main" val="2415589479"/>
-      </p:ext>
-    </p:extLst>
-  </p:cSld>
-  <p:clrMapOvr>
-    <a:masterClrMapping/>
-  </p:clrMapOvr>
-</p:sld>
-</file>
-
-<file path=ppt/slides/slide33.xml><?xml version="1.0" encoding="utf-8"?>
-<p:sld xmlns:a="http://schemas.openxmlformats.org/drawingml/2006/main" xmlns:r="http://schemas.openxmlformats.org/officeDocument/2006/relationships" xmlns:p="http://schemas.openxmlformats.org/presentationml/2006/main">
-  <p:cSld>
-    <p:spTree>
-      <p:nvGrpSpPr>
-        <p:cNvPr id="1" name=""/>
-        <p:cNvGrpSpPr/>
-        <p:nvPr/>
-      </p:nvGrpSpPr>
-      <p:grpSpPr>
-        <a:xfrm>
-          <a:off x="0" y="0"/>
-          <a:ext cx="0" cy="0"/>
-          <a:chOff x="0" y="0"/>
-          <a:chExt cx="0" cy="0"/>
-        </a:xfrm>
-      </p:grpSpPr>
-      <p:sp>
-        <p:nvSpPr>
-          <p:cNvPr id="2" name="Title 1">
-            <a:extLst>
-              <a:ext uri="{FF2B5EF4-FFF2-40B4-BE49-F238E27FC236}">
-                <a16:creationId xmlns:a16="http://schemas.microsoft.com/office/drawing/2014/main" id="{D0CBD092-444D-485B-B077-AE37DB7967F1}"/>
-              </a:ext>
-            </a:extLst>
-          </p:cNvPr>
-          <p:cNvSpPr>
-            <a:spLocks noGrp="1"/>
-          </p:cNvSpPr>
-          <p:nvPr>
-            <p:ph type="title"/>
-          </p:nvPr>
-        </p:nvSpPr>
-        <p:spPr/>
-        <p:txBody>
-          <a:bodyPr/>
-          <a:lstStyle/>
-          <a:p>
-            <a:r>
-              <a:rPr lang="en-US" dirty="0"/>
-              <a:t>Personal Practical Cybersecurity</a:t>
-            </a:r>
-          </a:p>
-        </p:txBody>
-      </p:sp>
-      <p:sp>
-        <p:nvSpPr>
-          <p:cNvPr id="3" name="Content Placeholder 2">
-            <a:extLst>
-              <a:ext uri="{FF2B5EF4-FFF2-40B4-BE49-F238E27FC236}">
-                <a16:creationId xmlns:a16="http://schemas.microsoft.com/office/drawing/2014/main" id="{65B32B1F-E0DF-456C-B7E0-F6CB2CBEA651}"/>
-              </a:ext>
-            </a:extLst>
-          </p:cNvPr>
-          <p:cNvSpPr>
-            <a:spLocks noGrp="1"/>
-          </p:cNvSpPr>
-          <p:nvPr>
-            <p:ph idx="1"/>
-          </p:nvPr>
-        </p:nvSpPr>
-        <p:spPr>
-          <a:xfrm>
-            <a:off x="838200" y="1825625"/>
-            <a:ext cx="10791825" cy="4351338"/>
-          </a:xfrm>
-        </p:spPr>
-        <p:txBody>
-          <a:bodyPr>
-            <a:normAutofit/>
-          </a:bodyPr>
-          <a:lstStyle/>
-          <a:p>
-            <a:r>
-              <a:rPr lang="en-US" sz="4800" dirty="0"/>
-              <a:t>MFA and website integration are relatively immature but advancing.</a:t>
-            </a:r>
-          </a:p>
-          <a:p>
-            <a:r>
-              <a:rPr lang="en-US" sz="4800" dirty="0"/>
-              <a:t>Efforts are hindered by the cost and sophistication but </a:t>
-            </a:r>
-            <a:r>
-              <a:rPr lang="en-US" sz="4800" b="1" dirty="0"/>
-              <a:t>mostly hindered by user resistance to change.</a:t>
-            </a:r>
-            <a:endParaRPr lang="en-US" sz="4800" dirty="0"/>
-          </a:p>
-        </p:txBody>
-      </p:sp>
-      <p:sp>
-        <p:nvSpPr>
-          <p:cNvPr id="8" name="AutoShape 10" descr="https://lh3.googleusercontent.com/SClWEmbk7QxxuKiWshok2T45vAwEQYCduisnnGORqrha7KfpQsvFZa0xac_jyj_tE9Mn=w1920-h947-rw">
-            <a:extLst>
-              <a:ext uri="{FF2B5EF4-FFF2-40B4-BE49-F238E27FC236}">
-                <a16:creationId xmlns:a16="http://schemas.microsoft.com/office/drawing/2014/main" id="{35F208E5-7037-43C1-A023-1454F9383ED2}"/>
-              </a:ext>
-            </a:extLst>
-          </p:cNvPr>
-          <p:cNvSpPr>
-            <a:spLocks noChangeAspect="1" noChangeArrowheads="1"/>
-          </p:cNvSpPr>
-          <p:nvPr/>
-        </p:nvSpPr>
-        <p:spPr bwMode="auto">
-          <a:xfrm>
-            <a:off x="5943600" y="3276600"/>
-            <a:ext cx="304800" cy="304800"/>
-          </a:xfrm>
-          <a:prstGeom prst="rect">
-            <a:avLst/>
-          </a:prstGeom>
-          <a:noFill/>
-          <a:extLst>
-            <a:ext uri="{909E8E84-426E-40DD-AFC4-6F175D3DCCD1}">
-              <a14:hiddenFill xmlns:a14="http://schemas.microsoft.com/office/drawing/2010/main">
-                <a:solidFill>
-                  <a:srgbClr val="FFFFFF"/>
-                </a:solidFill>
-              </a14:hiddenFill>
-            </a:ext>
-          </a:extLst>
-        </p:spPr>
-        <p:txBody>
-          <a:bodyPr vert="horz" wrap="square" lIns="91440" tIns="45720" rIns="91440" bIns="45720" numCol="1" anchor="t" anchorCtr="0" compatLnSpc="1">
-            <a:prstTxWarp prst="textNoShape">
-              <a:avLst/>
-            </a:prstTxWarp>
-          </a:bodyPr>
-          <a:lstStyle/>
-          <a:p>
-            <a:endParaRPr lang="en-US"/>
-          </a:p>
-        </p:txBody>
-      </p:sp>
-    </p:spTree>
-    <p:extLst>
-      <p:ext uri="{BB962C8B-B14F-4D97-AF65-F5344CB8AC3E}">
-        <p14:creationId xmlns:p14="http://schemas.microsoft.com/office/powerpoint/2010/main" val="993667997"/>
-      </p:ext>
-    </p:extLst>
-  </p:cSld>
-  <p:clrMapOvr>
-    <a:masterClrMapping/>
-  </p:clrMapOvr>
-</p:sld>
-</file>
-
-<file path=ppt/slides/slide34.xml><?xml version="1.0" encoding="utf-8"?>
-<p:sld xmlns:a="http://schemas.openxmlformats.org/drawingml/2006/main" xmlns:r="http://schemas.openxmlformats.org/officeDocument/2006/relationships" xmlns:p="http://schemas.openxmlformats.org/presentationml/2006/main">
-  <p:cSld>
-    <p:spTree>
-      <p:nvGrpSpPr>
-        <p:cNvPr id="1" name=""/>
-        <p:cNvGrpSpPr/>
-        <p:nvPr/>
-      </p:nvGrpSpPr>
-      <p:grpSpPr>
-        <a:xfrm>
-          <a:off x="0" y="0"/>
-          <a:ext cx="0" cy="0"/>
-          <a:chOff x="0" y="0"/>
-          <a:chExt cx="0" cy="0"/>
-        </a:xfrm>
-      </p:grpSpPr>
-      <p:sp>
-        <p:nvSpPr>
-          <p:cNvPr id="2" name="Title 1">
-            <a:extLst>
-              <a:ext uri="{FF2B5EF4-FFF2-40B4-BE49-F238E27FC236}">
-                <a16:creationId xmlns:a16="http://schemas.microsoft.com/office/drawing/2014/main" id="{D0CBD092-444D-485B-B077-AE37DB7967F1}"/>
-              </a:ext>
-            </a:extLst>
-          </p:cNvPr>
-          <p:cNvSpPr>
-            <a:spLocks noGrp="1"/>
-          </p:cNvSpPr>
-          <p:nvPr>
-            <p:ph type="title"/>
-          </p:nvPr>
-        </p:nvSpPr>
-        <p:spPr>
-          <a:xfrm>
-            <a:off x="838200" y="365126"/>
-            <a:ext cx="10515600" cy="618286"/>
-          </a:xfrm>
-        </p:spPr>
-        <p:txBody>
-          <a:bodyPr>
-            <a:normAutofit fontScale="90000"/>
-          </a:bodyPr>
-          <a:lstStyle/>
-          <a:p>
-            <a:r>
-              <a:rPr lang="en-US" dirty="0"/>
-              <a:t>More Reading</a:t>
-            </a:r>
-          </a:p>
-        </p:txBody>
-      </p:sp>
-      <p:sp>
-        <p:nvSpPr>
-          <p:cNvPr id="3" name="Content Placeholder 2">
-            <a:extLst>
-              <a:ext uri="{FF2B5EF4-FFF2-40B4-BE49-F238E27FC236}">
-                <a16:creationId xmlns:a16="http://schemas.microsoft.com/office/drawing/2014/main" id="{65B32B1F-E0DF-456C-B7E0-F6CB2CBEA651}"/>
-              </a:ext>
-            </a:extLst>
-          </p:cNvPr>
-          <p:cNvSpPr>
-            <a:spLocks noGrp="1"/>
-          </p:cNvSpPr>
-          <p:nvPr>
-            <p:ph idx="1"/>
-          </p:nvPr>
-        </p:nvSpPr>
-        <p:spPr>
-          <a:xfrm>
-            <a:off x="414067" y="1057835"/>
-            <a:ext cx="11205713" cy="5584504"/>
-          </a:xfrm>
-        </p:spPr>
-        <p:txBody>
-          <a:bodyPr>
-            <a:normAutofit fontScale="85000" lnSpcReduction="20000"/>
-          </a:bodyPr>
-          <a:lstStyle/>
-          <a:p>
-            <a:r>
-              <a:rPr lang="en-US" sz="1600" b="1" dirty="0"/>
-              <a:t>How Russian </a:t>
-            </a:r>
-            <a:r>
-              <a:rPr lang="en-US" sz="1600" b="1" dirty="0" err="1"/>
-              <a:t>Cyberpower</a:t>
-            </a:r>
-            <a:r>
-              <a:rPr lang="en-US" sz="1600" b="1" dirty="0"/>
-              <a:t> Invaded the U.S.</a:t>
-            </a:r>
-            <a:r>
-              <a:rPr lang="en-US" sz="1600" b="1" i="1" dirty="0"/>
-              <a:t> </a:t>
-            </a:r>
-            <a:r>
-              <a:rPr lang="en-US" sz="1600" dirty="0">
-                <a:hlinkClick r:id="rId2"/>
-              </a:rPr>
-              <a:t>https://www.nytimes.com/2016/12/13/us/politics/russia-hack-election-dnc.html</a:t>
-            </a:r>
-            <a:endParaRPr lang="en-US" sz="1600" dirty="0"/>
-          </a:p>
-          <a:p>
-            <a:r>
-              <a:rPr lang="en-US" sz="1600" b="1" dirty="0"/>
-              <a:t>Your password has probably been stolen. Here’s what to do about it. </a:t>
-            </a:r>
-            <a:r>
-              <a:rPr lang="en-US" sz="1600" dirty="0">
-                <a:hlinkClick r:id="rId3"/>
-              </a:rPr>
-              <a:t>https://www.washingtonpost.com/technology/2018/07/12/your-password-has-likely-been-stolen-heres-what-do-about-it/</a:t>
-            </a:r>
-            <a:endParaRPr lang="en-US" sz="1600" dirty="0"/>
-          </a:p>
-          <a:p>
-            <a:r>
-              <a:rPr lang="en-US" sz="1600" b="1" dirty="0"/>
-              <a:t>How to protect yourself from 'spear phishing' hacking technique </a:t>
-            </a:r>
-            <a:r>
-              <a:rPr lang="en-US" sz="1600" dirty="0">
-                <a:hlinkClick r:id="rId4"/>
-              </a:rPr>
-              <a:t>https://phys.org/news/2018-07-spear-phishing-hacking-technique.html</a:t>
-            </a:r>
-            <a:endParaRPr lang="en-US" sz="1600" dirty="0"/>
-          </a:p>
-          <a:p>
-            <a:r>
-              <a:rPr lang="en-US" sz="1600" b="1" dirty="0"/>
-              <a:t>Reddit Breach Highlights Limits of SMS-Based Authentication </a:t>
-            </a:r>
-            <a:r>
-              <a:rPr lang="en-US" sz="1600" dirty="0">
-                <a:hlinkClick r:id="rId5"/>
-              </a:rPr>
-              <a:t>https://krebsonsecurity.com/2018/08/reddit-breach-highlights-limits-of-sms-based-authentication/</a:t>
-            </a:r>
-            <a:endParaRPr lang="en-US" sz="1600" dirty="0"/>
-          </a:p>
-          <a:p>
-            <a:r>
-              <a:rPr lang="en-US" sz="1600" b="1" dirty="0"/>
-              <a:t>This is why you shouldn’t use texts for two-factor authentication </a:t>
-            </a:r>
-            <a:r>
-              <a:rPr lang="en-US" sz="1600" dirty="0">
-                <a:hlinkClick r:id="rId6"/>
-              </a:rPr>
-              <a:t>https://www.theverge.com/2017/9/18/16328172/sms-two-factor-authentication-hack-password-bitcoin</a:t>
-            </a:r>
-            <a:endParaRPr lang="en-US" sz="1600" dirty="0"/>
-          </a:p>
-          <a:p>
-            <a:r>
-              <a:rPr lang="en-US" sz="1600" b="1" dirty="0"/>
-              <a:t>Two-Factor Authentication: Who Has It and How to Set It Up </a:t>
-            </a:r>
-            <a:r>
-              <a:rPr lang="en-US" sz="1600" dirty="0">
-                <a:hlinkClick r:id="rId7"/>
-              </a:rPr>
-              <a:t>https://www.pcmag.com/feature/358289/two-factor-authentication-who-has-it-and-how-to-set-it-up</a:t>
-            </a:r>
-            <a:endParaRPr lang="en-US" sz="1600" dirty="0"/>
-          </a:p>
-          <a:p>
-            <a:r>
-              <a:rPr lang="en-US" sz="1600" b="1" dirty="0"/>
-              <a:t>Hackers beat 2-factor protection with automated phishing attacks </a:t>
-            </a:r>
-            <a:r>
-              <a:rPr lang="en-US" sz="1600" dirty="0">
-                <a:hlinkClick r:id="rId8"/>
-              </a:rPr>
-              <a:t>https://mashable.com/article/hackers-beat-two-factor-authentication-2fa-phishing</a:t>
-            </a:r>
-            <a:r>
-              <a:rPr lang="en-US" sz="1600" dirty="0"/>
-              <a:t> </a:t>
-            </a:r>
-            <a:endParaRPr lang="en-US" sz="1600" b="1" dirty="0"/>
-          </a:p>
-          <a:p>
-            <a:r>
-              <a:rPr lang="en-US" sz="1600" b="1" dirty="0"/>
-              <a:t>Creating the </a:t>
-            </a:r>
-            <a:r>
-              <a:rPr lang="en-US" sz="1600" b="1" dirty="0" err="1"/>
-              <a:t>Unphishable</a:t>
-            </a:r>
-            <a:r>
-              <a:rPr lang="en-US" sz="1600" b="1" dirty="0"/>
-              <a:t> Security Key: How the FIDO U2F security key and </a:t>
-            </a:r>
-            <a:r>
-              <a:rPr lang="en-US" sz="1600" b="1" dirty="0" err="1"/>
-              <a:t>YubiKey</a:t>
-            </a:r>
-            <a:r>
-              <a:rPr lang="en-US" sz="1600" b="1" dirty="0"/>
-              <a:t> stop phishing and man-in-the-middle attacks </a:t>
-            </a:r>
-            <a:r>
-              <a:rPr lang="en-US" sz="1600" dirty="0">
-                <a:hlinkClick r:id="rId9"/>
-              </a:rPr>
-              <a:t>www.yubico.com/2017/10/creating-unphishable-security-key/</a:t>
-            </a:r>
-            <a:endParaRPr lang="en-US" sz="1600" dirty="0"/>
-          </a:p>
-          <a:p>
-            <a:r>
-              <a:rPr lang="en-US" sz="1600" b="1" dirty="0"/>
-              <a:t>What is two-factor authentication, and which 2FA solutions are </a:t>
-            </a:r>
-            <a:r>
-              <a:rPr lang="en-US" sz="1600" b="1" dirty="0" err="1"/>
-              <a:t>best?</a:t>
-            </a:r>
-            <a:r>
-              <a:rPr lang="en-US" sz="1600" dirty="0" err="1">
-                <a:hlinkClick r:id="rId10"/>
-              </a:rPr>
-              <a:t>https</a:t>
-            </a:r>
-            <a:r>
-              <a:rPr lang="en-US" sz="1600" dirty="0">
-                <a:hlinkClick r:id="rId10"/>
-              </a:rPr>
-              <a:t>://www.pcworld.com/article/3225913/what-is-two-factor-authentication-and-which-2fa-apps-are-best.html</a:t>
-            </a:r>
-            <a:endParaRPr lang="en-US" sz="1600" dirty="0"/>
-          </a:p>
-          <a:p>
-            <a:r>
-              <a:rPr lang="en-US" sz="1600" b="1" dirty="0"/>
-              <a:t>The Limits of SMS for 2-Factor Authentication </a:t>
-            </a:r>
-            <a:r>
-              <a:rPr lang="en-US" sz="1600" dirty="0">
-                <a:hlinkClick r:id="rId11"/>
-              </a:rPr>
-              <a:t>https://krebsonsecurity.com/2016/09/the-limits-of-sms-for-2-factor-authentication/</a:t>
-            </a:r>
-            <a:endParaRPr lang="en-US" sz="1600" dirty="0"/>
-          </a:p>
-          <a:p>
-            <a:r>
-              <a:rPr lang="en-US" sz="1600" b="1" dirty="0"/>
-              <a:t>Major SMS security lapse is a reminder to use authenticator apps instead </a:t>
-            </a:r>
-            <a:r>
-              <a:rPr lang="en-US" sz="1600" dirty="0">
-                <a:hlinkClick r:id="rId12"/>
-              </a:rPr>
-              <a:t>https://www.theverge.com/2018/11/16/18098286/vovox-security-breach-two-factor-authentication-2fa-codes-exposed</a:t>
-            </a:r>
-            <a:endParaRPr lang="en-US" sz="1600" dirty="0"/>
-          </a:p>
-          <a:p>
-            <a:r>
-              <a:rPr lang="en-US" sz="1600" b="1" dirty="0"/>
-              <a:t>Metro Bank targeted with 2FA-bypassing SS7 attacks </a:t>
-            </a:r>
-            <a:r>
-              <a:rPr lang="en-US" sz="1600" dirty="0">
-                <a:hlinkClick r:id="rId13"/>
-              </a:rPr>
-              <a:t>https://www.itpro.co.uk/security/32898/metro-bank-targeted-with-2fa-bypassing-ss7-attacks</a:t>
-            </a:r>
-            <a:endParaRPr lang="en-US" sz="1600" dirty="0"/>
-          </a:p>
-          <a:p>
-            <a:r>
-              <a:rPr lang="en-US" sz="1600" b="1" dirty="0"/>
-              <a:t>Secure password-less sign-in for your Microsoft account using a security key or Windows Hello </a:t>
-            </a:r>
-            <a:r>
-              <a:rPr lang="en-US" sz="1600" dirty="0">
-                <a:hlinkClick r:id="rId14"/>
-              </a:rPr>
-              <a:t>https://www.microsoft.com/en-us/microsoft-365/blog/2018/11/20/sign-in-to-your-microsoft-account-without-a-password-using-windows-hello-or-a-security-key/</a:t>
-            </a:r>
-            <a:endParaRPr lang="en-US" sz="1600" dirty="0"/>
-          </a:p>
-        </p:txBody>
-      </p:sp>
-    </p:spTree>
-    <p:extLst>
-      <p:ext uri="{BB962C8B-B14F-4D97-AF65-F5344CB8AC3E}">
-        <p14:creationId xmlns:p14="http://schemas.microsoft.com/office/powerpoint/2010/main" val="2070803440"/>
-      </p:ext>
-    </p:extLst>
-  </p:cSld>
-  <p:clrMapOvr>
-    <a:masterClrMapping/>
-  </p:clrMapOvr>
-</p:sld>
-</file>
-
-<file path=ppt/slides/slide4.xml><?xml version="1.0" encoding="utf-8"?>
+<file path=ppt/slides/slide3.xml><?xml version="1.0" encoding="utf-8"?>
 <p:sld xmlns:a="http://schemas.openxmlformats.org/drawingml/2006/main" xmlns:r="http://schemas.openxmlformats.org/officeDocument/2006/relationships" xmlns:p="http://schemas.openxmlformats.org/presentationml/2006/main">
   <p:cSld>
     <p:spTree>
@@ -9226,6 +8719,914 @@
 </p:sld>
 </file>
 
+<file path=ppt/slides/slide30.xml><?xml version="1.0" encoding="utf-8"?>
+<p:sld xmlns:a="http://schemas.openxmlformats.org/drawingml/2006/main" xmlns:r="http://schemas.openxmlformats.org/officeDocument/2006/relationships" xmlns:p="http://schemas.openxmlformats.org/presentationml/2006/main">
+  <p:cSld>
+    <p:spTree>
+      <p:nvGrpSpPr>
+        <p:cNvPr id="1" name=""/>
+        <p:cNvGrpSpPr/>
+        <p:nvPr/>
+      </p:nvGrpSpPr>
+      <p:grpSpPr>
+        <a:xfrm>
+          <a:off x="0" y="0"/>
+          <a:ext cx="0" cy="0"/>
+          <a:chOff x="0" y="0"/>
+          <a:chExt cx="0" cy="0"/>
+        </a:xfrm>
+      </p:grpSpPr>
+      <p:sp>
+        <p:nvSpPr>
+          <p:cNvPr id="2" name="Title 1">
+            <a:extLst>
+              <a:ext uri="{FF2B5EF4-FFF2-40B4-BE49-F238E27FC236}">
+                <a16:creationId xmlns:a16="http://schemas.microsoft.com/office/drawing/2014/main" id="{D0CBD092-444D-485B-B077-AE37DB7967F1}"/>
+              </a:ext>
+            </a:extLst>
+          </p:cNvPr>
+          <p:cNvSpPr>
+            <a:spLocks noGrp="1"/>
+          </p:cNvSpPr>
+          <p:nvPr>
+            <p:ph type="title"/>
+          </p:nvPr>
+        </p:nvSpPr>
+        <p:spPr/>
+        <p:txBody>
+          <a:bodyPr/>
+          <a:lstStyle/>
+          <a:p>
+            <a:r>
+              <a:rPr lang="en-US" dirty="0"/>
+              <a:t>Hardware-Based Authentication</a:t>
+            </a:r>
+          </a:p>
+        </p:txBody>
+      </p:sp>
+      <p:sp>
+        <p:nvSpPr>
+          <p:cNvPr id="3" name="Content Placeholder 2">
+            <a:extLst>
+              <a:ext uri="{FF2B5EF4-FFF2-40B4-BE49-F238E27FC236}">
+                <a16:creationId xmlns:a16="http://schemas.microsoft.com/office/drawing/2014/main" id="{65B32B1F-E0DF-456C-B7E0-F6CB2CBEA651}"/>
+              </a:ext>
+            </a:extLst>
+          </p:cNvPr>
+          <p:cNvSpPr>
+            <a:spLocks noGrp="1"/>
+          </p:cNvSpPr>
+          <p:nvPr>
+            <p:ph idx="1"/>
+          </p:nvPr>
+        </p:nvSpPr>
+        <p:spPr>
+          <a:xfrm>
+            <a:off x="838199" y="1825625"/>
+            <a:ext cx="7941907" cy="4351338"/>
+          </a:xfrm>
+        </p:spPr>
+        <p:txBody>
+          <a:bodyPr>
+            <a:normAutofit/>
+          </a:bodyPr>
+          <a:lstStyle/>
+          <a:p>
+            <a:r>
+              <a:rPr lang="en-US" sz="4000" dirty="0"/>
+              <a:t>You need MFA for logging into accounts via your phone too. </a:t>
+            </a:r>
+          </a:p>
+          <a:p>
+            <a:r>
+              <a:rPr lang="en-US" sz="4000" dirty="0"/>
+              <a:t>Google’s Titan (right) has Bluetooth, NFC, and </a:t>
+            </a:r>
+            <a:r>
+              <a:rPr lang="en-US" sz="4000" dirty="0" err="1"/>
+              <a:t>microUSB</a:t>
+            </a:r>
+            <a:r>
+              <a:rPr lang="en-US" sz="4000" dirty="0"/>
+              <a:t>.</a:t>
+            </a:r>
+          </a:p>
+        </p:txBody>
+      </p:sp>
+      <p:sp>
+        <p:nvSpPr>
+          <p:cNvPr id="8" name="AutoShape 10" descr="https://lh3.googleusercontent.com/SClWEmbk7QxxuKiWshok2T45vAwEQYCduisnnGORqrha7KfpQsvFZa0xac_jyj_tE9Mn=w1920-h947-rw">
+            <a:extLst>
+              <a:ext uri="{FF2B5EF4-FFF2-40B4-BE49-F238E27FC236}">
+                <a16:creationId xmlns:a16="http://schemas.microsoft.com/office/drawing/2014/main" id="{35F208E5-7037-43C1-A023-1454F9383ED2}"/>
+              </a:ext>
+            </a:extLst>
+          </p:cNvPr>
+          <p:cNvSpPr>
+            <a:spLocks noChangeAspect="1" noChangeArrowheads="1"/>
+          </p:cNvSpPr>
+          <p:nvPr/>
+        </p:nvSpPr>
+        <p:spPr bwMode="auto">
+          <a:xfrm>
+            <a:off x="5943600" y="3276600"/>
+            <a:ext cx="304800" cy="304800"/>
+          </a:xfrm>
+          <a:prstGeom prst="rect">
+            <a:avLst/>
+          </a:prstGeom>
+          <a:noFill/>
+          <a:extLst>
+            <a:ext uri="{909E8E84-426E-40DD-AFC4-6F175D3DCCD1}">
+              <a14:hiddenFill xmlns:a14="http://schemas.microsoft.com/office/drawing/2010/main">
+                <a:solidFill>
+                  <a:srgbClr val="FFFFFF"/>
+                </a:solidFill>
+              </a14:hiddenFill>
+            </a:ext>
+          </a:extLst>
+        </p:spPr>
+        <p:txBody>
+          <a:bodyPr vert="horz" wrap="square" lIns="91440" tIns="45720" rIns="91440" bIns="45720" numCol="1" anchor="t" anchorCtr="0" compatLnSpc="1">
+            <a:prstTxWarp prst="textNoShape">
+              <a:avLst/>
+            </a:prstTxWarp>
+          </a:bodyPr>
+          <a:lstStyle/>
+          <a:p>
+            <a:endParaRPr lang="en-US"/>
+          </a:p>
+        </p:txBody>
+      </p:sp>
+      <p:pic>
+        <p:nvPicPr>
+          <p:cNvPr id="4" name="Picture 3">
+            <a:extLst>
+              <a:ext uri="{FF2B5EF4-FFF2-40B4-BE49-F238E27FC236}">
+                <a16:creationId xmlns:a16="http://schemas.microsoft.com/office/drawing/2014/main" id="{BFB227FF-08F1-47EB-81AF-177D762D5024}"/>
+              </a:ext>
+            </a:extLst>
+          </p:cNvPr>
+          <p:cNvPicPr>
+            <a:picLocks noChangeAspect="1"/>
+          </p:cNvPicPr>
+          <p:nvPr/>
+        </p:nvPicPr>
+        <p:blipFill>
+          <a:blip r:embed="rId2"/>
+          <a:stretch>
+            <a:fillRect/>
+          </a:stretch>
+        </p:blipFill>
+        <p:spPr>
+          <a:xfrm>
+            <a:off x="8981627" y="1485650"/>
+            <a:ext cx="3210373" cy="3581900"/>
+          </a:xfrm>
+          <a:prstGeom prst="rect">
+            <a:avLst/>
+          </a:prstGeom>
+        </p:spPr>
+      </p:pic>
+    </p:spTree>
+    <p:extLst>
+      <p:ext uri="{BB962C8B-B14F-4D97-AF65-F5344CB8AC3E}">
+        <p14:creationId xmlns:p14="http://schemas.microsoft.com/office/powerpoint/2010/main" val="2552255179"/>
+      </p:ext>
+    </p:extLst>
+  </p:cSld>
+  <p:clrMapOvr>
+    <a:masterClrMapping/>
+  </p:clrMapOvr>
+</p:sld>
+</file>
+
+<file path=ppt/slides/slide31.xml><?xml version="1.0" encoding="utf-8"?>
+<p:sld xmlns:a="http://schemas.openxmlformats.org/drawingml/2006/main" xmlns:r="http://schemas.openxmlformats.org/officeDocument/2006/relationships" xmlns:p="http://schemas.openxmlformats.org/presentationml/2006/main">
+  <p:cSld>
+    <p:spTree>
+      <p:nvGrpSpPr>
+        <p:cNvPr id="1" name=""/>
+        <p:cNvGrpSpPr/>
+        <p:nvPr/>
+      </p:nvGrpSpPr>
+      <p:grpSpPr>
+        <a:xfrm>
+          <a:off x="0" y="0"/>
+          <a:ext cx="0" cy="0"/>
+          <a:chOff x="0" y="0"/>
+          <a:chExt cx="0" cy="0"/>
+        </a:xfrm>
+      </p:grpSpPr>
+      <p:sp>
+        <p:nvSpPr>
+          <p:cNvPr id="2" name="Title 1">
+            <a:extLst>
+              <a:ext uri="{FF2B5EF4-FFF2-40B4-BE49-F238E27FC236}">
+                <a16:creationId xmlns:a16="http://schemas.microsoft.com/office/drawing/2014/main" id="{D0CBD092-444D-485B-B077-AE37DB7967F1}"/>
+              </a:ext>
+            </a:extLst>
+          </p:cNvPr>
+          <p:cNvSpPr>
+            <a:spLocks noGrp="1"/>
+          </p:cNvSpPr>
+          <p:nvPr>
+            <p:ph type="title"/>
+          </p:nvPr>
+        </p:nvSpPr>
+        <p:spPr/>
+        <p:txBody>
+          <a:bodyPr/>
+          <a:lstStyle/>
+          <a:p>
+            <a:r>
+              <a:rPr lang="en-US" dirty="0"/>
+              <a:t>Can’t Trust Google Implicitly, But</a:t>
+            </a:r>
+          </a:p>
+        </p:txBody>
+      </p:sp>
+      <p:sp>
+        <p:nvSpPr>
+          <p:cNvPr id="3" name="Content Placeholder 2">
+            <a:extLst>
+              <a:ext uri="{FF2B5EF4-FFF2-40B4-BE49-F238E27FC236}">
+                <a16:creationId xmlns:a16="http://schemas.microsoft.com/office/drawing/2014/main" id="{65B32B1F-E0DF-456C-B7E0-F6CB2CBEA651}"/>
+              </a:ext>
+            </a:extLst>
+          </p:cNvPr>
+          <p:cNvSpPr>
+            <a:spLocks noGrp="1"/>
+          </p:cNvSpPr>
+          <p:nvPr>
+            <p:ph idx="1"/>
+          </p:nvPr>
+        </p:nvSpPr>
+        <p:spPr>
+          <a:xfrm>
+            <a:off x="542926" y="1476375"/>
+            <a:ext cx="11087100" cy="5276850"/>
+          </a:xfrm>
+        </p:spPr>
+        <p:txBody>
+          <a:bodyPr>
+            <a:normAutofit fontScale="92500" lnSpcReduction="10000"/>
+          </a:bodyPr>
+          <a:lstStyle/>
+          <a:p>
+            <a:r>
+              <a:rPr lang="en-US" sz="3600" dirty="0"/>
+              <a:t>Google provided MFA to all accounts as early as 2010.</a:t>
+            </a:r>
+          </a:p>
+          <a:p>
+            <a:r>
+              <a:rPr lang="en-US" sz="3600" dirty="0"/>
+              <a:t>Google offers a free Advanced Protection platform utilizing hardware MFA for “</a:t>
+            </a:r>
+            <a:r>
+              <a:rPr lang="en-US" sz="3600" dirty="0">
+                <a:effectLst/>
+              </a:rPr>
+              <a:t>anyone at risk of targeted attacks – like </a:t>
+            </a:r>
+            <a:r>
+              <a:rPr lang="en-US" sz="3600" b="1" dirty="0">
+                <a:effectLst/>
+              </a:rPr>
+              <a:t>journalists, activists, business leaders, and political teams.” Imagine if </a:t>
+            </a:r>
+            <a:r>
+              <a:rPr lang="en-US" sz="3600" b="1" dirty="0"/>
+              <a:t>we had this in 2016.</a:t>
+            </a:r>
+            <a:r>
+              <a:rPr lang="en-US" sz="3600" dirty="0"/>
+              <a:t> </a:t>
+            </a:r>
+            <a:r>
+              <a:rPr lang="en-US" sz="2600" dirty="0">
+                <a:hlinkClick r:id="rId2"/>
+              </a:rPr>
+              <a:t>https://landing.google.com/advancedprotection/</a:t>
+            </a:r>
+            <a:endParaRPr lang="en-US" sz="2600" dirty="0"/>
+          </a:p>
+          <a:p>
+            <a:r>
+              <a:rPr lang="en-US" sz="3600" dirty="0"/>
+              <a:t>“Google </a:t>
+            </a:r>
+            <a:r>
+              <a:rPr lang="en-US" sz="3600" b="1" dirty="0"/>
+              <a:t>has</a:t>
+            </a:r>
+            <a:r>
+              <a:rPr lang="en-US" sz="3600" dirty="0"/>
+              <a:t> </a:t>
+            </a:r>
+            <a:r>
+              <a:rPr lang="en-US" sz="3600" b="1" dirty="0"/>
+              <a:t>not had any of its 85,000+ employees successfully phished </a:t>
+            </a:r>
+            <a:r>
+              <a:rPr lang="en-US" sz="3600" dirty="0"/>
+              <a:t>since early 2017, when it began requiring all employees to use physical Security Keys in place of passwords and one-time codes.” </a:t>
+            </a:r>
+            <a:r>
+              <a:rPr lang="en-US" sz="1400" dirty="0">
+                <a:hlinkClick r:id="rId3"/>
+              </a:rPr>
+              <a:t>https://krebsonsecurity.com/2018/07/google-security-keys-neutralized-employee-phishing/</a:t>
+            </a:r>
+            <a:endParaRPr lang="en-US" sz="1400" dirty="0"/>
+          </a:p>
+          <a:p>
+            <a:endParaRPr lang="en-US" sz="3600" dirty="0"/>
+          </a:p>
+        </p:txBody>
+      </p:sp>
+      <p:sp>
+        <p:nvSpPr>
+          <p:cNvPr id="8" name="AutoShape 10" descr="https://lh3.googleusercontent.com/SClWEmbk7QxxuKiWshok2T45vAwEQYCduisnnGORqrha7KfpQsvFZa0xac_jyj_tE9Mn=w1920-h947-rw">
+            <a:extLst>
+              <a:ext uri="{FF2B5EF4-FFF2-40B4-BE49-F238E27FC236}">
+                <a16:creationId xmlns:a16="http://schemas.microsoft.com/office/drawing/2014/main" id="{35F208E5-7037-43C1-A023-1454F9383ED2}"/>
+              </a:ext>
+            </a:extLst>
+          </p:cNvPr>
+          <p:cNvSpPr>
+            <a:spLocks noChangeAspect="1" noChangeArrowheads="1"/>
+          </p:cNvSpPr>
+          <p:nvPr/>
+        </p:nvSpPr>
+        <p:spPr bwMode="auto">
+          <a:xfrm>
+            <a:off x="5943600" y="3276600"/>
+            <a:ext cx="304800" cy="304800"/>
+          </a:xfrm>
+          <a:prstGeom prst="rect">
+            <a:avLst/>
+          </a:prstGeom>
+          <a:noFill/>
+          <a:extLst>
+            <a:ext uri="{909E8E84-426E-40DD-AFC4-6F175D3DCCD1}">
+              <a14:hiddenFill xmlns:a14="http://schemas.microsoft.com/office/drawing/2010/main">
+                <a:solidFill>
+                  <a:srgbClr val="FFFFFF"/>
+                </a:solidFill>
+              </a14:hiddenFill>
+            </a:ext>
+          </a:extLst>
+        </p:spPr>
+        <p:txBody>
+          <a:bodyPr vert="horz" wrap="square" lIns="91440" tIns="45720" rIns="91440" bIns="45720" numCol="1" anchor="t" anchorCtr="0" compatLnSpc="1">
+            <a:prstTxWarp prst="textNoShape">
+              <a:avLst/>
+            </a:prstTxWarp>
+          </a:bodyPr>
+          <a:lstStyle/>
+          <a:p>
+            <a:endParaRPr lang="en-US"/>
+          </a:p>
+        </p:txBody>
+      </p:sp>
+    </p:spTree>
+    <p:extLst>
+      <p:ext uri="{BB962C8B-B14F-4D97-AF65-F5344CB8AC3E}">
+        <p14:creationId xmlns:p14="http://schemas.microsoft.com/office/powerpoint/2010/main" val="2415589479"/>
+      </p:ext>
+    </p:extLst>
+  </p:cSld>
+  <p:clrMapOvr>
+    <a:masterClrMapping/>
+  </p:clrMapOvr>
+</p:sld>
+</file>
+
+<file path=ppt/slides/slide32.xml><?xml version="1.0" encoding="utf-8"?>
+<p:sld xmlns:a="http://schemas.openxmlformats.org/drawingml/2006/main" xmlns:r="http://schemas.openxmlformats.org/officeDocument/2006/relationships" xmlns:p="http://schemas.openxmlformats.org/presentationml/2006/main">
+  <p:cSld>
+    <p:spTree>
+      <p:nvGrpSpPr>
+        <p:cNvPr id="1" name=""/>
+        <p:cNvGrpSpPr/>
+        <p:nvPr/>
+      </p:nvGrpSpPr>
+      <p:grpSpPr>
+        <a:xfrm>
+          <a:off x="0" y="0"/>
+          <a:ext cx="0" cy="0"/>
+          <a:chOff x="0" y="0"/>
+          <a:chExt cx="0" cy="0"/>
+        </a:xfrm>
+      </p:grpSpPr>
+      <p:sp>
+        <p:nvSpPr>
+          <p:cNvPr id="2" name="Title 1">
+            <a:extLst>
+              <a:ext uri="{FF2B5EF4-FFF2-40B4-BE49-F238E27FC236}">
+                <a16:creationId xmlns:a16="http://schemas.microsoft.com/office/drawing/2014/main" id="{D0CBD092-444D-485B-B077-AE37DB7967F1}"/>
+              </a:ext>
+            </a:extLst>
+          </p:cNvPr>
+          <p:cNvSpPr>
+            <a:spLocks noGrp="1"/>
+          </p:cNvSpPr>
+          <p:nvPr>
+            <p:ph type="title"/>
+          </p:nvPr>
+        </p:nvSpPr>
+        <p:spPr/>
+        <p:txBody>
+          <a:bodyPr/>
+          <a:lstStyle/>
+          <a:p>
+            <a:r>
+              <a:rPr lang="en-US" dirty="0"/>
+              <a:t>Personal Practical Cybersecurity</a:t>
+            </a:r>
+          </a:p>
+        </p:txBody>
+      </p:sp>
+      <p:sp>
+        <p:nvSpPr>
+          <p:cNvPr id="3" name="Content Placeholder 2">
+            <a:extLst>
+              <a:ext uri="{FF2B5EF4-FFF2-40B4-BE49-F238E27FC236}">
+                <a16:creationId xmlns:a16="http://schemas.microsoft.com/office/drawing/2014/main" id="{65B32B1F-E0DF-456C-B7E0-F6CB2CBEA651}"/>
+              </a:ext>
+            </a:extLst>
+          </p:cNvPr>
+          <p:cNvSpPr>
+            <a:spLocks noGrp="1"/>
+          </p:cNvSpPr>
+          <p:nvPr>
+            <p:ph idx="1"/>
+          </p:nvPr>
+        </p:nvSpPr>
+        <p:spPr>
+          <a:xfrm>
+            <a:off x="838200" y="1825625"/>
+            <a:ext cx="10791825" cy="4351338"/>
+          </a:xfrm>
+        </p:spPr>
+        <p:txBody>
+          <a:bodyPr>
+            <a:normAutofit/>
+          </a:bodyPr>
+          <a:lstStyle/>
+          <a:p>
+            <a:r>
+              <a:rPr lang="en-US" sz="4800" dirty="0"/>
+              <a:t>MFA and website integration are relatively immature but advancing.</a:t>
+            </a:r>
+          </a:p>
+          <a:p>
+            <a:r>
+              <a:rPr lang="en-US" sz="4800" dirty="0"/>
+              <a:t>Efforts are hindered by the cost and sophistication but </a:t>
+            </a:r>
+            <a:r>
+              <a:rPr lang="en-US" sz="4800" b="1" dirty="0"/>
+              <a:t>mostly hindered by user resistance to change.</a:t>
+            </a:r>
+            <a:endParaRPr lang="en-US" sz="4800" dirty="0"/>
+          </a:p>
+        </p:txBody>
+      </p:sp>
+      <p:sp>
+        <p:nvSpPr>
+          <p:cNvPr id="8" name="AutoShape 10" descr="https://lh3.googleusercontent.com/SClWEmbk7QxxuKiWshok2T45vAwEQYCduisnnGORqrha7KfpQsvFZa0xac_jyj_tE9Mn=w1920-h947-rw">
+            <a:extLst>
+              <a:ext uri="{FF2B5EF4-FFF2-40B4-BE49-F238E27FC236}">
+                <a16:creationId xmlns:a16="http://schemas.microsoft.com/office/drawing/2014/main" id="{35F208E5-7037-43C1-A023-1454F9383ED2}"/>
+              </a:ext>
+            </a:extLst>
+          </p:cNvPr>
+          <p:cNvSpPr>
+            <a:spLocks noChangeAspect="1" noChangeArrowheads="1"/>
+          </p:cNvSpPr>
+          <p:nvPr/>
+        </p:nvSpPr>
+        <p:spPr bwMode="auto">
+          <a:xfrm>
+            <a:off x="5943600" y="3276600"/>
+            <a:ext cx="304800" cy="304800"/>
+          </a:xfrm>
+          <a:prstGeom prst="rect">
+            <a:avLst/>
+          </a:prstGeom>
+          <a:noFill/>
+          <a:extLst>
+            <a:ext uri="{909E8E84-426E-40DD-AFC4-6F175D3DCCD1}">
+              <a14:hiddenFill xmlns:a14="http://schemas.microsoft.com/office/drawing/2010/main">
+                <a:solidFill>
+                  <a:srgbClr val="FFFFFF"/>
+                </a:solidFill>
+              </a14:hiddenFill>
+            </a:ext>
+          </a:extLst>
+        </p:spPr>
+        <p:txBody>
+          <a:bodyPr vert="horz" wrap="square" lIns="91440" tIns="45720" rIns="91440" bIns="45720" numCol="1" anchor="t" anchorCtr="0" compatLnSpc="1">
+            <a:prstTxWarp prst="textNoShape">
+              <a:avLst/>
+            </a:prstTxWarp>
+          </a:bodyPr>
+          <a:lstStyle/>
+          <a:p>
+            <a:endParaRPr lang="en-US"/>
+          </a:p>
+        </p:txBody>
+      </p:sp>
+    </p:spTree>
+    <p:extLst>
+      <p:ext uri="{BB962C8B-B14F-4D97-AF65-F5344CB8AC3E}">
+        <p14:creationId xmlns:p14="http://schemas.microsoft.com/office/powerpoint/2010/main" val="993667997"/>
+      </p:ext>
+    </p:extLst>
+  </p:cSld>
+  <p:clrMapOvr>
+    <a:masterClrMapping/>
+  </p:clrMapOvr>
+</p:sld>
+</file>
+
+<file path=ppt/slides/slide33.xml><?xml version="1.0" encoding="utf-8"?>
+<p:sld xmlns:a="http://schemas.openxmlformats.org/drawingml/2006/main" xmlns:r="http://schemas.openxmlformats.org/officeDocument/2006/relationships" xmlns:p="http://schemas.openxmlformats.org/presentationml/2006/main">
+  <p:cSld>
+    <p:spTree>
+      <p:nvGrpSpPr>
+        <p:cNvPr id="1" name=""/>
+        <p:cNvGrpSpPr/>
+        <p:nvPr/>
+      </p:nvGrpSpPr>
+      <p:grpSpPr>
+        <a:xfrm>
+          <a:off x="0" y="0"/>
+          <a:ext cx="0" cy="0"/>
+          <a:chOff x="0" y="0"/>
+          <a:chExt cx="0" cy="0"/>
+        </a:xfrm>
+      </p:grpSpPr>
+      <p:sp>
+        <p:nvSpPr>
+          <p:cNvPr id="2" name="Title 1">
+            <a:extLst>
+              <a:ext uri="{FF2B5EF4-FFF2-40B4-BE49-F238E27FC236}">
+                <a16:creationId xmlns:a16="http://schemas.microsoft.com/office/drawing/2014/main" id="{D0CBD092-444D-485B-B077-AE37DB7967F1}"/>
+              </a:ext>
+            </a:extLst>
+          </p:cNvPr>
+          <p:cNvSpPr>
+            <a:spLocks noGrp="1"/>
+          </p:cNvSpPr>
+          <p:nvPr>
+            <p:ph type="title"/>
+          </p:nvPr>
+        </p:nvSpPr>
+        <p:spPr>
+          <a:xfrm>
+            <a:off x="838200" y="365126"/>
+            <a:ext cx="10515600" cy="618286"/>
+          </a:xfrm>
+        </p:spPr>
+        <p:txBody>
+          <a:bodyPr>
+            <a:normAutofit fontScale="90000"/>
+          </a:bodyPr>
+          <a:lstStyle/>
+          <a:p>
+            <a:r>
+              <a:rPr lang="en-US" dirty="0"/>
+              <a:t>More Reading</a:t>
+            </a:r>
+          </a:p>
+        </p:txBody>
+      </p:sp>
+      <p:sp>
+        <p:nvSpPr>
+          <p:cNvPr id="3" name="Content Placeholder 2">
+            <a:extLst>
+              <a:ext uri="{FF2B5EF4-FFF2-40B4-BE49-F238E27FC236}">
+                <a16:creationId xmlns:a16="http://schemas.microsoft.com/office/drawing/2014/main" id="{65B32B1F-E0DF-456C-B7E0-F6CB2CBEA651}"/>
+              </a:ext>
+            </a:extLst>
+          </p:cNvPr>
+          <p:cNvSpPr>
+            <a:spLocks noGrp="1"/>
+          </p:cNvSpPr>
+          <p:nvPr>
+            <p:ph idx="1"/>
+          </p:nvPr>
+        </p:nvSpPr>
+        <p:spPr>
+          <a:xfrm>
+            <a:off x="414067" y="1057835"/>
+            <a:ext cx="11205713" cy="5584504"/>
+          </a:xfrm>
+        </p:spPr>
+        <p:txBody>
+          <a:bodyPr>
+            <a:normAutofit fontScale="85000" lnSpcReduction="20000"/>
+          </a:bodyPr>
+          <a:lstStyle/>
+          <a:p>
+            <a:r>
+              <a:rPr lang="en-US" sz="1600" b="1" dirty="0"/>
+              <a:t>How Russian </a:t>
+            </a:r>
+            <a:r>
+              <a:rPr lang="en-US" sz="1600" b="1" dirty="0" err="1"/>
+              <a:t>Cyberpower</a:t>
+            </a:r>
+            <a:r>
+              <a:rPr lang="en-US" sz="1600" b="1" dirty="0"/>
+              <a:t> Invaded the U.S.</a:t>
+            </a:r>
+            <a:r>
+              <a:rPr lang="en-US" sz="1600" b="1" i="1" dirty="0"/>
+              <a:t> </a:t>
+            </a:r>
+            <a:r>
+              <a:rPr lang="en-US" sz="1600" dirty="0">
+                <a:hlinkClick r:id="rId2"/>
+              </a:rPr>
+              <a:t>https://www.nytimes.com/2016/12/13/us/politics/russia-hack-election-dnc.html</a:t>
+            </a:r>
+            <a:endParaRPr lang="en-US" sz="1600" dirty="0"/>
+          </a:p>
+          <a:p>
+            <a:r>
+              <a:rPr lang="en-US" sz="1600" b="1" dirty="0"/>
+              <a:t>Your password has probably been stolen. Here’s what to do about it. </a:t>
+            </a:r>
+            <a:r>
+              <a:rPr lang="en-US" sz="1600" dirty="0">
+                <a:hlinkClick r:id="rId3"/>
+              </a:rPr>
+              <a:t>https://www.washingtonpost.com/technology/2018/07/12/your-password-has-likely-been-stolen-heres-what-do-about-it/</a:t>
+            </a:r>
+            <a:endParaRPr lang="en-US" sz="1600" dirty="0"/>
+          </a:p>
+          <a:p>
+            <a:r>
+              <a:rPr lang="en-US" sz="1600" b="1" dirty="0"/>
+              <a:t>How to protect yourself from 'spear phishing' hacking technique </a:t>
+            </a:r>
+            <a:r>
+              <a:rPr lang="en-US" sz="1600" dirty="0">
+                <a:hlinkClick r:id="rId4"/>
+              </a:rPr>
+              <a:t>https://phys.org/news/2018-07-spear-phishing-hacking-technique.html</a:t>
+            </a:r>
+            <a:endParaRPr lang="en-US" sz="1600" dirty="0"/>
+          </a:p>
+          <a:p>
+            <a:r>
+              <a:rPr lang="en-US" sz="1600" b="1" dirty="0"/>
+              <a:t>Reddit Breach Highlights Limits of SMS-Based Authentication </a:t>
+            </a:r>
+            <a:r>
+              <a:rPr lang="en-US" sz="1600" dirty="0">
+                <a:hlinkClick r:id="rId5"/>
+              </a:rPr>
+              <a:t>https://krebsonsecurity.com/2018/08/reddit-breach-highlights-limits-of-sms-based-authentication/</a:t>
+            </a:r>
+            <a:endParaRPr lang="en-US" sz="1600" dirty="0"/>
+          </a:p>
+          <a:p>
+            <a:r>
+              <a:rPr lang="en-US" sz="1600" b="1" dirty="0"/>
+              <a:t>This is why you shouldn’t use texts for two-factor authentication </a:t>
+            </a:r>
+            <a:r>
+              <a:rPr lang="en-US" sz="1600" dirty="0">
+                <a:hlinkClick r:id="rId6"/>
+              </a:rPr>
+              <a:t>https://www.theverge.com/2017/9/18/16328172/sms-two-factor-authentication-hack-password-bitcoin</a:t>
+            </a:r>
+            <a:endParaRPr lang="en-US" sz="1600" dirty="0"/>
+          </a:p>
+          <a:p>
+            <a:r>
+              <a:rPr lang="en-US" sz="1600" b="1" dirty="0"/>
+              <a:t>Two-Factor Authentication: Who Has It and How to Set It Up </a:t>
+            </a:r>
+            <a:r>
+              <a:rPr lang="en-US" sz="1600" dirty="0">
+                <a:hlinkClick r:id="rId7"/>
+              </a:rPr>
+              <a:t>https://www.pcmag.com/feature/358289/two-factor-authentication-who-has-it-and-how-to-set-it-up</a:t>
+            </a:r>
+            <a:endParaRPr lang="en-US" sz="1600" dirty="0"/>
+          </a:p>
+          <a:p>
+            <a:r>
+              <a:rPr lang="en-US" sz="1600" b="1" dirty="0"/>
+              <a:t>Hackers beat 2-factor protection with automated phishing attacks </a:t>
+            </a:r>
+            <a:r>
+              <a:rPr lang="en-US" sz="1600" dirty="0">
+                <a:hlinkClick r:id="rId8"/>
+              </a:rPr>
+              <a:t>https://mashable.com/article/hackers-beat-two-factor-authentication-2fa-phishing</a:t>
+            </a:r>
+            <a:r>
+              <a:rPr lang="en-US" sz="1600" dirty="0"/>
+              <a:t> </a:t>
+            </a:r>
+            <a:endParaRPr lang="en-US" sz="1600" b="1" dirty="0"/>
+          </a:p>
+          <a:p>
+            <a:r>
+              <a:rPr lang="en-US" sz="1600" b="1" dirty="0"/>
+              <a:t>Creating the </a:t>
+            </a:r>
+            <a:r>
+              <a:rPr lang="en-US" sz="1600" b="1" dirty="0" err="1"/>
+              <a:t>Unphishable</a:t>
+            </a:r>
+            <a:r>
+              <a:rPr lang="en-US" sz="1600" b="1" dirty="0"/>
+              <a:t> Security Key: How the FIDO U2F security key and </a:t>
+            </a:r>
+            <a:r>
+              <a:rPr lang="en-US" sz="1600" b="1" dirty="0" err="1"/>
+              <a:t>YubiKey</a:t>
+            </a:r>
+            <a:r>
+              <a:rPr lang="en-US" sz="1600" b="1" dirty="0"/>
+              <a:t> stop phishing and man-in-the-middle attacks </a:t>
+            </a:r>
+            <a:r>
+              <a:rPr lang="en-US" sz="1600" dirty="0">
+                <a:hlinkClick r:id="rId9"/>
+              </a:rPr>
+              <a:t>www.yubico.com/2017/10/creating-unphishable-security-key/</a:t>
+            </a:r>
+            <a:endParaRPr lang="en-US" sz="1600" dirty="0"/>
+          </a:p>
+          <a:p>
+            <a:r>
+              <a:rPr lang="en-US" sz="1600" b="1" dirty="0"/>
+              <a:t>What is two-factor authentication, and which 2FA solutions are </a:t>
+            </a:r>
+            <a:r>
+              <a:rPr lang="en-US" sz="1600" b="1" dirty="0" err="1"/>
+              <a:t>best?</a:t>
+            </a:r>
+            <a:r>
+              <a:rPr lang="en-US" sz="1600" dirty="0" err="1">
+                <a:hlinkClick r:id="rId10"/>
+              </a:rPr>
+              <a:t>https</a:t>
+            </a:r>
+            <a:r>
+              <a:rPr lang="en-US" sz="1600" dirty="0">
+                <a:hlinkClick r:id="rId10"/>
+              </a:rPr>
+              <a:t>://www.pcworld.com/article/3225913/what-is-two-factor-authentication-and-which-2fa-apps-are-best.html</a:t>
+            </a:r>
+            <a:endParaRPr lang="en-US" sz="1600" dirty="0"/>
+          </a:p>
+          <a:p>
+            <a:r>
+              <a:rPr lang="en-US" sz="1600" b="1" dirty="0"/>
+              <a:t>The Limits of SMS for 2-Factor Authentication </a:t>
+            </a:r>
+            <a:r>
+              <a:rPr lang="en-US" sz="1600" dirty="0">
+                <a:hlinkClick r:id="rId11"/>
+              </a:rPr>
+              <a:t>https://krebsonsecurity.com/2016/09/the-limits-of-sms-for-2-factor-authentication/</a:t>
+            </a:r>
+            <a:endParaRPr lang="en-US" sz="1600" dirty="0"/>
+          </a:p>
+          <a:p>
+            <a:r>
+              <a:rPr lang="en-US" sz="1600" b="1" dirty="0"/>
+              <a:t>Major SMS security lapse is a reminder to use authenticator apps instead </a:t>
+            </a:r>
+            <a:r>
+              <a:rPr lang="en-US" sz="1600" dirty="0">
+                <a:hlinkClick r:id="rId12"/>
+              </a:rPr>
+              <a:t>https://www.theverge.com/2018/11/16/18098286/vovox-security-breach-two-factor-authentication-2fa-codes-exposed</a:t>
+            </a:r>
+            <a:endParaRPr lang="en-US" sz="1600" dirty="0"/>
+          </a:p>
+          <a:p>
+            <a:r>
+              <a:rPr lang="en-US" sz="1600" b="1" dirty="0"/>
+              <a:t>Metro Bank targeted with 2FA-bypassing SS7 attacks </a:t>
+            </a:r>
+            <a:r>
+              <a:rPr lang="en-US" sz="1600" dirty="0">
+                <a:hlinkClick r:id="rId13"/>
+              </a:rPr>
+              <a:t>https://www.itpro.co.uk/security/32898/metro-bank-targeted-with-2fa-bypassing-ss7-attacks</a:t>
+            </a:r>
+            <a:endParaRPr lang="en-US" sz="1600" dirty="0"/>
+          </a:p>
+          <a:p>
+            <a:r>
+              <a:rPr lang="en-US" sz="1600" b="1" dirty="0"/>
+              <a:t>Secure password-less sign-in for your Microsoft account using a security key or Windows Hello </a:t>
+            </a:r>
+            <a:r>
+              <a:rPr lang="en-US" sz="1600" dirty="0">
+                <a:hlinkClick r:id="rId14"/>
+              </a:rPr>
+              <a:t>https://www.microsoft.com/en-us/microsoft-365/blog/2018/11/20/sign-in-to-your-microsoft-account-without-a-password-using-windows-hello-or-a-security-key/</a:t>
+            </a:r>
+            <a:endParaRPr lang="en-US" sz="1600" dirty="0"/>
+          </a:p>
+        </p:txBody>
+      </p:sp>
+    </p:spTree>
+    <p:extLst>
+      <p:ext uri="{BB962C8B-B14F-4D97-AF65-F5344CB8AC3E}">
+        <p14:creationId xmlns:p14="http://schemas.microsoft.com/office/powerpoint/2010/main" val="2070803440"/>
+      </p:ext>
+    </p:extLst>
+  </p:cSld>
+  <p:clrMapOvr>
+    <a:masterClrMapping/>
+  </p:clrMapOvr>
+</p:sld>
+</file>
+
+<file path=ppt/slides/slide4.xml><?xml version="1.0" encoding="utf-8"?>
+<p:sld xmlns:a="http://schemas.openxmlformats.org/drawingml/2006/main" xmlns:r="http://schemas.openxmlformats.org/officeDocument/2006/relationships" xmlns:p="http://schemas.openxmlformats.org/presentationml/2006/main">
+  <p:cSld>
+    <p:spTree>
+      <p:nvGrpSpPr>
+        <p:cNvPr id="1" name=""/>
+        <p:cNvGrpSpPr/>
+        <p:nvPr/>
+      </p:nvGrpSpPr>
+      <p:grpSpPr>
+        <a:xfrm>
+          <a:off x="0" y="0"/>
+          <a:ext cx="0" cy="0"/>
+          <a:chOff x="0" y="0"/>
+          <a:chExt cx="0" cy="0"/>
+        </a:xfrm>
+      </p:grpSpPr>
+      <p:sp>
+        <p:nvSpPr>
+          <p:cNvPr id="3" name="Content Placeholder 2">
+            <a:extLst>
+              <a:ext uri="{FF2B5EF4-FFF2-40B4-BE49-F238E27FC236}">
+                <a16:creationId xmlns:a16="http://schemas.microsoft.com/office/drawing/2014/main" id="{65B32B1F-E0DF-456C-B7E0-F6CB2CBEA651}"/>
+              </a:ext>
+            </a:extLst>
+          </p:cNvPr>
+          <p:cNvSpPr>
+            <a:spLocks noGrp="1"/>
+          </p:cNvSpPr>
+          <p:nvPr>
+            <p:ph idx="1"/>
+          </p:nvPr>
+        </p:nvSpPr>
+        <p:spPr>
+          <a:xfrm>
+            <a:off x="838200" y="1379912"/>
+            <a:ext cx="10515600" cy="5295207"/>
+          </a:xfrm>
+        </p:spPr>
+        <p:txBody>
+          <a:bodyPr>
+            <a:normAutofit/>
+          </a:bodyPr>
+          <a:lstStyle/>
+          <a:p>
+            <a:pPr marL="0" indent="0" fontAlgn="base">
+              <a:buNone/>
+            </a:pPr>
+            <a:r>
+              <a:rPr lang="en-US" sz="8000" b="1" dirty="0"/>
+              <a:t>What good is a super complex password when it is known?</a:t>
+            </a:r>
+            <a:endParaRPr lang="en-US" sz="9600" b="1" dirty="0"/>
+          </a:p>
+        </p:txBody>
+      </p:sp>
+    </p:spTree>
+    <p:extLst>
+      <p:ext uri="{BB962C8B-B14F-4D97-AF65-F5344CB8AC3E}">
+        <p14:creationId xmlns:p14="http://schemas.microsoft.com/office/powerpoint/2010/main" val="1863972549"/>
+      </p:ext>
+    </p:extLst>
+  </p:cSld>
+  <p:clrMapOvr>
+    <a:masterClrMapping/>
+  </p:clrMapOvr>
+</p:sld>
+</file>
+
 <file path=ppt/slides/slide5.xml><?xml version="1.0" encoding="utf-8"?>
 <p:sld xmlns:a="http://schemas.openxmlformats.org/drawingml/2006/main" xmlns:r="http://schemas.openxmlformats.org/officeDocument/2006/relationships" xmlns:p="http://schemas.openxmlformats.org/presentationml/2006/main">
   <p:cSld>
@@ -9245,47 +9646,120 @@
       </p:grpSpPr>
       <p:sp>
         <p:nvSpPr>
-          <p:cNvPr id="3" name="Content Placeholder 2">
-            <a:extLst>
-              <a:ext uri="{FF2B5EF4-FFF2-40B4-BE49-F238E27FC236}">
-                <a16:creationId xmlns:a16="http://schemas.microsoft.com/office/drawing/2014/main" id="{65B32B1F-E0DF-456C-B7E0-F6CB2CBEA651}"/>
-              </a:ext>
-            </a:extLst>
-          </p:cNvPr>
-          <p:cNvSpPr>
-            <a:spLocks noGrp="1"/>
-          </p:cNvSpPr>
-          <p:nvPr>
-            <p:ph idx="1"/>
-          </p:nvPr>
+          <p:cNvPr id="2" name="Title 1">
+            <a:extLst>
+              <a:ext uri="{FF2B5EF4-FFF2-40B4-BE49-F238E27FC236}">
+                <a16:creationId xmlns:a16="http://schemas.microsoft.com/office/drawing/2014/main" id="{D0CBD092-444D-485B-B077-AE37DB7967F1}"/>
+              </a:ext>
+            </a:extLst>
+          </p:cNvPr>
+          <p:cNvSpPr>
+            <a:spLocks noGrp="1"/>
+          </p:cNvSpPr>
+          <p:nvPr>
+            <p:ph type="title"/>
+          </p:nvPr>
+        </p:nvSpPr>
+        <p:spPr/>
+        <p:txBody>
+          <a:bodyPr/>
+          <a:lstStyle/>
+          <a:p>
+            <a:r>
+              <a:rPr lang="en-US" dirty="0"/>
+              <a:t> </a:t>
+            </a:r>
+          </a:p>
+        </p:txBody>
+      </p:sp>
+      <p:pic>
+        <p:nvPicPr>
+          <p:cNvPr id="1026" name="Picture 2" descr="https://lh3.googleusercontent.com/-x3_E_M8xMK0/XS4iASJObPI/AAAAAAABcZc/bvuTNn816Ecmeb9-yc9IiIENSArNSAWXACK8BGAs/s0/2019-07-16.png">
+            <a:extLst>
+              <a:ext uri="{FF2B5EF4-FFF2-40B4-BE49-F238E27FC236}">
+                <a16:creationId xmlns:a16="http://schemas.microsoft.com/office/drawing/2014/main" id="{348F497A-DFBF-4283-82F7-04D4C4CDD43A}"/>
+              </a:ext>
+            </a:extLst>
+          </p:cNvPr>
+          <p:cNvPicPr>
+            <a:picLocks noChangeAspect="1" noChangeArrowheads="1"/>
+          </p:cNvPicPr>
+          <p:nvPr/>
+        </p:nvPicPr>
+        <p:blipFill>
+          <a:blip r:embed="rId2">
+            <a:extLst>
+              <a:ext uri="{28A0092B-C50C-407E-A947-70E740481C1C}">
+                <a14:useLocalDpi xmlns:a14="http://schemas.microsoft.com/office/drawing/2010/main" val="0"/>
+              </a:ext>
+            </a:extLst>
+          </a:blip>
+          <a:srcRect/>
+          <a:stretch>
+            <a:fillRect/>
+          </a:stretch>
+        </p:blipFill>
+        <p:spPr bwMode="auto">
+          <a:xfrm>
+            <a:off x="1596401" y="63089"/>
+            <a:ext cx="8999197" cy="6731821"/>
+          </a:xfrm>
+          <a:prstGeom prst="rect">
+            <a:avLst/>
+          </a:prstGeom>
+          <a:noFill/>
+          <a:extLst>
+            <a:ext uri="{909E8E84-426E-40DD-AFC4-6F175D3DCCD1}">
+              <a14:hiddenFill xmlns:a14="http://schemas.microsoft.com/office/drawing/2010/main">
+                <a:solidFill>
+                  <a:srgbClr val="FFFFFF"/>
+                </a:solidFill>
+              </a14:hiddenFill>
+            </a:ext>
+          </a:extLst>
+        </p:spPr>
+      </p:pic>
+      <p:sp>
+        <p:nvSpPr>
+          <p:cNvPr id="6" name="Rectangle 5">
+            <a:extLst>
+              <a:ext uri="{FF2B5EF4-FFF2-40B4-BE49-F238E27FC236}">
+                <a16:creationId xmlns:a16="http://schemas.microsoft.com/office/drawing/2014/main" id="{D89F80A8-56C9-4F7C-A493-B44D076482A7}"/>
+              </a:ext>
+            </a:extLst>
+          </p:cNvPr>
+          <p:cNvSpPr/>
+          <p:nvPr/>
         </p:nvSpPr>
         <p:spPr>
           <a:xfrm>
-            <a:off x="838200" y="1379912"/>
-            <a:ext cx="10515600" cy="5295207"/>
+            <a:off x="9758372" y="6425578"/>
+            <a:ext cx="2432654" cy="369332"/>
           </a:xfrm>
+          <a:prstGeom prst="rect">
+            <a:avLst/>
+          </a:prstGeom>
         </p:spPr>
         <p:txBody>
-          <a:bodyPr>
-            <a:normAutofit/>
+          <a:bodyPr wrap="none">
+            <a:spAutoFit/>
           </a:bodyPr>
           <a:lstStyle/>
           <a:p>
-            <a:pPr marL="0" indent="0" fontAlgn="base">
-              <a:buNone/>
-            </a:pPr>
-            <a:r>
-              <a:rPr lang="en-US" sz="8000" b="1" dirty="0"/>
-              <a:t>What good is a super complex password when it’s known?</a:t>
-            </a:r>
-            <a:endParaRPr lang="en-US" sz="9600" b="1" dirty="0"/>
+            <a:r>
+              <a:rPr lang="en-US" dirty="0">
+                <a:hlinkClick r:id="rId3"/>
+              </a:rPr>
+              <a:t>https://xkcd.com/2176/</a:t>
+            </a:r>
+            <a:endParaRPr lang="en-US" dirty="0"/>
           </a:p>
         </p:txBody>
       </p:sp>
     </p:spTree>
     <p:extLst>
       <p:ext uri="{BB962C8B-B14F-4D97-AF65-F5344CB8AC3E}">
-        <p14:creationId xmlns:p14="http://schemas.microsoft.com/office/powerpoint/2010/main" val="1863972549"/>
+        <p14:creationId xmlns:p14="http://schemas.microsoft.com/office/powerpoint/2010/main" val="3648181566"/>
       </p:ext>
     </p:extLst>
   </p:cSld>
@@ -9335,99 +9809,85 @@
           <a:p>
             <a:r>
               <a:rPr lang="en-US" dirty="0"/>
-              <a:t> </a:t>
-            </a:r>
-          </a:p>
-        </p:txBody>
-      </p:sp>
-      <p:pic>
-        <p:nvPicPr>
-          <p:cNvPr id="1026" name="Picture 2" descr="https://lh3.googleusercontent.com/-x3_E_M8xMK0/XS4iASJObPI/AAAAAAABcZc/bvuTNn816Ecmeb9-yc9IiIENSArNSAWXACK8BGAs/s0/2019-07-16.png">
-            <a:extLst>
-              <a:ext uri="{FF2B5EF4-FFF2-40B4-BE49-F238E27FC236}">
-                <a16:creationId xmlns:a16="http://schemas.microsoft.com/office/drawing/2014/main" id="{348F497A-DFBF-4283-82F7-04D4C4CDD43A}"/>
-              </a:ext>
-            </a:extLst>
-          </p:cNvPr>
-          <p:cNvPicPr>
-            <a:picLocks noChangeAspect="1" noChangeArrowheads="1"/>
-          </p:cNvPicPr>
-          <p:nvPr/>
-        </p:nvPicPr>
-        <p:blipFill>
-          <a:blip r:embed="rId2">
-            <a:extLst>
-              <a:ext uri="{28A0092B-C50C-407E-A947-70E740481C1C}">
-                <a14:useLocalDpi xmlns:a14="http://schemas.microsoft.com/office/drawing/2010/main" val="0"/>
-              </a:ext>
-            </a:extLst>
-          </a:blip>
-          <a:srcRect/>
-          <a:stretch>
-            <a:fillRect/>
-          </a:stretch>
-        </p:blipFill>
-        <p:spPr bwMode="auto">
-          <a:xfrm>
-            <a:off x="1596401" y="63089"/>
-            <a:ext cx="8999197" cy="6731821"/>
-          </a:xfrm>
-          <a:prstGeom prst="rect">
-            <a:avLst/>
-          </a:prstGeom>
-          <a:noFill/>
-          <a:extLst>
-            <a:ext uri="{909E8E84-426E-40DD-AFC4-6F175D3DCCD1}">
-              <a14:hiddenFill xmlns:a14="http://schemas.microsoft.com/office/drawing/2010/main">
-                <a:solidFill>
-                  <a:srgbClr val="FFFFFF"/>
-                </a:solidFill>
-              </a14:hiddenFill>
-            </a:ext>
-          </a:extLst>
-        </p:spPr>
-      </p:pic>
-      <p:sp>
-        <p:nvSpPr>
-          <p:cNvPr id="6" name="Rectangle 5">
-            <a:extLst>
-              <a:ext uri="{FF2B5EF4-FFF2-40B4-BE49-F238E27FC236}">
-                <a16:creationId xmlns:a16="http://schemas.microsoft.com/office/drawing/2014/main" id="{D89F80A8-56C9-4F7C-A493-B44D076482A7}"/>
-              </a:ext>
-            </a:extLst>
-          </p:cNvPr>
-          <p:cNvSpPr/>
-          <p:nvPr/>
+              <a:t>Phishing</a:t>
+            </a:r>
+          </a:p>
+        </p:txBody>
+      </p:sp>
+      <p:sp>
+        <p:nvSpPr>
+          <p:cNvPr id="3" name="Content Placeholder 2">
+            <a:extLst>
+              <a:ext uri="{FF2B5EF4-FFF2-40B4-BE49-F238E27FC236}">
+                <a16:creationId xmlns:a16="http://schemas.microsoft.com/office/drawing/2014/main" id="{65B32B1F-E0DF-456C-B7E0-F6CB2CBEA651}"/>
+              </a:ext>
+            </a:extLst>
+          </p:cNvPr>
+          <p:cNvSpPr>
+            <a:spLocks noGrp="1"/>
+          </p:cNvSpPr>
+          <p:nvPr>
+            <p:ph idx="1"/>
+          </p:nvPr>
         </p:nvSpPr>
         <p:spPr>
           <a:xfrm>
-            <a:off x="9758372" y="6425578"/>
-            <a:ext cx="2432654" cy="369332"/>
+            <a:off x="838200" y="1463675"/>
+            <a:ext cx="10515600" cy="5156200"/>
           </a:xfrm>
-          <a:prstGeom prst="rect">
-            <a:avLst/>
-          </a:prstGeom>
         </p:spPr>
         <p:txBody>
-          <a:bodyPr wrap="none">
-            <a:spAutoFit/>
+          <a:bodyPr>
+            <a:normAutofit fontScale="77500" lnSpcReduction="20000"/>
           </a:bodyPr>
           <a:lstStyle/>
           <a:p>
-            <a:r>
-              <a:rPr lang="en-US" dirty="0">
-                <a:hlinkClick r:id="rId3"/>
-              </a:rPr>
-              <a:t>https://xkcd.com/2176/</a:t>
-            </a:r>
-            <a:endParaRPr lang="en-US" dirty="0"/>
+            <a:pPr>
+              <a:lnSpc>
+                <a:spcPct val="120000"/>
+              </a:lnSpc>
+            </a:pPr>
+            <a:r>
+              <a:rPr lang="en-US" sz="4800" dirty="0"/>
+              <a:t>Of course you know about not clicking suspicious email links which are attempting to harvest your username/password via a </a:t>
+            </a:r>
+            <a:br>
+              <a:rPr lang="en-US" sz="4800" dirty="0"/>
+            </a:br>
+            <a:r>
+              <a:rPr lang="en-US" sz="4800" b="1" dirty="0"/>
+              <a:t>fake but realistic-looking login page.</a:t>
+            </a:r>
+          </a:p>
+          <a:p>
+            <a:pPr>
+              <a:lnSpc>
+                <a:spcPct val="120000"/>
+              </a:lnSpc>
+            </a:pPr>
+            <a:r>
+              <a:rPr lang="en-US" sz="4800" dirty="0"/>
+              <a:t>This is called “phishing”, or if they’re going after your job/role/title, “spear phishing”.</a:t>
+            </a:r>
+          </a:p>
+          <a:p>
+            <a:pPr>
+              <a:lnSpc>
+                <a:spcPct val="120000"/>
+              </a:lnSpc>
+            </a:pPr>
+            <a:r>
+              <a:rPr lang="en-US" sz="4800" dirty="0"/>
+              <a:t>But what if they already know your username and password?</a:t>
+            </a:r>
+            <a:endParaRPr lang="en-US" sz="4400" dirty="0"/>
           </a:p>
         </p:txBody>
       </p:sp>
     </p:spTree>
     <p:extLst>
       <p:ext uri="{BB962C8B-B14F-4D97-AF65-F5344CB8AC3E}">
-        <p14:creationId xmlns:p14="http://schemas.microsoft.com/office/powerpoint/2010/main" val="3648181566"/>
+        <p14:creationId xmlns:p14="http://schemas.microsoft.com/office/powerpoint/2010/main" val="292957853"/>
       </p:ext>
     </p:extLst>
   </p:cSld>
@@ -9477,7 +9937,7 @@
           <a:p>
             <a:r>
               <a:rPr lang="en-US" dirty="0"/>
-              <a:t>Phishing</a:t>
+              <a:t>Password Hygiene </a:t>
             </a:r>
           </a:p>
         </p:txBody>
@@ -9516,37 +9976,57 @@
               </a:lnSpc>
             </a:pPr>
             <a:r>
-              <a:rPr lang="en-US" sz="4800" dirty="0"/>
-              <a:t>Of course you know about not clicking suspicious email links which are attempting to harvest your username/password via a </a:t>
-            </a:r>
-            <a:br>
-              <a:rPr lang="en-US" sz="4800" dirty="0"/>
-            </a:br>
-            <a:r>
-              <a:rPr lang="en-US" sz="4800" b="1" dirty="0"/>
-              <a:t>fake but realistic-looking login page.</a:t>
-            </a:r>
-          </a:p>
-          <a:p>
-            <a:pPr>
+              <a:rPr lang="en-US" sz="5600" dirty="0"/>
+              <a:t>Has your email been part of any password leaks? </a:t>
+            </a:r>
+            <a:r>
+              <a:rPr lang="en-US" sz="5200" dirty="0">
+                <a:hlinkClick r:id="rId2"/>
+              </a:rPr>
+              <a:t>haveibeenpwned.com</a:t>
+            </a:r>
+            <a:endParaRPr lang="en-US" sz="5200" dirty="0"/>
+          </a:p>
+          <a:p>
+            <a:pPr lvl="1">
               <a:lnSpc>
                 <a:spcPct val="120000"/>
               </a:lnSpc>
             </a:pPr>
             <a:r>
-              <a:rPr lang="en-US" sz="4800" dirty="0"/>
-              <a:t>This is called “phishing”, or if they’re going after you because of your role/title, “spear phishing”.</a:t>
-            </a:r>
-          </a:p>
-          <a:p>
-            <a:pPr>
+              <a:rPr lang="en-US" sz="4000" dirty="0"/>
+              <a:t>Spoiler alert: </a:t>
+            </a:r>
+            <a:r>
+              <a:rPr lang="en-US" sz="4000" i="1" dirty="0"/>
+              <a:t>Almost Certainly</a:t>
+            </a:r>
+          </a:p>
+          <a:p>
+            <a:pPr marL="0" indent="0">
               <a:lnSpc>
                 <a:spcPct val="120000"/>
               </a:lnSpc>
+              <a:buNone/>
             </a:pPr>
             <a:r>
-              <a:rPr lang="en-US" sz="4800" dirty="0"/>
-              <a:t>But what if they already know your username and password?</a:t>
+              <a:rPr lang="en-US" sz="4400" dirty="0"/>
+              <a:t>“People take lists like these that contain our email addresses and passwords then they attempt to see where else they work. </a:t>
+            </a:r>
+            <a:r>
+              <a:rPr lang="en-US" sz="4400" b="1" dirty="0"/>
+              <a:t>The success of this approach is predicated on the fact that people reuse the same credentials on multiple services.</a:t>
+            </a:r>
+            <a:r>
+              <a:rPr lang="en-US" sz="4400" dirty="0"/>
+              <a:t>” </a:t>
+            </a:r>
+            <a:br>
+              <a:rPr lang="en-US" sz="4400" dirty="0"/>
+            </a:br>
+            <a:r>
+              <a:rPr lang="en-US" sz="3200" dirty="0"/>
+              <a:t>–Troy Hunt, haveibeenpwned.com</a:t>
             </a:r>
             <a:endParaRPr lang="en-US" sz="4400" dirty="0"/>
           </a:p>
@@ -9555,7 +10035,7 @@
     </p:spTree>
     <p:extLst>
       <p:ext uri="{BB962C8B-B14F-4D97-AF65-F5344CB8AC3E}">
-        <p14:creationId xmlns:p14="http://schemas.microsoft.com/office/powerpoint/2010/main" val="292957853"/>
+        <p14:creationId xmlns:p14="http://schemas.microsoft.com/office/powerpoint/2010/main" val="3987729892"/>
       </p:ext>
     </p:extLst>
   </p:cSld>
@@ -9626,84 +10106,55 @@
             <p:ph idx="1"/>
           </p:nvPr>
         </p:nvSpPr>
-        <p:spPr>
-          <a:xfrm>
-            <a:off x="838200" y="1463675"/>
-            <a:ext cx="10515600" cy="5156200"/>
-          </a:xfrm>
-        </p:spPr>
+        <p:spPr/>
         <p:txBody>
           <a:bodyPr>
-            <a:normAutofit fontScale="77500" lnSpcReduction="20000"/>
+            <a:normAutofit/>
           </a:bodyPr>
           <a:lstStyle/>
           <a:p>
-            <a:pPr>
-              <a:lnSpc>
-                <a:spcPct val="120000"/>
-              </a:lnSpc>
-            </a:pPr>
-            <a:r>
-              <a:rPr lang="en-US" sz="5600" dirty="0"/>
-              <a:t>Has your email been part of any password leaks? </a:t>
-            </a:r>
-            <a:r>
-              <a:rPr lang="en-US" sz="5200" dirty="0">
-                <a:hlinkClick r:id="rId2"/>
-              </a:rPr>
-              <a:t>haveibeenpwned.com</a:t>
-            </a:r>
-            <a:endParaRPr lang="en-US" sz="5200" dirty="0"/>
-          </a:p>
-          <a:p>
-            <a:pPr lvl="1">
-              <a:lnSpc>
-                <a:spcPct val="120000"/>
-              </a:lnSpc>
-            </a:pPr>
             <a:r>
               <a:rPr lang="en-US" sz="4000" dirty="0"/>
-              <a:t>Spoiler alert: </a:t>
+              <a:t>Password length &gt; Password complexity</a:t>
+            </a:r>
+          </a:p>
+          <a:p>
+            <a:pPr lvl="1"/>
+            <a:r>
+              <a:rPr lang="en-US" sz="4000" dirty="0"/>
+              <a:t>Policies of frequent changes = bad habits</a:t>
+            </a:r>
+          </a:p>
+          <a:p>
+            <a:pPr lvl="1"/>
+            <a:endParaRPr lang="en-US" sz="4000" dirty="0"/>
+          </a:p>
+          <a:p>
+            <a:r>
+              <a:rPr lang="en-US" sz="4000" dirty="0"/>
+              <a:t>Password uniqueness &gt; Password length</a:t>
+            </a:r>
+          </a:p>
+          <a:p>
+            <a:r>
+              <a:rPr lang="en-US" sz="4000" dirty="0"/>
+              <a:t>Passwords </a:t>
             </a:r>
             <a:r>
               <a:rPr lang="en-US" sz="4000" i="1" dirty="0"/>
-              <a:t>Almost Certainly</a:t>
-            </a:r>
-          </a:p>
-          <a:p>
-            <a:pPr marL="0" indent="0">
-              <a:lnSpc>
-                <a:spcPct val="120000"/>
-              </a:lnSpc>
-              <a:buNone/>
-            </a:pPr>
-            <a:r>
-              <a:rPr lang="en-US" sz="4400" dirty="0"/>
-              <a:t>“People take lists like these that contain our email addresses and passwords then they attempt to see where else they work. </a:t>
-            </a:r>
-            <a:r>
-              <a:rPr lang="en-US" sz="4400" b="1" dirty="0"/>
-              <a:t>The success of this approach is predicated on the fact that people reuse the same credentials on multiple services.</a:t>
-            </a:r>
-            <a:r>
-              <a:rPr lang="en-US" sz="4400" dirty="0"/>
-              <a:t>” </a:t>
-            </a:r>
-            <a:br>
-              <a:rPr lang="en-US" sz="4400" dirty="0"/>
-            </a:br>
-            <a:r>
-              <a:rPr lang="en-US" sz="3200" dirty="0"/>
-              <a:t>–Troy Hunt, haveibeenpwned.com</a:t>
-            </a:r>
-            <a:endParaRPr lang="en-US" sz="4400" dirty="0"/>
+              <a:t>alone</a:t>
+            </a:r>
+            <a:r>
+              <a:rPr lang="en-US" sz="4000" dirty="0"/>
+              <a:t> are terrible security</a:t>
+            </a:r>
           </a:p>
         </p:txBody>
       </p:sp>
     </p:spTree>
     <p:extLst>
       <p:ext uri="{BB962C8B-B14F-4D97-AF65-F5344CB8AC3E}">
-        <p14:creationId xmlns:p14="http://schemas.microsoft.com/office/powerpoint/2010/main" val="3987729892"/>
+        <p14:creationId xmlns:p14="http://schemas.microsoft.com/office/powerpoint/2010/main" val="3735776281"/>
       </p:ext>
     </p:extLst>
   </p:cSld>
